--- a/content/docs/theory-analysis/dagster-architecture/images/images.pptx
+++ b/content/docs/theory-analysis/dagster-architecture/images/images.pptx
@@ -5,12 +5,13 @@
     <p:sldMasterId id="2147483648" r:id="rId1"/>
   </p:sldMasterIdLst>
   <p:notesMasterIdLst>
-    <p:notesMasterId r:id="rId5"/>
+    <p:notesMasterId r:id="rId6"/>
   </p:notesMasterIdLst>
   <p:sldIdLst>
     <p:sldId id="367" r:id="rId2"/>
     <p:sldId id="362" r:id="rId3"/>
-    <p:sldId id="368" r:id="rId4"/>
+    <p:sldId id="369" r:id="rId4"/>
+    <p:sldId id="368" r:id="rId5"/>
   </p:sldIdLst>
   <p:sldSz cx="9144000" cy="5143500" type="screen16x9"/>
   <p:notesSz cx="6858000" cy="9144000"/>
@@ -6444,8 +6445,8 @@
         </p:nvSpPr>
         <p:spPr>
           <a:xfrm>
-            <a:off x="6964985" y="1955095"/>
-            <a:ext cx="786694" cy="506425"/>
+            <a:off x="6959281" y="1809471"/>
+            <a:ext cx="786694" cy="335155"/>
           </a:xfrm>
           <a:prstGeom prst="roundRect">
             <a:avLst>
@@ -6754,23 +6755,23 @@
       </p:sp>
       <p:cxnSp>
         <p:nvCxnSpPr>
-          <p:cNvPr id="396" name="Straight Arrow Connector 395">
-            <a:extLst>
-              <a:ext uri="{FF2B5EF4-FFF2-40B4-BE49-F238E27FC236}">
-                <a16:creationId xmlns:a16="http://schemas.microsoft.com/office/drawing/2014/main" id="{8FED5744-29AA-034B-B020-B66E2C0CF5A1}"/>
+          <p:cNvPr id="404" name="Straight Arrow Connector 403">
+            <a:extLst>
+              <a:ext uri="{FF2B5EF4-FFF2-40B4-BE49-F238E27FC236}">
+                <a16:creationId xmlns:a16="http://schemas.microsoft.com/office/drawing/2014/main" id="{7599A455-143C-A847-8814-EE77D8F269A6}"/>
               </a:ext>
             </a:extLst>
           </p:cNvPr>
           <p:cNvCxnSpPr>
             <a:cxnSpLocks/>
-            <a:stCxn id="274" idx="0"/>
+            <a:endCxn id="105" idx="2"/>
           </p:cNvCxnSpPr>
           <p:nvPr/>
         </p:nvCxnSpPr>
         <p:spPr>
           <a:xfrm flipV="1">
-            <a:off x="7358332" y="1629058"/>
-            <a:ext cx="0" cy="326037"/>
+            <a:off x="7358332" y="2608858"/>
+            <a:ext cx="0" cy="173210"/>
           </a:xfrm>
           <a:prstGeom prst="straightConnector1">
             <a:avLst/>
@@ -6798,25 +6799,219 @@
           </a:fontRef>
         </p:style>
       </p:cxnSp>
+      <p:sp>
+        <p:nvSpPr>
+          <p:cNvPr id="416" name="사각형: 둥근 모서리 6">
+            <a:extLst>
+              <a:ext uri="{FF2B5EF4-FFF2-40B4-BE49-F238E27FC236}">
+                <a16:creationId xmlns:a16="http://schemas.microsoft.com/office/drawing/2014/main" id="{4D234D55-18D7-A14C-B049-57FB1F8EA760}"/>
+              </a:ext>
+            </a:extLst>
+          </p:cNvPr>
+          <p:cNvSpPr/>
+          <p:nvPr/>
+        </p:nvSpPr>
+        <p:spPr>
+          <a:xfrm>
+            <a:off x="5648239" y="1865355"/>
+            <a:ext cx="1098821" cy="685906"/>
+          </a:xfrm>
+          <a:prstGeom prst="roundRect">
+            <a:avLst>
+              <a:gd name="adj" fmla="val 12503"/>
+            </a:avLst>
+          </a:prstGeom>
+          <a:ln w="9525"/>
+        </p:spPr>
+        <p:style>
+          <a:lnRef idx="2">
+            <a:schemeClr val="dk1"/>
+          </a:lnRef>
+          <a:fillRef idx="1">
+            <a:schemeClr val="lt1"/>
+          </a:fillRef>
+          <a:effectRef idx="0">
+            <a:schemeClr val="dk1"/>
+          </a:effectRef>
+          <a:fontRef idx="minor">
+            <a:schemeClr val="dk1"/>
+          </a:fontRef>
+        </p:style>
+        <p:txBody>
+          <a:bodyPr rtlCol="0" anchor="ctr"/>
+          <a:lstStyle/>
+          <a:p>
+            <a:pPr algn="ctr"/>
+            <a:r>
+              <a:rPr lang="en-US" altLang="ko-KR" sz="1000"/>
+              <a:t>I/O Data Store</a:t>
+            </a:r>
+          </a:p>
+          <a:p>
+            <a:pPr algn="ctr"/>
+            <a:r>
+              <a:rPr lang="en-US" altLang="ko-KR" sz="1000"/>
+              <a:t>(Memory, </a:t>
+            </a:r>
+          </a:p>
+          <a:p>
+            <a:pPr algn="ctr"/>
+            <a:r>
+              <a:rPr lang="en-US" altLang="ko-KR" sz="1000"/>
+              <a:t>File System,</a:t>
+            </a:r>
+          </a:p>
+          <a:p>
+            <a:pPr algn="ctr"/>
+            <a:r>
+              <a:rPr lang="en-US" altLang="ko-KR" sz="1000"/>
+              <a:t>S3, DuckDB…)</a:t>
+            </a:r>
+          </a:p>
+        </p:txBody>
+      </p:sp>
+      <p:sp>
+        <p:nvSpPr>
+          <p:cNvPr id="449" name="사각형: 둥근 모서리 6">
+            <a:extLst>
+              <a:ext uri="{FF2B5EF4-FFF2-40B4-BE49-F238E27FC236}">
+                <a16:creationId xmlns:a16="http://schemas.microsoft.com/office/drawing/2014/main" id="{FD5C63F7-55AD-A04E-AA0C-45D2EF6E92D6}"/>
+              </a:ext>
+            </a:extLst>
+          </p:cNvPr>
+          <p:cNvSpPr/>
+          <p:nvPr/>
+        </p:nvSpPr>
+        <p:spPr>
+          <a:xfrm>
+            <a:off x="7981037" y="2807002"/>
+            <a:ext cx="892667" cy="384847"/>
+          </a:xfrm>
+          <a:prstGeom prst="roundRect">
+            <a:avLst>
+              <a:gd name="adj" fmla="val 12503"/>
+            </a:avLst>
+          </a:prstGeom>
+          <a:ln w="9525"/>
+        </p:spPr>
+        <p:style>
+          <a:lnRef idx="2">
+            <a:schemeClr val="dk1"/>
+          </a:lnRef>
+          <a:fillRef idx="1">
+            <a:schemeClr val="lt1"/>
+          </a:fillRef>
+          <a:effectRef idx="0">
+            <a:schemeClr val="dk1"/>
+          </a:effectRef>
+          <a:fontRef idx="minor">
+            <a:schemeClr val="dk1"/>
+          </a:fontRef>
+        </p:style>
+        <p:txBody>
+          <a:bodyPr rtlCol="0" anchor="ctr"/>
+          <a:lstStyle/>
+          <a:p>
+            <a:pPr algn="ctr"/>
+            <a:r>
+              <a:rPr lang="en-US" altLang="ko-KR" sz="1000"/>
+              <a:t>External</a:t>
+            </a:r>
+          </a:p>
+          <a:p>
+            <a:pPr algn="ctr"/>
+            <a:r>
+              <a:rPr lang="en-US" altLang="ko-KR" sz="1000"/>
+              <a:t>Resource</a:t>
+            </a:r>
+            <a:endParaRPr lang="ko-KR" altLang="en-US" sz="1000"/>
+          </a:p>
+        </p:txBody>
+      </p:sp>
+      <p:sp>
+        <p:nvSpPr>
+          <p:cNvPr id="451" name="사각형: 둥근 모서리 6">
+            <a:extLst>
+              <a:ext uri="{FF2B5EF4-FFF2-40B4-BE49-F238E27FC236}">
+                <a16:creationId xmlns:a16="http://schemas.microsoft.com/office/drawing/2014/main" id="{FD6012D6-C801-1749-B9BF-1CC8A68D0D9D}"/>
+              </a:ext>
+            </a:extLst>
+          </p:cNvPr>
+          <p:cNvSpPr/>
+          <p:nvPr/>
+        </p:nvSpPr>
+        <p:spPr>
+          <a:xfrm>
+            <a:off x="7865115" y="1865355"/>
+            <a:ext cx="1124506" cy="685905"/>
+          </a:xfrm>
+          <a:prstGeom prst="roundRect">
+            <a:avLst>
+              <a:gd name="adj" fmla="val 12503"/>
+            </a:avLst>
+          </a:prstGeom>
+          <a:ln w="9525"/>
+        </p:spPr>
+        <p:style>
+          <a:lnRef idx="2">
+            <a:schemeClr val="dk1"/>
+          </a:lnRef>
+          <a:fillRef idx="1">
+            <a:schemeClr val="lt1"/>
+          </a:fillRef>
+          <a:effectRef idx="0">
+            <a:schemeClr val="dk1"/>
+          </a:effectRef>
+          <a:fontRef idx="minor">
+            <a:schemeClr val="dk1"/>
+          </a:fontRef>
+        </p:style>
+        <p:txBody>
+          <a:bodyPr rtlCol="0" anchor="ctr"/>
+          <a:lstStyle/>
+          <a:p>
+            <a:pPr algn="ctr"/>
+            <a:r>
+              <a:rPr lang="en-US" altLang="ko-KR" sz="1000"/>
+              <a:t>External</a:t>
+            </a:r>
+            <a:r>
+              <a:rPr lang="ko-KR" altLang="en-US" sz="1000"/>
+              <a:t> </a:t>
+            </a:r>
+            <a:r>
+              <a:rPr lang="en-US" altLang="ko-KR" sz="1000"/>
+              <a:t>Data Store, BI Tools</a:t>
+            </a:r>
+          </a:p>
+          <a:p>
+            <a:pPr algn="ctr"/>
+            <a:r>
+              <a:rPr lang="en-US" altLang="ko-KR" sz="1000"/>
+              <a:t>(S3, BigQuery…)</a:t>
+            </a:r>
+          </a:p>
+        </p:txBody>
+      </p:sp>
       <p:cxnSp>
         <p:nvCxnSpPr>
-          <p:cNvPr id="404" name="Straight Arrow Connector 403">
-            <a:extLst>
-              <a:ext uri="{FF2B5EF4-FFF2-40B4-BE49-F238E27FC236}">
-                <a16:creationId xmlns:a16="http://schemas.microsoft.com/office/drawing/2014/main" id="{7599A455-143C-A847-8814-EE77D8F269A6}"/>
+          <p:cNvPr id="452" name="Straight Arrow Connector 451">
+            <a:extLst>
+              <a:ext uri="{FF2B5EF4-FFF2-40B4-BE49-F238E27FC236}">
+                <a16:creationId xmlns:a16="http://schemas.microsoft.com/office/drawing/2014/main" id="{3230602F-83E3-C045-A28F-8BAF76780FA2}"/>
               </a:ext>
             </a:extLst>
           </p:cNvPr>
           <p:cNvCxnSpPr>
             <a:cxnSpLocks/>
-            <a:endCxn id="274" idx="2"/>
+            <a:endCxn id="449" idx="1"/>
           </p:cNvCxnSpPr>
           <p:nvPr/>
         </p:nvCxnSpPr>
         <p:spPr>
-          <a:xfrm flipV="1">
-            <a:off x="7358332" y="2461520"/>
-            <a:ext cx="0" cy="331464"/>
+          <a:xfrm>
+            <a:off x="7751679" y="2999426"/>
+            <a:ext cx="229358" cy="0"/>
           </a:xfrm>
           <a:prstGeom prst="straightConnector1">
             <a:avLst/>
@@ -6844,97 +7039,26 @@
           </a:fontRef>
         </p:style>
       </p:cxnSp>
-      <p:sp>
-        <p:nvSpPr>
-          <p:cNvPr id="416" name="사각형: 둥근 모서리 6">
-            <a:extLst>
-              <a:ext uri="{FF2B5EF4-FFF2-40B4-BE49-F238E27FC236}">
-                <a16:creationId xmlns:a16="http://schemas.microsoft.com/office/drawing/2014/main" id="{4D234D55-18D7-A14C-B049-57FB1F8EA760}"/>
-              </a:ext>
-            </a:extLst>
-          </p:cNvPr>
-          <p:cNvSpPr/>
-          <p:nvPr/>
-        </p:nvSpPr>
-        <p:spPr>
-          <a:xfrm>
-            <a:off x="5648239" y="1865355"/>
-            <a:ext cx="1098821" cy="685906"/>
-          </a:xfrm>
-          <a:prstGeom prst="roundRect">
-            <a:avLst>
-              <a:gd name="adj" fmla="val 12503"/>
-            </a:avLst>
-          </a:prstGeom>
-          <a:ln w="9525"/>
-        </p:spPr>
-        <p:style>
-          <a:lnRef idx="2">
-            <a:schemeClr val="dk1"/>
-          </a:lnRef>
-          <a:fillRef idx="1">
-            <a:schemeClr val="lt1"/>
-          </a:fillRef>
-          <a:effectRef idx="0">
-            <a:schemeClr val="dk1"/>
-          </a:effectRef>
-          <a:fontRef idx="minor">
-            <a:schemeClr val="dk1"/>
-          </a:fontRef>
-        </p:style>
-        <p:txBody>
-          <a:bodyPr rtlCol="0" anchor="ctr"/>
-          <a:lstStyle/>
-          <a:p>
-            <a:pPr algn="ctr"/>
-            <a:r>
-              <a:rPr lang="en-US" altLang="ko-KR" sz="1000"/>
-              <a:t>I/O Data Store</a:t>
-            </a:r>
-          </a:p>
-          <a:p>
-            <a:pPr algn="ctr"/>
-            <a:r>
-              <a:rPr lang="en-US" altLang="ko-KR" sz="1000"/>
-              <a:t>(Memory, </a:t>
-            </a:r>
-          </a:p>
-          <a:p>
-            <a:pPr algn="ctr"/>
-            <a:r>
-              <a:rPr lang="en-US" altLang="ko-KR" sz="1000"/>
-              <a:t>File System,</a:t>
-            </a:r>
-          </a:p>
-          <a:p>
-            <a:pPr algn="ctr"/>
-            <a:r>
-              <a:rPr lang="en-US" altLang="ko-KR" sz="1000"/>
-              <a:t>S3, DuckDB…)</a:t>
-            </a:r>
-          </a:p>
-        </p:txBody>
-      </p:sp>
       <p:cxnSp>
         <p:nvCxnSpPr>
-          <p:cNvPr id="446" name="Straight Arrow Connector 445">
-            <a:extLst>
-              <a:ext uri="{FF2B5EF4-FFF2-40B4-BE49-F238E27FC236}">
-                <a16:creationId xmlns:a16="http://schemas.microsoft.com/office/drawing/2014/main" id="{BE604F54-E76D-A944-9A66-5D90900C6FE9}"/>
+          <p:cNvPr id="456" name="Straight Arrow Connector 455">
+            <a:extLst>
+              <a:ext uri="{FF2B5EF4-FFF2-40B4-BE49-F238E27FC236}">
+                <a16:creationId xmlns:a16="http://schemas.microsoft.com/office/drawing/2014/main" id="{7879EFFE-A030-6C43-BFD4-844CBD680CD5}"/>
               </a:ext>
             </a:extLst>
           </p:cNvPr>
           <p:cNvCxnSpPr>
             <a:cxnSpLocks/>
-            <a:stCxn id="274" idx="1"/>
-            <a:endCxn id="416" idx="3"/>
+            <a:stCxn id="451" idx="2"/>
+            <a:endCxn id="449" idx="0"/>
           </p:cNvCxnSpPr>
           <p:nvPr/>
         </p:nvCxnSpPr>
         <p:spPr>
-          <a:xfrm flipH="1">
-            <a:off x="6747060" y="2208308"/>
-            <a:ext cx="217925" cy="0"/>
+          <a:xfrm>
+            <a:off x="8427368" y="2551260"/>
+            <a:ext cx="3" cy="255742"/>
           </a:xfrm>
           <a:prstGeom prst="straightConnector1">
             <a:avLst/>
@@ -6962,148 +7086,25 @@
           </a:fontRef>
         </p:style>
       </p:cxnSp>
-      <p:sp>
-        <p:nvSpPr>
-          <p:cNvPr id="449" name="사각형: 둥근 모서리 6">
-            <a:extLst>
-              <a:ext uri="{FF2B5EF4-FFF2-40B4-BE49-F238E27FC236}">
-                <a16:creationId xmlns:a16="http://schemas.microsoft.com/office/drawing/2014/main" id="{FD5C63F7-55AD-A04E-AA0C-45D2EF6E92D6}"/>
-              </a:ext>
-            </a:extLst>
-          </p:cNvPr>
-          <p:cNvSpPr/>
-          <p:nvPr/>
-        </p:nvSpPr>
-        <p:spPr>
-          <a:xfrm>
-            <a:off x="7981037" y="2807002"/>
-            <a:ext cx="892667" cy="384847"/>
-          </a:xfrm>
-          <a:prstGeom prst="roundRect">
-            <a:avLst>
-              <a:gd name="adj" fmla="val 12503"/>
-            </a:avLst>
-          </a:prstGeom>
-          <a:ln w="9525"/>
-        </p:spPr>
-        <p:style>
-          <a:lnRef idx="2">
-            <a:schemeClr val="dk1"/>
-          </a:lnRef>
-          <a:fillRef idx="1">
-            <a:schemeClr val="lt1"/>
-          </a:fillRef>
-          <a:effectRef idx="0">
-            <a:schemeClr val="dk1"/>
-          </a:effectRef>
-          <a:fontRef idx="minor">
-            <a:schemeClr val="dk1"/>
-          </a:fontRef>
-        </p:style>
-        <p:txBody>
-          <a:bodyPr rtlCol="0" anchor="ctr"/>
-          <a:lstStyle/>
-          <a:p>
-            <a:pPr algn="ctr"/>
-            <a:r>
-              <a:rPr lang="en-US" altLang="ko-KR" sz="1000"/>
-              <a:t>External</a:t>
-            </a:r>
-          </a:p>
-          <a:p>
-            <a:pPr algn="ctr"/>
-            <a:r>
-              <a:rPr lang="en-US" altLang="ko-KR" sz="1000"/>
-              <a:t>Resource</a:t>
-            </a:r>
-            <a:endParaRPr lang="ko-KR" altLang="en-US" sz="1000"/>
-          </a:p>
-        </p:txBody>
-      </p:sp>
-      <p:sp>
-        <p:nvSpPr>
-          <p:cNvPr id="451" name="사각형: 둥근 모서리 6">
-            <a:extLst>
-              <a:ext uri="{FF2B5EF4-FFF2-40B4-BE49-F238E27FC236}">
-                <a16:creationId xmlns:a16="http://schemas.microsoft.com/office/drawing/2014/main" id="{FD6012D6-C801-1749-B9BF-1CC8A68D0D9D}"/>
-              </a:ext>
-            </a:extLst>
-          </p:cNvPr>
-          <p:cNvSpPr/>
-          <p:nvPr/>
-        </p:nvSpPr>
-        <p:spPr>
-          <a:xfrm>
-            <a:off x="7865115" y="1865355"/>
-            <a:ext cx="1124506" cy="685905"/>
-          </a:xfrm>
-          <a:prstGeom prst="roundRect">
-            <a:avLst>
-              <a:gd name="adj" fmla="val 12503"/>
-            </a:avLst>
-          </a:prstGeom>
-          <a:ln w="9525"/>
-        </p:spPr>
-        <p:style>
-          <a:lnRef idx="2">
-            <a:schemeClr val="dk1"/>
-          </a:lnRef>
-          <a:fillRef idx="1">
-            <a:schemeClr val="lt1"/>
-          </a:fillRef>
-          <a:effectRef idx="0">
-            <a:schemeClr val="dk1"/>
-          </a:effectRef>
-          <a:fontRef idx="minor">
-            <a:schemeClr val="dk1"/>
-          </a:fontRef>
-        </p:style>
-        <p:txBody>
-          <a:bodyPr rtlCol="0" anchor="ctr"/>
-          <a:lstStyle/>
-          <a:p>
-            <a:pPr algn="ctr"/>
-            <a:r>
-              <a:rPr lang="en-US" altLang="ko-KR" sz="1000"/>
-              <a:t>External</a:t>
-            </a:r>
-            <a:r>
-              <a:rPr lang="ko-KR" altLang="en-US" sz="1000"/>
-              <a:t> </a:t>
-            </a:r>
-            <a:r>
-              <a:rPr lang="en-US" altLang="ko-KR" sz="1000"/>
-              <a:t>Data Store, BI Tools</a:t>
-            </a:r>
-          </a:p>
-          <a:p>
-            <a:pPr algn="ctr"/>
-            <a:r>
-              <a:rPr lang="en-US" altLang="ko-KR" sz="1000"/>
-              <a:t>(S3, BigQuery…)</a:t>
-            </a:r>
-          </a:p>
-        </p:txBody>
-      </p:sp>
       <p:cxnSp>
         <p:nvCxnSpPr>
-          <p:cNvPr id="452" name="Straight Arrow Connector 451">
-            <a:extLst>
-              <a:ext uri="{FF2B5EF4-FFF2-40B4-BE49-F238E27FC236}">
-                <a16:creationId xmlns:a16="http://schemas.microsoft.com/office/drawing/2014/main" id="{3230602F-83E3-C045-A28F-8BAF76780FA2}"/>
+          <p:cNvPr id="472" name="Straight Arrow Connector 471">
+            <a:extLst>
+              <a:ext uri="{FF2B5EF4-FFF2-40B4-BE49-F238E27FC236}">
+                <a16:creationId xmlns:a16="http://schemas.microsoft.com/office/drawing/2014/main" id="{BE378366-E6ED-7F4D-9CBB-F2BFC99C9181}"/>
               </a:ext>
             </a:extLst>
           </p:cNvPr>
           <p:cNvCxnSpPr>
             <a:cxnSpLocks/>
-            <a:endCxn id="449" idx="1"/>
+            <a:endCxn id="286" idx="1"/>
           </p:cNvCxnSpPr>
           <p:nvPr/>
         </p:nvCxnSpPr>
         <p:spPr>
-          <a:xfrm>
-            <a:off x="7751679" y="2999426"/>
-            <a:ext cx="229358" cy="0"/>
+          <a:xfrm flipV="1">
+            <a:off x="7737088" y="1436635"/>
+            <a:ext cx="243949" cy="1"/>
           </a:xfrm>
           <a:prstGeom prst="straightConnector1">
             <a:avLst/>
@@ -7133,24 +7134,24 @@
       </p:cxnSp>
       <p:cxnSp>
         <p:nvCxnSpPr>
-          <p:cNvPr id="456" name="Straight Arrow Connector 455">
-            <a:extLst>
-              <a:ext uri="{FF2B5EF4-FFF2-40B4-BE49-F238E27FC236}">
-                <a16:creationId xmlns:a16="http://schemas.microsoft.com/office/drawing/2014/main" id="{7879EFFE-A030-6C43-BFD4-844CBD680CD5}"/>
+          <p:cNvPr id="475" name="Straight Arrow Connector 474">
+            <a:extLst>
+              <a:ext uri="{FF2B5EF4-FFF2-40B4-BE49-F238E27FC236}">
+                <a16:creationId xmlns:a16="http://schemas.microsoft.com/office/drawing/2014/main" id="{F82BE533-B04D-6341-AC55-A78B7BF71834}"/>
               </a:ext>
             </a:extLst>
           </p:cNvPr>
           <p:cNvCxnSpPr>
             <a:cxnSpLocks/>
-            <a:stCxn id="451" idx="2"/>
-            <a:endCxn id="449" idx="0"/>
+            <a:stCxn id="451" idx="0"/>
+            <a:endCxn id="286" idx="2"/>
           </p:cNvCxnSpPr>
           <p:nvPr/>
         </p:nvCxnSpPr>
         <p:spPr>
-          <a:xfrm>
-            <a:off x="8427368" y="2551260"/>
-            <a:ext cx="3" cy="255742"/>
+          <a:xfrm flipV="1">
+            <a:off x="8427368" y="1629058"/>
+            <a:ext cx="3" cy="236297"/>
           </a:xfrm>
           <a:prstGeom prst="straightConnector1">
             <a:avLst/>
@@ -7180,23 +7181,298 @@
       </p:cxnSp>
       <p:cxnSp>
         <p:nvCxnSpPr>
-          <p:cNvPr id="472" name="Straight Arrow Connector 471">
-            <a:extLst>
-              <a:ext uri="{FF2B5EF4-FFF2-40B4-BE49-F238E27FC236}">
-                <a16:creationId xmlns:a16="http://schemas.microsoft.com/office/drawing/2014/main" id="{BE378366-E6ED-7F4D-9CBB-F2BFC99C9181}"/>
+          <p:cNvPr id="84" name="Elbow Connector 83">
+            <a:extLst>
+              <a:ext uri="{FF2B5EF4-FFF2-40B4-BE49-F238E27FC236}">
+                <a16:creationId xmlns:a16="http://schemas.microsoft.com/office/drawing/2014/main" id="{C5C6E526-3ADD-5F49-9228-E49157F9D74F}"/>
               </a:ext>
             </a:extLst>
           </p:cNvPr>
           <p:cNvCxnSpPr>
             <a:cxnSpLocks/>
-            <a:endCxn id="286" idx="1"/>
+            <a:stCxn id="173" idx="2"/>
+            <a:endCxn id="32" idx="3"/>
           </p:cNvCxnSpPr>
           <p:nvPr/>
         </p:nvCxnSpPr>
         <p:spPr>
-          <a:xfrm flipV="1">
-            <a:off x="7737088" y="1436635"/>
-            <a:ext cx="243949" cy="1"/>
+          <a:xfrm rot="5400000">
+            <a:off x="6270598" y="4147968"/>
+            <a:ext cx="438177" cy="406529"/>
+          </a:xfrm>
+          <a:prstGeom prst="bentConnector2">
+            <a:avLst/>
+          </a:prstGeom>
+          <a:ln w="9525">
+            <a:solidFill>
+              <a:schemeClr val="tx1"/>
+            </a:solidFill>
+            <a:tailEnd type="triangle"/>
+          </a:ln>
+        </p:spPr>
+        <p:style>
+          <a:lnRef idx="1">
+            <a:schemeClr val="accent1"/>
+          </a:lnRef>
+          <a:fillRef idx="0">
+            <a:schemeClr val="accent1"/>
+          </a:fillRef>
+          <a:effectRef idx="0">
+            <a:schemeClr val="accent1"/>
+          </a:effectRef>
+          <a:fontRef idx="minor">
+            <a:schemeClr val="tx1"/>
+          </a:fontRef>
+        </p:style>
+      </p:cxnSp>
+      <p:cxnSp>
+        <p:nvCxnSpPr>
+          <p:cNvPr id="85" name="Elbow Connector 84">
+            <a:extLst>
+              <a:ext uri="{FF2B5EF4-FFF2-40B4-BE49-F238E27FC236}">
+                <a16:creationId xmlns:a16="http://schemas.microsoft.com/office/drawing/2014/main" id="{C7229042-D38D-A741-AA2C-9387A40C0582}"/>
+              </a:ext>
+            </a:extLst>
+          </p:cNvPr>
+          <p:cNvCxnSpPr>
+            <a:cxnSpLocks/>
+            <a:stCxn id="146" idx="3"/>
+            <a:endCxn id="32" idx="3"/>
+          </p:cNvCxnSpPr>
+          <p:nvPr/>
+        </p:nvCxnSpPr>
+        <p:spPr>
+          <a:xfrm flipH="1">
+            <a:off x="6286421" y="959478"/>
+            <a:ext cx="1450667" cy="3610843"/>
+          </a:xfrm>
+          <a:prstGeom prst="bentConnector3">
+            <a:avLst>
+              <a:gd name="adj1" fmla="val -91804"/>
+            </a:avLst>
+          </a:prstGeom>
+          <a:ln w="9525">
+            <a:solidFill>
+              <a:schemeClr val="tx1"/>
+            </a:solidFill>
+            <a:tailEnd type="triangle"/>
+          </a:ln>
+        </p:spPr>
+        <p:style>
+          <a:lnRef idx="1">
+            <a:schemeClr val="accent1"/>
+          </a:lnRef>
+          <a:fillRef idx="0">
+            <a:schemeClr val="accent1"/>
+          </a:fillRef>
+          <a:effectRef idx="0">
+            <a:schemeClr val="accent1"/>
+          </a:effectRef>
+          <a:fontRef idx="minor">
+            <a:schemeClr val="tx1"/>
+          </a:fontRef>
+        </p:style>
+      </p:cxnSp>
+      <p:pic>
+        <p:nvPicPr>
+          <p:cNvPr id="1026" name="Picture 2" descr="사람 - 무료 사회적인개 아이콘">
+            <a:extLst>
+              <a:ext uri="{FF2B5EF4-FFF2-40B4-BE49-F238E27FC236}">
+                <a16:creationId xmlns:a16="http://schemas.microsoft.com/office/drawing/2014/main" id="{B07DE265-35BE-B04B-9EF0-23438CF39D6A}"/>
+              </a:ext>
+            </a:extLst>
+          </p:cNvPr>
+          <p:cNvPicPr>
+            <a:picLocks noChangeAspect="1" noChangeArrowheads="1"/>
+          </p:cNvPicPr>
+          <p:nvPr/>
+        </p:nvPicPr>
+        <p:blipFill>
+          <a:blip r:embed="rId2">
+            <a:extLst>
+              <a:ext uri="{28A0092B-C50C-407E-A947-70E740481C1C}">
+                <a14:useLocalDpi xmlns:a14="http://schemas.microsoft.com/office/drawing/2010/main" val="0"/>
+              </a:ext>
+            </a:extLst>
+          </a:blip>
+          <a:srcRect/>
+          <a:stretch>
+            <a:fillRect/>
+          </a:stretch>
+        </p:blipFill>
+        <p:spPr bwMode="auto">
+          <a:xfrm>
+            <a:off x="494143" y="389124"/>
+            <a:ext cx="555515" cy="555515"/>
+          </a:xfrm>
+          <a:prstGeom prst="rect">
+            <a:avLst/>
+          </a:prstGeom>
+          <a:noFill/>
+          <a:extLst>
+            <a:ext uri="{909E8E84-426E-40DD-AFC4-6F175D3DCCD1}">
+              <a14:hiddenFill xmlns:a14="http://schemas.microsoft.com/office/drawing/2010/main">
+                <a:solidFill>
+                  <a:srgbClr val="FFFFFF"/>
+                </a:solidFill>
+              </a14:hiddenFill>
+            </a:ext>
+          </a:extLst>
+        </p:spPr>
+      </p:pic>
+      <p:cxnSp>
+        <p:nvCxnSpPr>
+          <p:cNvPr id="91" name="Straight Arrow Connector 90">
+            <a:extLst>
+              <a:ext uri="{FF2B5EF4-FFF2-40B4-BE49-F238E27FC236}">
+                <a16:creationId xmlns:a16="http://schemas.microsoft.com/office/drawing/2014/main" id="{8DD730B4-47DE-0A4A-9EE2-4AABA8C25E34}"/>
+              </a:ext>
+            </a:extLst>
+          </p:cNvPr>
+          <p:cNvCxnSpPr>
+            <a:cxnSpLocks/>
+            <a:stCxn id="92" idx="2"/>
+            <a:endCxn id="23" idx="0"/>
+          </p:cNvCxnSpPr>
+          <p:nvPr/>
+        </p:nvCxnSpPr>
+        <p:spPr>
+          <a:xfrm>
+            <a:off x="771900" y="1075444"/>
+            <a:ext cx="2" cy="206673"/>
+          </a:xfrm>
+          <a:prstGeom prst="straightConnector1">
+            <a:avLst/>
+          </a:prstGeom>
+          <a:ln w="9525">
+            <a:solidFill>
+              <a:schemeClr val="tx1"/>
+            </a:solidFill>
+            <a:tailEnd type="triangle"/>
+          </a:ln>
+        </p:spPr>
+        <p:style>
+          <a:lnRef idx="1">
+            <a:schemeClr val="accent1"/>
+          </a:lnRef>
+          <a:fillRef idx="0">
+            <a:schemeClr val="accent1"/>
+          </a:fillRef>
+          <a:effectRef idx="0">
+            <a:schemeClr val="accent1"/>
+          </a:effectRef>
+          <a:fontRef idx="minor">
+            <a:schemeClr val="tx1"/>
+          </a:fontRef>
+        </p:style>
+      </p:cxnSp>
+      <p:sp>
+        <p:nvSpPr>
+          <p:cNvPr id="92" name="TextBox 91">
+            <a:extLst>
+              <a:ext uri="{FF2B5EF4-FFF2-40B4-BE49-F238E27FC236}">
+                <a16:creationId xmlns:a16="http://schemas.microsoft.com/office/drawing/2014/main" id="{660C1359-261F-DF4F-B7C4-4D3A2F407C9E}"/>
+              </a:ext>
+            </a:extLst>
+          </p:cNvPr>
+          <p:cNvSpPr txBox="1"/>
+          <p:nvPr/>
+        </p:nvSpPr>
+        <p:spPr>
+          <a:xfrm>
+            <a:off x="253464" y="813834"/>
+            <a:ext cx="1036871" cy="261610"/>
+          </a:xfrm>
+          <a:prstGeom prst="rect">
+            <a:avLst/>
+          </a:prstGeom>
+          <a:noFill/>
+        </p:spPr>
+        <p:txBody>
+          <a:bodyPr wrap="square" rtlCol="0">
+            <a:spAutoFit/>
+          </a:bodyPr>
+          <a:lstStyle/>
+          <a:p>
+            <a:pPr algn="ctr"/>
+            <a:r>
+              <a:rPr lang="en-US" sz="1100"/>
+              <a:t>User</a:t>
+            </a:r>
+            <a:endParaRPr lang="en-KR" sz="1100"/>
+          </a:p>
+        </p:txBody>
+      </p:sp>
+      <p:sp>
+        <p:nvSpPr>
+          <p:cNvPr id="105" name="사각형: 둥근 모서리 6">
+            <a:extLst>
+              <a:ext uri="{FF2B5EF4-FFF2-40B4-BE49-F238E27FC236}">
+                <a16:creationId xmlns:a16="http://schemas.microsoft.com/office/drawing/2014/main" id="{1AD0D5F2-C788-6E4C-B4C1-E6C0C8045A52}"/>
+              </a:ext>
+            </a:extLst>
+          </p:cNvPr>
+          <p:cNvSpPr/>
+          <p:nvPr/>
+        </p:nvSpPr>
+        <p:spPr>
+          <a:xfrm>
+            <a:off x="6964985" y="2273703"/>
+            <a:ext cx="786694" cy="335155"/>
+          </a:xfrm>
+          <a:prstGeom prst="roundRect">
+            <a:avLst>
+              <a:gd name="adj" fmla="val 12503"/>
+            </a:avLst>
+          </a:prstGeom>
+          <a:ln w="9525"/>
+        </p:spPr>
+        <p:style>
+          <a:lnRef idx="2">
+            <a:schemeClr val="dk1"/>
+          </a:lnRef>
+          <a:fillRef idx="1">
+            <a:schemeClr val="lt1"/>
+          </a:fillRef>
+          <a:effectRef idx="0">
+            <a:schemeClr val="dk1"/>
+          </a:effectRef>
+          <a:fontRef idx="minor">
+            <a:schemeClr val="dk1"/>
+          </a:fontRef>
+        </p:style>
+        <p:txBody>
+          <a:bodyPr rtlCol="0" anchor="ctr"/>
+          <a:lstStyle/>
+          <a:p>
+            <a:pPr algn="ctr"/>
+            <a:r>
+              <a:rPr lang="en-US" altLang="ko-KR" sz="1000"/>
+              <a:t>I/O Manager</a:t>
+            </a:r>
+            <a:endParaRPr lang="ko-KR" altLang="en-US" sz="1000"/>
+          </a:p>
+        </p:txBody>
+      </p:sp>
+      <p:cxnSp>
+        <p:nvCxnSpPr>
+          <p:cNvPr id="118" name="Straight Arrow Connector 117">
+            <a:extLst>
+              <a:ext uri="{FF2B5EF4-FFF2-40B4-BE49-F238E27FC236}">
+                <a16:creationId xmlns:a16="http://schemas.microsoft.com/office/drawing/2014/main" id="{3B143B30-8CD3-724F-A6A5-2F5782E52E55}"/>
+              </a:ext>
+            </a:extLst>
+          </p:cNvPr>
+          <p:cNvCxnSpPr>
+            <a:cxnSpLocks/>
+            <a:endCxn id="274" idx="0"/>
+          </p:cNvCxnSpPr>
+          <p:nvPr/>
+        </p:nvCxnSpPr>
+        <p:spPr>
+          <a:xfrm>
+            <a:off x="7352628" y="1629058"/>
+            <a:ext cx="0" cy="180413"/>
           </a:xfrm>
           <a:prstGeom prst="straightConnector1">
             <a:avLst/>
@@ -7226,27 +7502,78 @@
       </p:cxnSp>
       <p:cxnSp>
         <p:nvCxnSpPr>
-          <p:cNvPr id="475" name="Straight Arrow Connector 474">
-            <a:extLst>
-              <a:ext uri="{FF2B5EF4-FFF2-40B4-BE49-F238E27FC236}">
-                <a16:creationId xmlns:a16="http://schemas.microsoft.com/office/drawing/2014/main" id="{F82BE533-B04D-6341-AC55-A78B7BF71834}"/>
+          <p:cNvPr id="126" name="Elbow Connector 125">
+            <a:extLst>
+              <a:ext uri="{FF2B5EF4-FFF2-40B4-BE49-F238E27FC236}">
+                <a16:creationId xmlns:a16="http://schemas.microsoft.com/office/drawing/2014/main" id="{5F30903A-407F-A24E-BA6B-8FABF40350D0}"/>
               </a:ext>
             </a:extLst>
           </p:cNvPr>
           <p:cNvCxnSpPr>
             <a:cxnSpLocks/>
-            <a:stCxn id="451" idx="0"/>
-            <a:endCxn id="286" idx="2"/>
+            <a:stCxn id="274" idx="1"/>
+            <a:endCxn id="416" idx="3"/>
           </p:cNvCxnSpPr>
           <p:nvPr/>
         </p:nvCxnSpPr>
         <p:spPr>
-          <a:xfrm flipV="1">
-            <a:off x="8427368" y="1629058"/>
-            <a:ext cx="3" cy="236297"/>
-          </a:xfrm>
-          <a:prstGeom prst="straightConnector1">
-            <a:avLst/>
+          <a:xfrm rot="10800000" flipV="1">
+            <a:off x="6747061" y="1977048"/>
+            <a:ext cx="212221" cy="231259"/>
+          </a:xfrm>
+          <a:prstGeom prst="bentConnector3">
+            <a:avLst>
+              <a:gd name="adj1" fmla="val 50000"/>
+            </a:avLst>
+          </a:prstGeom>
+          <a:ln w="9525">
+            <a:solidFill>
+              <a:schemeClr val="tx1"/>
+            </a:solidFill>
+            <a:headEnd type="triangle" w="med" len="med"/>
+            <a:tailEnd type="triangle" w="med" len="med"/>
+          </a:ln>
+        </p:spPr>
+        <p:style>
+          <a:lnRef idx="1">
+            <a:schemeClr val="accent1"/>
+          </a:lnRef>
+          <a:fillRef idx="0">
+            <a:schemeClr val="accent1"/>
+          </a:fillRef>
+          <a:effectRef idx="0">
+            <a:schemeClr val="accent1"/>
+          </a:effectRef>
+          <a:fontRef idx="minor">
+            <a:schemeClr val="tx1"/>
+          </a:fontRef>
+        </p:style>
+      </p:cxnSp>
+      <p:cxnSp>
+        <p:nvCxnSpPr>
+          <p:cNvPr id="129" name="Elbow Connector 128">
+            <a:extLst>
+              <a:ext uri="{FF2B5EF4-FFF2-40B4-BE49-F238E27FC236}">
+                <a16:creationId xmlns:a16="http://schemas.microsoft.com/office/drawing/2014/main" id="{A83AE523-B7F7-DB4F-B3EA-84BC2B578B09}"/>
+              </a:ext>
+            </a:extLst>
+          </p:cNvPr>
+          <p:cNvCxnSpPr>
+            <a:cxnSpLocks/>
+            <a:stCxn id="416" idx="3"/>
+            <a:endCxn id="105" idx="1"/>
+          </p:cNvCxnSpPr>
+          <p:nvPr/>
+        </p:nvCxnSpPr>
+        <p:spPr>
+          <a:xfrm>
+            <a:off x="6747060" y="2208308"/>
+            <a:ext cx="217925" cy="232973"/>
+          </a:xfrm>
+          <a:prstGeom prst="bentConnector3">
+            <a:avLst>
+              <a:gd name="adj1" fmla="val 50000"/>
+            </a:avLst>
           </a:prstGeom>
           <a:ln w="9525">
             <a:solidFill>
@@ -7301,6 +7628,57 @@
           <a:chExt cx="0" cy="0"/>
         </a:xfrm>
       </p:grpSpPr>
+      <p:sp>
+        <p:nvSpPr>
+          <p:cNvPr id="2" name="사각형: 둥근 모서리 6">
+            <a:extLst>
+              <a:ext uri="{FF2B5EF4-FFF2-40B4-BE49-F238E27FC236}">
+                <a16:creationId xmlns:a16="http://schemas.microsoft.com/office/drawing/2014/main" id="{D5AC397D-EF43-2E40-8F07-9F986CE2F50E}"/>
+              </a:ext>
+            </a:extLst>
+          </p:cNvPr>
+          <p:cNvSpPr/>
+          <p:nvPr/>
+        </p:nvSpPr>
+        <p:spPr>
+          <a:xfrm>
+            <a:off x="6964985" y="1955095"/>
+            <a:ext cx="786694" cy="506425"/>
+          </a:xfrm>
+          <a:prstGeom prst="roundRect">
+            <a:avLst>
+              <a:gd name="adj" fmla="val 12503"/>
+            </a:avLst>
+          </a:prstGeom>
+          <a:ln w="9525"/>
+        </p:spPr>
+        <p:style>
+          <a:lnRef idx="2">
+            <a:schemeClr val="dk1"/>
+          </a:lnRef>
+          <a:fillRef idx="1">
+            <a:schemeClr val="lt1"/>
+          </a:fillRef>
+          <a:effectRef idx="0">
+            <a:schemeClr val="dk1"/>
+          </a:effectRef>
+          <a:fontRef idx="minor">
+            <a:schemeClr val="dk1"/>
+          </a:fontRef>
+        </p:style>
+        <p:txBody>
+          <a:bodyPr rtlCol="0" anchor="ctr"/>
+          <a:lstStyle/>
+          <a:p>
+            <a:pPr algn="ctr"/>
+            <a:r>
+              <a:rPr lang="en-US" altLang="ko-KR" sz="1000"/>
+              <a:t>I/O Manager</a:t>
+            </a:r>
+            <a:endParaRPr lang="ko-KR" altLang="en-US" sz="1000"/>
+          </a:p>
+        </p:txBody>
+      </p:sp>
     </p:spTree>
     <p:extLst>
       <p:ext uri="{BB962C8B-B14F-4D97-AF65-F5344CB8AC3E}">
@@ -7315,6 +7693,4140 @@
 </file>
 
 <file path=ppt/slides/slide3.xml><?xml version="1.0" encoding="utf-8"?>
+<p:sld xmlns:a="http://schemas.openxmlformats.org/drawingml/2006/main" xmlns:r="http://schemas.openxmlformats.org/officeDocument/2006/relationships" xmlns:p="http://schemas.openxmlformats.org/presentationml/2006/main">
+  <p:cSld>
+    <p:spTree>
+      <p:nvGrpSpPr>
+        <p:cNvPr id="1" name=""/>
+        <p:cNvGrpSpPr/>
+        <p:nvPr/>
+      </p:nvGrpSpPr>
+      <p:grpSpPr>
+        <a:xfrm>
+          <a:off x="0" y="0"/>
+          <a:ext cx="0" cy="0"/>
+          <a:chOff x="0" y="0"/>
+          <a:chExt cx="0" cy="0"/>
+        </a:xfrm>
+      </p:grpSpPr>
+      <p:sp>
+        <p:nvSpPr>
+          <p:cNvPr id="2" name="제목 1">
+            <a:extLst>
+              <a:ext uri="{FF2B5EF4-FFF2-40B4-BE49-F238E27FC236}">
+                <a16:creationId xmlns:a16="http://schemas.microsoft.com/office/drawing/2014/main" id="{ACF342D6-DC59-400E-A435-E90C225B2F04}"/>
+              </a:ext>
+            </a:extLst>
+          </p:cNvPr>
+          <p:cNvSpPr>
+            <a:spLocks noGrp="1"/>
+          </p:cNvSpPr>
+          <p:nvPr>
+            <p:ph type="title"/>
+          </p:nvPr>
+        </p:nvSpPr>
+        <p:spPr>
+          <a:xfrm>
+            <a:off x="499814" y="-755062"/>
+            <a:ext cx="8229600" cy="857250"/>
+          </a:xfrm>
+        </p:spPr>
+        <p:txBody>
+          <a:bodyPr/>
+          <a:lstStyle/>
+          <a:p>
+            <a:r>
+              <a:rPr lang="en-US" altLang="ko-KR"/>
+              <a:t>CQRS</a:t>
+            </a:r>
+            <a:endParaRPr lang="ko-KR" altLang="en-US"/>
+          </a:p>
+        </p:txBody>
+      </p:sp>
+      <p:sp>
+        <p:nvSpPr>
+          <p:cNvPr id="23" name="사각형: 둥근 모서리 6">
+            <a:extLst>
+              <a:ext uri="{FF2B5EF4-FFF2-40B4-BE49-F238E27FC236}">
+                <a16:creationId xmlns:a16="http://schemas.microsoft.com/office/drawing/2014/main" id="{0B0B7CCF-36D0-7C45-85AC-638E5126AFDD}"/>
+              </a:ext>
+            </a:extLst>
+          </p:cNvPr>
+          <p:cNvSpPr/>
+          <p:nvPr/>
+        </p:nvSpPr>
+        <p:spPr>
+          <a:xfrm>
+            <a:off x="253467" y="1282117"/>
+            <a:ext cx="1036869" cy="583239"/>
+          </a:xfrm>
+          <a:prstGeom prst="roundRect">
+            <a:avLst>
+              <a:gd name="adj" fmla="val 12503"/>
+            </a:avLst>
+          </a:prstGeom>
+          <a:ln w="9525"/>
+        </p:spPr>
+        <p:style>
+          <a:lnRef idx="2">
+            <a:schemeClr val="dk1"/>
+          </a:lnRef>
+          <a:fillRef idx="1">
+            <a:schemeClr val="lt1"/>
+          </a:fillRef>
+          <a:effectRef idx="0">
+            <a:schemeClr val="dk1"/>
+          </a:effectRef>
+          <a:fontRef idx="minor">
+            <a:schemeClr val="dk1"/>
+          </a:fontRef>
+        </p:style>
+        <p:txBody>
+          <a:bodyPr rtlCol="0" anchor="ctr"/>
+          <a:lstStyle/>
+          <a:p>
+            <a:pPr algn="ctr"/>
+            <a:r>
+              <a:rPr lang="en-US" altLang="ko-KR" sz="1100"/>
+              <a:t>Dagit</a:t>
+            </a:r>
+          </a:p>
+          <a:p>
+            <a:pPr algn="ctr"/>
+            <a:r>
+              <a:rPr lang="en-US" altLang="ko-KR" sz="1100"/>
+              <a:t>Web Server</a:t>
+            </a:r>
+            <a:endParaRPr lang="ko-KR" altLang="en-US" sz="1100"/>
+          </a:p>
+        </p:txBody>
+      </p:sp>
+      <p:sp>
+        <p:nvSpPr>
+          <p:cNvPr id="25" name="사각형: 둥근 모서리 6">
+            <a:extLst>
+              <a:ext uri="{FF2B5EF4-FFF2-40B4-BE49-F238E27FC236}">
+                <a16:creationId xmlns:a16="http://schemas.microsoft.com/office/drawing/2014/main" id="{68B8F501-AFF7-9549-A1A4-41960415BC7E}"/>
+              </a:ext>
+            </a:extLst>
+          </p:cNvPr>
+          <p:cNvSpPr/>
+          <p:nvPr/>
+        </p:nvSpPr>
+        <p:spPr>
+          <a:xfrm>
+            <a:off x="253467" y="2416187"/>
+            <a:ext cx="1036869" cy="583239"/>
+          </a:xfrm>
+          <a:prstGeom prst="roundRect">
+            <a:avLst>
+              <a:gd name="adj" fmla="val 12503"/>
+            </a:avLst>
+          </a:prstGeom>
+          <a:ln w="9525"/>
+        </p:spPr>
+        <p:style>
+          <a:lnRef idx="2">
+            <a:schemeClr val="dk1"/>
+          </a:lnRef>
+          <a:fillRef idx="1">
+            <a:schemeClr val="lt1"/>
+          </a:fillRef>
+          <a:effectRef idx="0">
+            <a:schemeClr val="dk1"/>
+          </a:effectRef>
+          <a:fontRef idx="minor">
+            <a:schemeClr val="dk1"/>
+          </a:fontRef>
+        </p:style>
+        <p:txBody>
+          <a:bodyPr rtlCol="0" anchor="ctr"/>
+          <a:lstStyle/>
+          <a:p>
+            <a:pPr algn="ctr"/>
+            <a:r>
+              <a:rPr lang="en-US" altLang="ko-KR" sz="1100"/>
+              <a:t>Daemon</a:t>
+            </a:r>
+            <a:endParaRPr lang="ko-KR" altLang="en-US" sz="1100"/>
+          </a:p>
+        </p:txBody>
+      </p:sp>
+      <p:sp>
+        <p:nvSpPr>
+          <p:cNvPr id="26" name="사각형: 둥근 모서리 6">
+            <a:extLst>
+              <a:ext uri="{FF2B5EF4-FFF2-40B4-BE49-F238E27FC236}">
+                <a16:creationId xmlns:a16="http://schemas.microsoft.com/office/drawing/2014/main" id="{493D8049-3302-1147-8789-193B4BFC7467}"/>
+              </a:ext>
+            </a:extLst>
+          </p:cNvPr>
+          <p:cNvSpPr/>
+          <p:nvPr/>
+        </p:nvSpPr>
+        <p:spPr>
+          <a:xfrm>
+            <a:off x="1441875" y="1282114"/>
+            <a:ext cx="3836846" cy="2851385"/>
+          </a:xfrm>
+          <a:prstGeom prst="roundRect">
+            <a:avLst>
+              <a:gd name="adj" fmla="val 2830"/>
+            </a:avLst>
+          </a:prstGeom>
+          <a:ln w="9525"/>
+        </p:spPr>
+        <p:style>
+          <a:lnRef idx="2">
+            <a:schemeClr val="dk1"/>
+          </a:lnRef>
+          <a:fillRef idx="1">
+            <a:schemeClr val="lt1"/>
+          </a:fillRef>
+          <a:effectRef idx="0">
+            <a:schemeClr val="dk1"/>
+          </a:effectRef>
+          <a:fontRef idx="minor">
+            <a:schemeClr val="dk1"/>
+          </a:fontRef>
+        </p:style>
+        <p:txBody>
+          <a:bodyPr rtlCol="0" anchor="b"/>
+          <a:lstStyle/>
+          <a:p>
+            <a:pPr algn="r"/>
+            <a:r>
+              <a:rPr lang="en-US" altLang="ko-KR" sz="1100"/>
+              <a:t>Code Location (Definition)</a:t>
+            </a:r>
+            <a:endParaRPr lang="ko-KR" altLang="en-US" sz="1100"/>
+          </a:p>
+        </p:txBody>
+      </p:sp>
+      <p:cxnSp>
+        <p:nvCxnSpPr>
+          <p:cNvPr id="27" name="직선 연결선 5">
+            <a:extLst>
+              <a:ext uri="{FF2B5EF4-FFF2-40B4-BE49-F238E27FC236}">
+                <a16:creationId xmlns:a16="http://schemas.microsoft.com/office/drawing/2014/main" id="{38AB45B0-2D80-5B45-97A9-C55BEB446095}"/>
+              </a:ext>
+            </a:extLst>
+          </p:cNvPr>
+          <p:cNvCxnSpPr>
+            <a:cxnSpLocks/>
+          </p:cNvCxnSpPr>
+          <p:nvPr/>
+        </p:nvCxnSpPr>
+        <p:spPr>
+          <a:xfrm>
+            <a:off x="5512233" y="102188"/>
+            <a:ext cx="0" cy="4989842"/>
+          </a:xfrm>
+          <a:prstGeom prst="line">
+            <a:avLst/>
+          </a:prstGeom>
+          <a:ln w="19050">
+            <a:solidFill>
+              <a:schemeClr val="tx1"/>
+            </a:solidFill>
+            <a:prstDash val="dash"/>
+          </a:ln>
+        </p:spPr>
+        <p:style>
+          <a:lnRef idx="1">
+            <a:schemeClr val="accent1"/>
+          </a:lnRef>
+          <a:fillRef idx="0">
+            <a:schemeClr val="accent1"/>
+          </a:fillRef>
+          <a:effectRef idx="0">
+            <a:schemeClr val="accent1"/>
+          </a:effectRef>
+          <a:fontRef idx="minor">
+            <a:schemeClr val="tx1"/>
+          </a:fontRef>
+        </p:style>
+      </p:cxnSp>
+      <p:sp>
+        <p:nvSpPr>
+          <p:cNvPr id="30" name="사각형: 둥근 모서리 6">
+            <a:extLst>
+              <a:ext uri="{FF2B5EF4-FFF2-40B4-BE49-F238E27FC236}">
+                <a16:creationId xmlns:a16="http://schemas.microsoft.com/office/drawing/2014/main" id="{57A548C8-27F3-8140-BE95-6D417A48467A}"/>
+              </a:ext>
+            </a:extLst>
+          </p:cNvPr>
+          <p:cNvSpPr/>
+          <p:nvPr/>
+        </p:nvSpPr>
+        <p:spPr>
+          <a:xfrm>
+            <a:off x="4521127" y="610172"/>
+            <a:ext cx="688123" cy="421228"/>
+          </a:xfrm>
+          <a:prstGeom prst="roundRect">
+            <a:avLst>
+              <a:gd name="adj" fmla="val 12503"/>
+            </a:avLst>
+          </a:prstGeom>
+          <a:ln w="9525"/>
+        </p:spPr>
+        <p:style>
+          <a:lnRef idx="2">
+            <a:schemeClr val="dk1"/>
+          </a:lnRef>
+          <a:fillRef idx="1">
+            <a:schemeClr val="lt1"/>
+          </a:fillRef>
+          <a:effectRef idx="0">
+            <a:schemeClr val="dk1"/>
+          </a:effectRef>
+          <a:fontRef idx="minor">
+            <a:schemeClr val="dk1"/>
+          </a:fontRef>
+        </p:style>
+        <p:txBody>
+          <a:bodyPr rtlCol="0" anchor="ctr"/>
+          <a:lstStyle/>
+          <a:p>
+            <a:pPr algn="ctr"/>
+            <a:r>
+              <a:rPr lang="en-US" altLang="ko-KR" sz="1100"/>
+              <a:t>Run</a:t>
+            </a:r>
+            <a:endParaRPr lang="ko-KR" altLang="en-US" sz="1100"/>
+          </a:p>
+        </p:txBody>
+      </p:sp>
+      <p:sp>
+        <p:nvSpPr>
+          <p:cNvPr id="32" name="사각형: 둥근 모서리 6">
+            <a:extLst>
+              <a:ext uri="{FF2B5EF4-FFF2-40B4-BE49-F238E27FC236}">
+                <a16:creationId xmlns:a16="http://schemas.microsoft.com/office/drawing/2014/main" id="{6556886E-C02B-7F46-BAEF-CEF1AA6C2419}"/>
+              </a:ext>
+            </a:extLst>
+          </p:cNvPr>
+          <p:cNvSpPr/>
+          <p:nvPr/>
+        </p:nvSpPr>
+        <p:spPr>
+          <a:xfrm>
+            <a:off x="4731118" y="4399222"/>
+            <a:ext cx="1555303" cy="342198"/>
+          </a:xfrm>
+          <a:prstGeom prst="roundRect">
+            <a:avLst>
+              <a:gd name="adj" fmla="val 12503"/>
+            </a:avLst>
+          </a:prstGeom>
+          <a:ln w="9525"/>
+        </p:spPr>
+        <p:style>
+          <a:lnRef idx="2">
+            <a:schemeClr val="dk1"/>
+          </a:lnRef>
+          <a:fillRef idx="1">
+            <a:schemeClr val="lt1"/>
+          </a:fillRef>
+          <a:effectRef idx="0">
+            <a:schemeClr val="dk1"/>
+          </a:effectRef>
+          <a:fontRef idx="minor">
+            <a:schemeClr val="dk1"/>
+          </a:fontRef>
+        </p:style>
+        <p:txBody>
+          <a:bodyPr rtlCol="0" anchor="ctr"/>
+          <a:lstStyle/>
+          <a:p>
+            <a:pPr algn="ctr"/>
+            <a:r>
+              <a:rPr lang="en-US" altLang="ko-KR" sz="1100"/>
+              <a:t>Database</a:t>
+            </a:r>
+            <a:endParaRPr lang="ko-KR" altLang="en-US" sz="1100"/>
+          </a:p>
+        </p:txBody>
+      </p:sp>
+      <p:sp>
+        <p:nvSpPr>
+          <p:cNvPr id="33" name="사각형: 둥근 모서리 6">
+            <a:extLst>
+              <a:ext uri="{FF2B5EF4-FFF2-40B4-BE49-F238E27FC236}">
+                <a16:creationId xmlns:a16="http://schemas.microsoft.com/office/drawing/2014/main" id="{BEB1026F-BAFC-3E4A-A6CA-90722433706D}"/>
+              </a:ext>
+            </a:extLst>
+          </p:cNvPr>
+          <p:cNvSpPr/>
+          <p:nvPr/>
+        </p:nvSpPr>
+        <p:spPr>
+          <a:xfrm>
+            <a:off x="1564279" y="2673668"/>
+            <a:ext cx="525637" cy="379888"/>
+          </a:xfrm>
+          <a:prstGeom prst="roundRect">
+            <a:avLst>
+              <a:gd name="adj" fmla="val 12503"/>
+            </a:avLst>
+          </a:prstGeom>
+          <a:ln w="9525"/>
+        </p:spPr>
+        <p:style>
+          <a:lnRef idx="2">
+            <a:schemeClr val="dk1"/>
+          </a:lnRef>
+          <a:fillRef idx="1">
+            <a:schemeClr val="lt1"/>
+          </a:fillRef>
+          <a:effectRef idx="0">
+            <a:schemeClr val="dk1"/>
+          </a:effectRef>
+          <a:fontRef idx="minor">
+            <a:schemeClr val="dk1"/>
+          </a:fontRef>
+        </p:style>
+        <p:txBody>
+          <a:bodyPr rtlCol="0" anchor="ctr"/>
+          <a:lstStyle/>
+          <a:p>
+            <a:pPr algn="ctr"/>
+            <a:r>
+              <a:rPr lang="en-US" altLang="ko-KR" sz="1000"/>
+              <a:t>Job</a:t>
+            </a:r>
+            <a:endParaRPr lang="ko-KR" altLang="en-US" sz="1000"/>
+          </a:p>
+        </p:txBody>
+      </p:sp>
+      <p:cxnSp>
+        <p:nvCxnSpPr>
+          <p:cNvPr id="12" name="Straight Arrow Connector 11">
+            <a:extLst>
+              <a:ext uri="{FF2B5EF4-FFF2-40B4-BE49-F238E27FC236}">
+                <a16:creationId xmlns:a16="http://schemas.microsoft.com/office/drawing/2014/main" id="{9509263A-FD08-F545-A369-0C6413368431}"/>
+              </a:ext>
+            </a:extLst>
+          </p:cNvPr>
+          <p:cNvCxnSpPr>
+            <a:cxnSpLocks/>
+            <a:stCxn id="23" idx="2"/>
+            <a:endCxn id="25" idx="0"/>
+          </p:cNvCxnSpPr>
+          <p:nvPr/>
+        </p:nvCxnSpPr>
+        <p:spPr>
+          <a:xfrm>
+            <a:off x="771901" y="1865355"/>
+            <a:ext cx="0" cy="550832"/>
+          </a:xfrm>
+          <a:prstGeom prst="straightConnector1">
+            <a:avLst/>
+          </a:prstGeom>
+          <a:ln w="9525">
+            <a:solidFill>
+              <a:schemeClr val="tx1"/>
+            </a:solidFill>
+            <a:tailEnd type="triangle"/>
+          </a:ln>
+        </p:spPr>
+        <p:style>
+          <a:lnRef idx="1">
+            <a:schemeClr val="accent1"/>
+          </a:lnRef>
+          <a:fillRef idx="0">
+            <a:schemeClr val="accent1"/>
+          </a:fillRef>
+          <a:effectRef idx="0">
+            <a:schemeClr val="accent1"/>
+          </a:effectRef>
+          <a:fontRef idx="minor">
+            <a:schemeClr val="tx1"/>
+          </a:fontRef>
+        </p:style>
+      </p:cxnSp>
+      <p:cxnSp>
+        <p:nvCxnSpPr>
+          <p:cNvPr id="39" name="Straight Arrow Connector 38">
+            <a:extLst>
+              <a:ext uri="{FF2B5EF4-FFF2-40B4-BE49-F238E27FC236}">
+                <a16:creationId xmlns:a16="http://schemas.microsoft.com/office/drawing/2014/main" id="{AA49F983-D76C-2A45-A90D-D84D4EA11075}"/>
+              </a:ext>
+            </a:extLst>
+          </p:cNvPr>
+          <p:cNvCxnSpPr>
+            <a:cxnSpLocks/>
+            <a:stCxn id="25" idx="3"/>
+            <a:endCxn id="26" idx="1"/>
+          </p:cNvCxnSpPr>
+          <p:nvPr/>
+        </p:nvCxnSpPr>
+        <p:spPr>
+          <a:xfrm>
+            <a:off x="1290336" y="2707807"/>
+            <a:ext cx="151539" cy="0"/>
+          </a:xfrm>
+          <a:prstGeom prst="straightConnector1">
+            <a:avLst/>
+          </a:prstGeom>
+          <a:ln w="9525">
+            <a:solidFill>
+              <a:schemeClr val="tx1"/>
+            </a:solidFill>
+            <a:tailEnd type="triangle"/>
+          </a:ln>
+        </p:spPr>
+        <p:style>
+          <a:lnRef idx="1">
+            <a:schemeClr val="accent1"/>
+          </a:lnRef>
+          <a:fillRef idx="0">
+            <a:schemeClr val="accent1"/>
+          </a:fillRef>
+          <a:effectRef idx="0">
+            <a:schemeClr val="accent1"/>
+          </a:effectRef>
+          <a:fontRef idx="minor">
+            <a:schemeClr val="tx1"/>
+          </a:fontRef>
+        </p:style>
+      </p:cxnSp>
+      <p:sp>
+        <p:nvSpPr>
+          <p:cNvPr id="46" name="사각형: 둥근 모서리 6">
+            <a:extLst>
+              <a:ext uri="{FF2B5EF4-FFF2-40B4-BE49-F238E27FC236}">
+                <a16:creationId xmlns:a16="http://schemas.microsoft.com/office/drawing/2014/main" id="{C7B96DAF-F2BD-3D43-BAC1-E5B28F62FF6B}"/>
+              </a:ext>
+            </a:extLst>
+          </p:cNvPr>
+          <p:cNvSpPr/>
+          <p:nvPr/>
+        </p:nvSpPr>
+        <p:spPr>
+          <a:xfrm>
+            <a:off x="2154720" y="2673668"/>
+            <a:ext cx="525637" cy="379888"/>
+          </a:xfrm>
+          <a:prstGeom prst="roundRect">
+            <a:avLst>
+              <a:gd name="adj" fmla="val 12503"/>
+            </a:avLst>
+          </a:prstGeom>
+          <a:ln w="9525"/>
+        </p:spPr>
+        <p:style>
+          <a:lnRef idx="2">
+            <a:schemeClr val="dk1"/>
+          </a:lnRef>
+          <a:fillRef idx="1">
+            <a:schemeClr val="lt1"/>
+          </a:fillRef>
+          <a:effectRef idx="0">
+            <a:schemeClr val="dk1"/>
+          </a:effectRef>
+          <a:fontRef idx="minor">
+            <a:schemeClr val="dk1"/>
+          </a:fontRef>
+        </p:style>
+        <p:txBody>
+          <a:bodyPr rtlCol="0" anchor="ctr"/>
+          <a:lstStyle/>
+          <a:p>
+            <a:pPr algn="ctr"/>
+            <a:r>
+              <a:rPr lang="en-US" altLang="ko-KR" sz="1000"/>
+              <a:t>Job</a:t>
+            </a:r>
+            <a:endParaRPr lang="ko-KR" altLang="en-US" sz="1000"/>
+          </a:p>
+        </p:txBody>
+      </p:sp>
+      <p:cxnSp>
+        <p:nvCxnSpPr>
+          <p:cNvPr id="29" name="Elbow Connector 28">
+            <a:extLst>
+              <a:ext uri="{FF2B5EF4-FFF2-40B4-BE49-F238E27FC236}">
+                <a16:creationId xmlns:a16="http://schemas.microsoft.com/office/drawing/2014/main" id="{F63CC19F-0958-B340-AFF2-467E76CC2989}"/>
+              </a:ext>
+            </a:extLst>
+          </p:cNvPr>
+          <p:cNvCxnSpPr>
+            <a:cxnSpLocks/>
+            <a:stCxn id="83" idx="2"/>
+            <a:endCxn id="77" idx="2"/>
+          </p:cNvCxnSpPr>
+          <p:nvPr/>
+        </p:nvCxnSpPr>
+        <p:spPr>
+          <a:xfrm rot="5400000" flipH="1">
+            <a:off x="2873241" y="2811354"/>
+            <a:ext cx="10904" cy="1514407"/>
+          </a:xfrm>
+          <a:prstGeom prst="bentConnector3">
+            <a:avLst>
+              <a:gd name="adj1" fmla="val -1013973"/>
+            </a:avLst>
+          </a:prstGeom>
+          <a:ln w="9525">
+            <a:solidFill>
+              <a:schemeClr val="tx1"/>
+            </a:solidFill>
+            <a:tailEnd type="triangle"/>
+          </a:ln>
+        </p:spPr>
+        <p:style>
+          <a:lnRef idx="1">
+            <a:schemeClr val="accent1"/>
+          </a:lnRef>
+          <a:fillRef idx="0">
+            <a:schemeClr val="accent1"/>
+          </a:fillRef>
+          <a:effectRef idx="0">
+            <a:schemeClr val="accent1"/>
+          </a:effectRef>
+          <a:fontRef idx="minor">
+            <a:schemeClr val="tx1"/>
+          </a:fontRef>
+        </p:style>
+      </p:cxnSp>
+      <p:sp>
+        <p:nvSpPr>
+          <p:cNvPr id="70" name="사각형: 둥근 모서리 6">
+            <a:extLst>
+              <a:ext uri="{FF2B5EF4-FFF2-40B4-BE49-F238E27FC236}">
+                <a16:creationId xmlns:a16="http://schemas.microsoft.com/office/drawing/2014/main" id="{7EF7AA4B-304D-C343-97DE-C9619A276DEA}"/>
+              </a:ext>
+            </a:extLst>
+          </p:cNvPr>
+          <p:cNvSpPr/>
+          <p:nvPr/>
+        </p:nvSpPr>
+        <p:spPr>
+          <a:xfrm>
+            <a:off x="2597829" y="1340383"/>
+            <a:ext cx="1237304" cy="961109"/>
+          </a:xfrm>
+          <a:prstGeom prst="roundRect">
+            <a:avLst>
+              <a:gd name="adj" fmla="val 9152"/>
+            </a:avLst>
+          </a:prstGeom>
+          <a:ln w="9525">
+            <a:prstDash val="dash"/>
+          </a:ln>
+        </p:spPr>
+        <p:style>
+          <a:lnRef idx="2">
+            <a:schemeClr val="dk1"/>
+          </a:lnRef>
+          <a:fillRef idx="1">
+            <a:schemeClr val="lt1"/>
+          </a:fillRef>
+          <a:effectRef idx="0">
+            <a:schemeClr val="dk1"/>
+          </a:effectRef>
+          <a:fontRef idx="minor">
+            <a:schemeClr val="dk1"/>
+          </a:fontRef>
+        </p:style>
+        <p:txBody>
+          <a:bodyPr rtlCol="0" anchor="ctr"/>
+          <a:lstStyle/>
+          <a:p>
+            <a:pPr algn="ctr"/>
+            <a:endParaRPr lang="ko-KR" altLang="en-US" sz="1200"/>
+          </a:p>
+        </p:txBody>
+      </p:sp>
+      <p:sp>
+        <p:nvSpPr>
+          <p:cNvPr id="43" name="사각형: 둥근 모서리 6">
+            <a:extLst>
+              <a:ext uri="{FF2B5EF4-FFF2-40B4-BE49-F238E27FC236}">
+                <a16:creationId xmlns:a16="http://schemas.microsoft.com/office/drawing/2014/main" id="{51B6F20E-574F-8B41-98FB-A6BF15EFB67A}"/>
+              </a:ext>
+            </a:extLst>
+          </p:cNvPr>
+          <p:cNvSpPr/>
+          <p:nvPr/>
+        </p:nvSpPr>
+        <p:spPr>
+          <a:xfrm>
+            <a:off x="2655431" y="1397587"/>
+            <a:ext cx="525637" cy="379888"/>
+          </a:xfrm>
+          <a:prstGeom prst="roundRect">
+            <a:avLst>
+              <a:gd name="adj" fmla="val 12503"/>
+            </a:avLst>
+          </a:prstGeom>
+          <a:ln w="9525"/>
+        </p:spPr>
+        <p:style>
+          <a:lnRef idx="2">
+            <a:schemeClr val="dk1"/>
+          </a:lnRef>
+          <a:fillRef idx="1">
+            <a:schemeClr val="lt1"/>
+          </a:fillRef>
+          <a:effectRef idx="0">
+            <a:schemeClr val="dk1"/>
+          </a:effectRef>
+          <a:fontRef idx="minor">
+            <a:schemeClr val="dk1"/>
+          </a:fontRef>
+        </p:style>
+        <p:txBody>
+          <a:bodyPr rtlCol="0" anchor="ctr"/>
+          <a:lstStyle/>
+          <a:p>
+            <a:pPr algn="ctr"/>
+            <a:r>
+              <a:rPr lang="en-US" altLang="ko-KR" sz="1000"/>
+              <a:t>Asset</a:t>
+            </a:r>
+            <a:endParaRPr lang="ko-KR" altLang="en-US" sz="1000"/>
+          </a:p>
+        </p:txBody>
+      </p:sp>
+      <p:sp>
+        <p:nvSpPr>
+          <p:cNvPr id="44" name="사각형: 둥근 모서리 6">
+            <a:extLst>
+              <a:ext uri="{FF2B5EF4-FFF2-40B4-BE49-F238E27FC236}">
+                <a16:creationId xmlns:a16="http://schemas.microsoft.com/office/drawing/2014/main" id="{7B834A6A-E543-4445-BBFF-F595FA001FBF}"/>
+              </a:ext>
+            </a:extLst>
+          </p:cNvPr>
+          <p:cNvSpPr/>
+          <p:nvPr/>
+        </p:nvSpPr>
+        <p:spPr>
+          <a:xfrm>
+            <a:off x="3245872" y="1397587"/>
+            <a:ext cx="525637" cy="379888"/>
+          </a:xfrm>
+          <a:prstGeom prst="roundRect">
+            <a:avLst>
+              <a:gd name="adj" fmla="val 12503"/>
+            </a:avLst>
+          </a:prstGeom>
+          <a:ln w="9525"/>
+        </p:spPr>
+        <p:style>
+          <a:lnRef idx="2">
+            <a:schemeClr val="dk1"/>
+          </a:lnRef>
+          <a:fillRef idx="1">
+            <a:schemeClr val="lt1"/>
+          </a:fillRef>
+          <a:effectRef idx="0">
+            <a:schemeClr val="dk1"/>
+          </a:effectRef>
+          <a:fontRef idx="minor">
+            <a:schemeClr val="dk1"/>
+          </a:fontRef>
+        </p:style>
+        <p:txBody>
+          <a:bodyPr rtlCol="0" anchor="ctr"/>
+          <a:lstStyle/>
+          <a:p>
+            <a:pPr algn="ctr"/>
+            <a:r>
+              <a:rPr lang="en-US" altLang="ko-KR" sz="1000"/>
+              <a:t>Asset</a:t>
+            </a:r>
+            <a:endParaRPr lang="ko-KR" altLang="en-US" sz="1000"/>
+          </a:p>
+        </p:txBody>
+      </p:sp>
+      <p:sp>
+        <p:nvSpPr>
+          <p:cNvPr id="45" name="사각형: 둥근 모서리 6">
+            <a:extLst>
+              <a:ext uri="{FF2B5EF4-FFF2-40B4-BE49-F238E27FC236}">
+                <a16:creationId xmlns:a16="http://schemas.microsoft.com/office/drawing/2014/main" id="{8570F360-4349-3145-A99F-4C6508E7F217}"/>
+              </a:ext>
+            </a:extLst>
+          </p:cNvPr>
+          <p:cNvSpPr/>
+          <p:nvPr/>
+        </p:nvSpPr>
+        <p:spPr>
+          <a:xfrm>
+            <a:off x="4027126" y="1397587"/>
+            <a:ext cx="525637" cy="379888"/>
+          </a:xfrm>
+          <a:prstGeom prst="roundRect">
+            <a:avLst>
+              <a:gd name="adj" fmla="val 12503"/>
+            </a:avLst>
+          </a:prstGeom>
+          <a:ln w="9525"/>
+        </p:spPr>
+        <p:style>
+          <a:lnRef idx="2">
+            <a:schemeClr val="dk1"/>
+          </a:lnRef>
+          <a:fillRef idx="1">
+            <a:schemeClr val="lt1"/>
+          </a:fillRef>
+          <a:effectRef idx="0">
+            <a:schemeClr val="dk1"/>
+          </a:effectRef>
+          <a:fontRef idx="minor">
+            <a:schemeClr val="dk1"/>
+          </a:fontRef>
+        </p:style>
+        <p:txBody>
+          <a:bodyPr rtlCol="0" anchor="ctr"/>
+          <a:lstStyle/>
+          <a:p>
+            <a:pPr algn="ctr"/>
+            <a:r>
+              <a:rPr lang="en-US" altLang="ko-KR" sz="1000"/>
+              <a:t>Op</a:t>
+            </a:r>
+            <a:endParaRPr lang="ko-KR" altLang="en-US" sz="1000"/>
+          </a:p>
+        </p:txBody>
+      </p:sp>
+      <p:sp>
+        <p:nvSpPr>
+          <p:cNvPr id="53" name="사각형: 둥근 모서리 6">
+            <a:extLst>
+              <a:ext uri="{FF2B5EF4-FFF2-40B4-BE49-F238E27FC236}">
+                <a16:creationId xmlns:a16="http://schemas.microsoft.com/office/drawing/2014/main" id="{78C473EE-4D07-6A4C-A378-97357BDEDD50}"/>
+              </a:ext>
+            </a:extLst>
+          </p:cNvPr>
+          <p:cNvSpPr/>
+          <p:nvPr/>
+        </p:nvSpPr>
+        <p:spPr>
+          <a:xfrm>
+            <a:off x="4617567" y="1397587"/>
+            <a:ext cx="525637" cy="379888"/>
+          </a:xfrm>
+          <a:prstGeom prst="roundRect">
+            <a:avLst>
+              <a:gd name="adj" fmla="val 12503"/>
+            </a:avLst>
+          </a:prstGeom>
+          <a:ln w="9525"/>
+        </p:spPr>
+        <p:style>
+          <a:lnRef idx="2">
+            <a:schemeClr val="dk1"/>
+          </a:lnRef>
+          <a:fillRef idx="1">
+            <a:schemeClr val="lt1"/>
+          </a:fillRef>
+          <a:effectRef idx="0">
+            <a:schemeClr val="dk1"/>
+          </a:effectRef>
+          <a:fontRef idx="minor">
+            <a:schemeClr val="dk1"/>
+          </a:fontRef>
+        </p:style>
+        <p:txBody>
+          <a:bodyPr rtlCol="0" anchor="ctr"/>
+          <a:lstStyle/>
+          <a:p>
+            <a:pPr algn="ctr"/>
+            <a:r>
+              <a:rPr lang="en-US" altLang="ko-KR" sz="1000"/>
+              <a:t>Op</a:t>
+            </a:r>
+            <a:endParaRPr lang="ko-KR" altLang="en-US" sz="1000"/>
+          </a:p>
+        </p:txBody>
+      </p:sp>
+      <p:sp>
+        <p:nvSpPr>
+          <p:cNvPr id="62" name="사각형: 둥근 모서리 6">
+            <a:extLst>
+              <a:ext uri="{FF2B5EF4-FFF2-40B4-BE49-F238E27FC236}">
+                <a16:creationId xmlns:a16="http://schemas.microsoft.com/office/drawing/2014/main" id="{5D3DF8CD-8C48-7B41-8EEE-8A5412D4C01D}"/>
+              </a:ext>
+            </a:extLst>
+          </p:cNvPr>
+          <p:cNvSpPr/>
+          <p:nvPr/>
+        </p:nvSpPr>
+        <p:spPr>
+          <a:xfrm>
+            <a:off x="1591985" y="1397587"/>
+            <a:ext cx="781253" cy="379888"/>
+          </a:xfrm>
+          <a:prstGeom prst="roundRect">
+            <a:avLst>
+              <a:gd name="adj" fmla="val 12503"/>
+            </a:avLst>
+          </a:prstGeom>
+          <a:ln w="9525"/>
+        </p:spPr>
+        <p:style>
+          <a:lnRef idx="2">
+            <a:schemeClr val="dk1"/>
+          </a:lnRef>
+          <a:fillRef idx="1">
+            <a:schemeClr val="lt1"/>
+          </a:fillRef>
+          <a:effectRef idx="0">
+            <a:schemeClr val="dk1"/>
+          </a:effectRef>
+          <a:fontRef idx="minor">
+            <a:schemeClr val="dk1"/>
+          </a:fontRef>
+        </p:style>
+        <p:txBody>
+          <a:bodyPr rtlCol="0" anchor="ctr"/>
+          <a:lstStyle/>
+          <a:p>
+            <a:pPr algn="ctr"/>
+            <a:r>
+              <a:rPr lang="en-US" altLang="ko-KR" sz="1000"/>
+              <a:t>External</a:t>
+            </a:r>
+          </a:p>
+          <a:p>
+            <a:pPr algn="ctr"/>
+            <a:r>
+              <a:rPr lang="en-US" altLang="ko-KR" sz="1000"/>
+              <a:t>Resource</a:t>
+            </a:r>
+            <a:endParaRPr lang="ko-KR" altLang="en-US" sz="1000"/>
+          </a:p>
+        </p:txBody>
+      </p:sp>
+      <p:sp>
+        <p:nvSpPr>
+          <p:cNvPr id="63" name="사각형: 둥근 모서리 6">
+            <a:extLst>
+              <a:ext uri="{FF2B5EF4-FFF2-40B4-BE49-F238E27FC236}">
+                <a16:creationId xmlns:a16="http://schemas.microsoft.com/office/drawing/2014/main" id="{582A5595-839F-9143-B162-3864214EC696}"/>
+              </a:ext>
+            </a:extLst>
+          </p:cNvPr>
+          <p:cNvSpPr/>
+          <p:nvPr/>
+        </p:nvSpPr>
+        <p:spPr>
+          <a:xfrm>
+            <a:off x="2655431" y="1848415"/>
+            <a:ext cx="525637" cy="379888"/>
+          </a:xfrm>
+          <a:prstGeom prst="roundRect">
+            <a:avLst>
+              <a:gd name="adj" fmla="val 12503"/>
+            </a:avLst>
+          </a:prstGeom>
+          <a:ln w="9525"/>
+        </p:spPr>
+        <p:style>
+          <a:lnRef idx="2">
+            <a:schemeClr val="dk1"/>
+          </a:lnRef>
+          <a:fillRef idx="1">
+            <a:schemeClr val="lt1"/>
+          </a:fillRef>
+          <a:effectRef idx="0">
+            <a:schemeClr val="dk1"/>
+          </a:effectRef>
+          <a:fontRef idx="minor">
+            <a:schemeClr val="dk1"/>
+          </a:fontRef>
+        </p:style>
+        <p:txBody>
+          <a:bodyPr rtlCol="0" anchor="ctr"/>
+          <a:lstStyle/>
+          <a:p>
+            <a:pPr algn="ctr"/>
+            <a:r>
+              <a:rPr lang="en-US" altLang="ko-KR" sz="1000"/>
+              <a:t>Asset</a:t>
+            </a:r>
+            <a:endParaRPr lang="ko-KR" altLang="en-US" sz="1000"/>
+          </a:p>
+        </p:txBody>
+      </p:sp>
+      <p:sp>
+        <p:nvSpPr>
+          <p:cNvPr id="65" name="사각형: 둥근 모서리 6">
+            <a:extLst>
+              <a:ext uri="{FF2B5EF4-FFF2-40B4-BE49-F238E27FC236}">
+                <a16:creationId xmlns:a16="http://schemas.microsoft.com/office/drawing/2014/main" id="{A6CD7BA3-C579-D946-A595-752F44C063CF}"/>
+              </a:ext>
+            </a:extLst>
+          </p:cNvPr>
+          <p:cNvSpPr/>
+          <p:nvPr/>
+        </p:nvSpPr>
+        <p:spPr>
+          <a:xfrm>
+            <a:off x="3245872" y="1848415"/>
+            <a:ext cx="525637" cy="379888"/>
+          </a:xfrm>
+          <a:prstGeom prst="roundRect">
+            <a:avLst>
+              <a:gd name="adj" fmla="val 12503"/>
+            </a:avLst>
+          </a:prstGeom>
+          <a:ln w="9525"/>
+        </p:spPr>
+        <p:style>
+          <a:lnRef idx="2">
+            <a:schemeClr val="dk1"/>
+          </a:lnRef>
+          <a:fillRef idx="1">
+            <a:schemeClr val="lt1"/>
+          </a:fillRef>
+          <a:effectRef idx="0">
+            <a:schemeClr val="dk1"/>
+          </a:effectRef>
+          <a:fontRef idx="minor">
+            <a:schemeClr val="dk1"/>
+          </a:fontRef>
+        </p:style>
+        <p:txBody>
+          <a:bodyPr rtlCol="0" anchor="ctr"/>
+          <a:lstStyle/>
+          <a:p>
+            <a:pPr algn="ctr"/>
+            <a:r>
+              <a:rPr lang="en-US" altLang="ko-KR" sz="1000"/>
+              <a:t>Asset</a:t>
+            </a:r>
+            <a:endParaRPr lang="ko-KR" altLang="en-US" sz="1000"/>
+          </a:p>
+        </p:txBody>
+      </p:sp>
+      <p:sp>
+        <p:nvSpPr>
+          <p:cNvPr id="66" name="사각형: 둥근 모서리 6">
+            <a:extLst>
+              <a:ext uri="{FF2B5EF4-FFF2-40B4-BE49-F238E27FC236}">
+                <a16:creationId xmlns:a16="http://schemas.microsoft.com/office/drawing/2014/main" id="{40B0C085-AF93-5E4D-9A61-1826C8680C42}"/>
+              </a:ext>
+            </a:extLst>
+          </p:cNvPr>
+          <p:cNvSpPr/>
+          <p:nvPr/>
+        </p:nvSpPr>
+        <p:spPr>
+          <a:xfrm>
+            <a:off x="4027126" y="1848415"/>
+            <a:ext cx="525637" cy="379888"/>
+          </a:xfrm>
+          <a:prstGeom prst="roundRect">
+            <a:avLst>
+              <a:gd name="adj" fmla="val 12503"/>
+            </a:avLst>
+          </a:prstGeom>
+          <a:ln w="9525"/>
+        </p:spPr>
+        <p:style>
+          <a:lnRef idx="2">
+            <a:schemeClr val="dk1"/>
+          </a:lnRef>
+          <a:fillRef idx="1">
+            <a:schemeClr val="lt1"/>
+          </a:fillRef>
+          <a:effectRef idx="0">
+            <a:schemeClr val="dk1"/>
+          </a:effectRef>
+          <a:fontRef idx="minor">
+            <a:schemeClr val="dk1"/>
+          </a:fontRef>
+        </p:style>
+        <p:txBody>
+          <a:bodyPr rtlCol="0" anchor="ctr"/>
+          <a:lstStyle/>
+          <a:p>
+            <a:pPr algn="ctr"/>
+            <a:r>
+              <a:rPr lang="en-US" altLang="ko-KR" sz="1000"/>
+              <a:t>Op</a:t>
+            </a:r>
+            <a:endParaRPr lang="ko-KR" altLang="en-US" sz="1000"/>
+          </a:p>
+        </p:txBody>
+      </p:sp>
+      <p:sp>
+        <p:nvSpPr>
+          <p:cNvPr id="68" name="사각형: 둥근 모서리 6">
+            <a:extLst>
+              <a:ext uri="{FF2B5EF4-FFF2-40B4-BE49-F238E27FC236}">
+                <a16:creationId xmlns:a16="http://schemas.microsoft.com/office/drawing/2014/main" id="{F961B1E3-C85A-4E44-88C0-C036D8AE60EA}"/>
+              </a:ext>
+            </a:extLst>
+          </p:cNvPr>
+          <p:cNvSpPr/>
+          <p:nvPr/>
+        </p:nvSpPr>
+        <p:spPr>
+          <a:xfrm>
+            <a:off x="4617567" y="1848415"/>
+            <a:ext cx="525637" cy="379888"/>
+          </a:xfrm>
+          <a:prstGeom prst="roundRect">
+            <a:avLst>
+              <a:gd name="adj" fmla="val 12503"/>
+            </a:avLst>
+          </a:prstGeom>
+          <a:ln w="9525"/>
+        </p:spPr>
+        <p:style>
+          <a:lnRef idx="2">
+            <a:schemeClr val="dk1"/>
+          </a:lnRef>
+          <a:fillRef idx="1">
+            <a:schemeClr val="lt1"/>
+          </a:fillRef>
+          <a:effectRef idx="0">
+            <a:schemeClr val="dk1"/>
+          </a:effectRef>
+          <a:fontRef idx="minor">
+            <a:schemeClr val="dk1"/>
+          </a:fontRef>
+        </p:style>
+        <p:txBody>
+          <a:bodyPr rtlCol="0" anchor="ctr"/>
+          <a:lstStyle/>
+          <a:p>
+            <a:pPr algn="ctr"/>
+            <a:r>
+              <a:rPr lang="en-US" altLang="ko-KR" sz="1000"/>
+              <a:t>Op</a:t>
+            </a:r>
+            <a:endParaRPr lang="ko-KR" altLang="en-US" sz="1000"/>
+          </a:p>
+        </p:txBody>
+      </p:sp>
+      <p:sp>
+        <p:nvSpPr>
+          <p:cNvPr id="69" name="사각형: 둥근 모서리 6">
+            <a:extLst>
+              <a:ext uri="{FF2B5EF4-FFF2-40B4-BE49-F238E27FC236}">
+                <a16:creationId xmlns:a16="http://schemas.microsoft.com/office/drawing/2014/main" id="{5BED1B01-BF44-204D-A0AE-038DD0FA010C}"/>
+              </a:ext>
+            </a:extLst>
+          </p:cNvPr>
+          <p:cNvSpPr/>
+          <p:nvPr/>
+        </p:nvSpPr>
+        <p:spPr>
+          <a:xfrm>
+            <a:off x="1591985" y="1848414"/>
+            <a:ext cx="781253" cy="379888"/>
+          </a:xfrm>
+          <a:prstGeom prst="roundRect">
+            <a:avLst>
+              <a:gd name="adj" fmla="val 12503"/>
+            </a:avLst>
+          </a:prstGeom>
+          <a:ln w="9525"/>
+        </p:spPr>
+        <p:style>
+          <a:lnRef idx="2">
+            <a:schemeClr val="dk1"/>
+          </a:lnRef>
+          <a:fillRef idx="1">
+            <a:schemeClr val="lt1"/>
+          </a:fillRef>
+          <a:effectRef idx="0">
+            <a:schemeClr val="dk1"/>
+          </a:effectRef>
+          <a:fontRef idx="minor">
+            <a:schemeClr val="dk1"/>
+          </a:fontRef>
+        </p:style>
+        <p:txBody>
+          <a:bodyPr rtlCol="0" anchor="ctr"/>
+          <a:lstStyle/>
+          <a:p>
+            <a:pPr algn="ctr"/>
+            <a:r>
+              <a:rPr lang="en-US" altLang="ko-KR" sz="1000"/>
+              <a:t>External</a:t>
+            </a:r>
+          </a:p>
+          <a:p>
+            <a:pPr algn="ctr"/>
+            <a:r>
+              <a:rPr lang="en-US" altLang="ko-KR" sz="1000"/>
+              <a:t>Resource</a:t>
+            </a:r>
+            <a:endParaRPr lang="ko-KR" altLang="en-US" sz="1000"/>
+          </a:p>
+        </p:txBody>
+      </p:sp>
+      <p:sp>
+        <p:nvSpPr>
+          <p:cNvPr id="71" name="사각형: 둥근 모서리 6">
+            <a:extLst>
+              <a:ext uri="{FF2B5EF4-FFF2-40B4-BE49-F238E27FC236}">
+                <a16:creationId xmlns:a16="http://schemas.microsoft.com/office/drawing/2014/main" id="{D0715AF7-0C31-6345-B53F-EFBBC0274FF7}"/>
+              </a:ext>
+            </a:extLst>
+          </p:cNvPr>
+          <p:cNvSpPr/>
+          <p:nvPr/>
+        </p:nvSpPr>
+        <p:spPr>
+          <a:xfrm>
+            <a:off x="3971946" y="1340382"/>
+            <a:ext cx="1237304" cy="961109"/>
+          </a:xfrm>
+          <a:prstGeom prst="roundRect">
+            <a:avLst>
+              <a:gd name="adj" fmla="val 9152"/>
+            </a:avLst>
+          </a:prstGeom>
+          <a:noFill/>
+          <a:ln w="9525">
+            <a:prstDash val="dash"/>
+          </a:ln>
+        </p:spPr>
+        <p:style>
+          <a:lnRef idx="2">
+            <a:schemeClr val="dk1"/>
+          </a:lnRef>
+          <a:fillRef idx="1">
+            <a:schemeClr val="lt1"/>
+          </a:fillRef>
+          <a:effectRef idx="0">
+            <a:schemeClr val="dk1"/>
+          </a:effectRef>
+          <a:fontRef idx="minor">
+            <a:schemeClr val="dk1"/>
+          </a:fontRef>
+        </p:style>
+        <p:txBody>
+          <a:bodyPr rtlCol="0" anchor="ctr"/>
+          <a:lstStyle/>
+          <a:p>
+            <a:pPr algn="ctr"/>
+            <a:endParaRPr lang="ko-KR" altLang="en-US" sz="1200"/>
+          </a:p>
+        </p:txBody>
+      </p:sp>
+      <p:sp>
+        <p:nvSpPr>
+          <p:cNvPr id="72" name="사각형: 둥근 모서리 6">
+            <a:extLst>
+              <a:ext uri="{FF2B5EF4-FFF2-40B4-BE49-F238E27FC236}">
+                <a16:creationId xmlns:a16="http://schemas.microsoft.com/office/drawing/2014/main" id="{64DEADB4-5408-D54A-B565-D4A3C31A2D6B}"/>
+              </a:ext>
+            </a:extLst>
+          </p:cNvPr>
+          <p:cNvSpPr/>
+          <p:nvPr/>
+        </p:nvSpPr>
+        <p:spPr>
+          <a:xfrm>
+            <a:off x="1500574" y="1340382"/>
+            <a:ext cx="954340" cy="961109"/>
+          </a:xfrm>
+          <a:prstGeom prst="roundRect">
+            <a:avLst>
+              <a:gd name="adj" fmla="val 9152"/>
+            </a:avLst>
+          </a:prstGeom>
+          <a:noFill/>
+          <a:ln w="9525">
+            <a:prstDash val="dash"/>
+          </a:ln>
+        </p:spPr>
+        <p:style>
+          <a:lnRef idx="2">
+            <a:schemeClr val="dk1"/>
+          </a:lnRef>
+          <a:fillRef idx="1">
+            <a:schemeClr val="lt1"/>
+          </a:fillRef>
+          <a:effectRef idx="0">
+            <a:schemeClr val="dk1"/>
+          </a:effectRef>
+          <a:fontRef idx="minor">
+            <a:schemeClr val="dk1"/>
+          </a:fontRef>
+        </p:style>
+        <p:txBody>
+          <a:bodyPr rtlCol="0" anchor="ctr"/>
+          <a:lstStyle/>
+          <a:p>
+            <a:pPr algn="ctr"/>
+            <a:endParaRPr lang="ko-KR" altLang="en-US" sz="1200"/>
+          </a:p>
+        </p:txBody>
+      </p:sp>
+      <p:sp>
+        <p:nvSpPr>
+          <p:cNvPr id="77" name="사각형: 둥근 모서리 6">
+            <a:extLst>
+              <a:ext uri="{FF2B5EF4-FFF2-40B4-BE49-F238E27FC236}">
+                <a16:creationId xmlns:a16="http://schemas.microsoft.com/office/drawing/2014/main" id="{076EE635-3170-E345-B1C8-81CDE1BD77FF}"/>
+              </a:ext>
+            </a:extLst>
+          </p:cNvPr>
+          <p:cNvSpPr/>
+          <p:nvPr/>
+        </p:nvSpPr>
+        <p:spPr>
+          <a:xfrm>
+            <a:off x="1502837" y="2612899"/>
+            <a:ext cx="1237304" cy="950206"/>
+          </a:xfrm>
+          <a:prstGeom prst="roundRect">
+            <a:avLst>
+              <a:gd name="adj" fmla="val 9152"/>
+            </a:avLst>
+          </a:prstGeom>
+          <a:noFill/>
+          <a:ln w="9525">
+            <a:prstDash val="dash"/>
+          </a:ln>
+        </p:spPr>
+        <p:style>
+          <a:lnRef idx="2">
+            <a:schemeClr val="dk1"/>
+          </a:lnRef>
+          <a:fillRef idx="1">
+            <a:schemeClr val="lt1"/>
+          </a:fillRef>
+          <a:effectRef idx="0">
+            <a:schemeClr val="dk1"/>
+          </a:effectRef>
+          <a:fontRef idx="minor">
+            <a:schemeClr val="dk1"/>
+          </a:fontRef>
+        </p:style>
+        <p:txBody>
+          <a:bodyPr rtlCol="0" anchor="ctr"/>
+          <a:lstStyle/>
+          <a:p>
+            <a:pPr algn="ctr"/>
+            <a:endParaRPr lang="ko-KR" altLang="en-US" sz="1200"/>
+          </a:p>
+        </p:txBody>
+      </p:sp>
+      <p:sp>
+        <p:nvSpPr>
+          <p:cNvPr id="78" name="사각형: 둥근 모서리 6">
+            <a:extLst>
+              <a:ext uri="{FF2B5EF4-FFF2-40B4-BE49-F238E27FC236}">
+                <a16:creationId xmlns:a16="http://schemas.microsoft.com/office/drawing/2014/main" id="{090B83BB-B4DA-B14D-B8C5-2617635039D4}"/>
+              </a:ext>
+            </a:extLst>
+          </p:cNvPr>
+          <p:cNvSpPr/>
+          <p:nvPr/>
+        </p:nvSpPr>
+        <p:spPr>
+          <a:xfrm>
+            <a:off x="4355953" y="2676693"/>
+            <a:ext cx="771622" cy="379888"/>
+          </a:xfrm>
+          <a:prstGeom prst="roundRect">
+            <a:avLst>
+              <a:gd name="adj" fmla="val 12503"/>
+            </a:avLst>
+          </a:prstGeom>
+          <a:ln w="9525"/>
+        </p:spPr>
+        <p:style>
+          <a:lnRef idx="2">
+            <a:schemeClr val="dk1"/>
+          </a:lnRef>
+          <a:fillRef idx="1">
+            <a:schemeClr val="lt1"/>
+          </a:fillRef>
+          <a:effectRef idx="0">
+            <a:schemeClr val="dk1"/>
+          </a:effectRef>
+          <a:fontRef idx="minor">
+            <a:schemeClr val="dk1"/>
+          </a:fontRef>
+        </p:style>
+        <p:txBody>
+          <a:bodyPr rtlCol="0" anchor="ctr"/>
+          <a:lstStyle/>
+          <a:p>
+            <a:pPr algn="ctr"/>
+            <a:r>
+              <a:rPr lang="en-US" altLang="ko-KR" sz="1000"/>
+              <a:t>Sensor</a:t>
+            </a:r>
+            <a:endParaRPr lang="ko-KR" altLang="en-US" sz="1000"/>
+          </a:p>
+        </p:txBody>
+      </p:sp>
+      <p:sp>
+        <p:nvSpPr>
+          <p:cNvPr id="79" name="사각형: 둥근 모서리 6">
+            <a:extLst>
+              <a:ext uri="{FF2B5EF4-FFF2-40B4-BE49-F238E27FC236}">
+                <a16:creationId xmlns:a16="http://schemas.microsoft.com/office/drawing/2014/main" id="{F2EEB554-E8AE-C445-85BA-955AF75D1154}"/>
+              </a:ext>
+            </a:extLst>
+          </p:cNvPr>
+          <p:cNvSpPr/>
+          <p:nvPr/>
+        </p:nvSpPr>
+        <p:spPr>
+          <a:xfrm>
+            <a:off x="4355953" y="3130326"/>
+            <a:ext cx="771622" cy="379888"/>
+          </a:xfrm>
+          <a:prstGeom prst="roundRect">
+            <a:avLst>
+              <a:gd name="adj" fmla="val 12503"/>
+            </a:avLst>
+          </a:prstGeom>
+          <a:ln w="9525"/>
+        </p:spPr>
+        <p:style>
+          <a:lnRef idx="2">
+            <a:schemeClr val="dk1"/>
+          </a:lnRef>
+          <a:fillRef idx="1">
+            <a:schemeClr val="lt1"/>
+          </a:fillRef>
+          <a:effectRef idx="0">
+            <a:schemeClr val="dk1"/>
+          </a:effectRef>
+          <a:fontRef idx="minor">
+            <a:schemeClr val="dk1"/>
+          </a:fontRef>
+        </p:style>
+        <p:txBody>
+          <a:bodyPr rtlCol="0" anchor="ctr"/>
+          <a:lstStyle/>
+          <a:p>
+            <a:pPr algn="ctr"/>
+            <a:r>
+              <a:rPr lang="en-US" altLang="ko-KR" sz="1000"/>
+              <a:t>Sensor</a:t>
+            </a:r>
+            <a:endParaRPr lang="ko-KR" altLang="en-US" sz="1000"/>
+          </a:p>
+        </p:txBody>
+      </p:sp>
+      <p:sp>
+        <p:nvSpPr>
+          <p:cNvPr id="80" name="사각형: 둥근 모서리 6">
+            <a:extLst>
+              <a:ext uri="{FF2B5EF4-FFF2-40B4-BE49-F238E27FC236}">
+                <a16:creationId xmlns:a16="http://schemas.microsoft.com/office/drawing/2014/main" id="{D8C595C5-080D-C240-A7C9-584DDF65EB13}"/>
+              </a:ext>
+            </a:extLst>
+          </p:cNvPr>
+          <p:cNvSpPr/>
+          <p:nvPr/>
+        </p:nvSpPr>
+        <p:spPr>
+          <a:xfrm>
+            <a:off x="4254910" y="2612900"/>
+            <a:ext cx="954340" cy="961109"/>
+          </a:xfrm>
+          <a:prstGeom prst="roundRect">
+            <a:avLst>
+              <a:gd name="adj" fmla="val 9152"/>
+            </a:avLst>
+          </a:prstGeom>
+          <a:noFill/>
+          <a:ln w="9525">
+            <a:prstDash val="dash"/>
+          </a:ln>
+        </p:spPr>
+        <p:style>
+          <a:lnRef idx="2">
+            <a:schemeClr val="dk1"/>
+          </a:lnRef>
+          <a:fillRef idx="1">
+            <a:schemeClr val="lt1"/>
+          </a:fillRef>
+          <a:effectRef idx="0">
+            <a:schemeClr val="dk1"/>
+          </a:effectRef>
+          <a:fontRef idx="minor">
+            <a:schemeClr val="dk1"/>
+          </a:fontRef>
+        </p:style>
+        <p:txBody>
+          <a:bodyPr rtlCol="0" anchor="ctr"/>
+          <a:lstStyle/>
+          <a:p>
+            <a:pPr algn="ctr"/>
+            <a:endParaRPr lang="ko-KR" altLang="en-US" sz="1200"/>
+          </a:p>
+        </p:txBody>
+      </p:sp>
+      <p:sp>
+        <p:nvSpPr>
+          <p:cNvPr id="81" name="사각형: 둥근 모서리 6">
+            <a:extLst>
+              <a:ext uri="{FF2B5EF4-FFF2-40B4-BE49-F238E27FC236}">
+                <a16:creationId xmlns:a16="http://schemas.microsoft.com/office/drawing/2014/main" id="{EC2E1AB8-0F4C-5540-93F3-808BE8B8FC76}"/>
+              </a:ext>
+            </a:extLst>
+          </p:cNvPr>
+          <p:cNvSpPr/>
+          <p:nvPr/>
+        </p:nvSpPr>
+        <p:spPr>
+          <a:xfrm>
+            <a:off x="3259769" y="2676693"/>
+            <a:ext cx="771622" cy="379888"/>
+          </a:xfrm>
+          <a:prstGeom prst="roundRect">
+            <a:avLst>
+              <a:gd name="adj" fmla="val 12503"/>
+            </a:avLst>
+          </a:prstGeom>
+          <a:ln w="9525"/>
+        </p:spPr>
+        <p:style>
+          <a:lnRef idx="2">
+            <a:schemeClr val="dk1"/>
+          </a:lnRef>
+          <a:fillRef idx="1">
+            <a:schemeClr val="lt1"/>
+          </a:fillRef>
+          <a:effectRef idx="0">
+            <a:schemeClr val="dk1"/>
+          </a:effectRef>
+          <a:fontRef idx="minor">
+            <a:schemeClr val="dk1"/>
+          </a:fontRef>
+        </p:style>
+        <p:txBody>
+          <a:bodyPr rtlCol="0" anchor="ctr"/>
+          <a:lstStyle/>
+          <a:p>
+            <a:pPr algn="ctr"/>
+            <a:r>
+              <a:rPr lang="en-US" altLang="ko-KR" sz="1000"/>
+              <a:t>Schedule</a:t>
+            </a:r>
+            <a:endParaRPr lang="ko-KR" altLang="en-US" sz="1000"/>
+          </a:p>
+        </p:txBody>
+      </p:sp>
+      <p:sp>
+        <p:nvSpPr>
+          <p:cNvPr id="82" name="사각형: 둥근 모서리 6">
+            <a:extLst>
+              <a:ext uri="{FF2B5EF4-FFF2-40B4-BE49-F238E27FC236}">
+                <a16:creationId xmlns:a16="http://schemas.microsoft.com/office/drawing/2014/main" id="{A1B9BFD0-CDC5-1740-AF6A-E52BA45FFEAF}"/>
+              </a:ext>
+            </a:extLst>
+          </p:cNvPr>
+          <p:cNvSpPr/>
+          <p:nvPr/>
+        </p:nvSpPr>
+        <p:spPr>
+          <a:xfrm>
+            <a:off x="3259769" y="3130326"/>
+            <a:ext cx="771622" cy="379888"/>
+          </a:xfrm>
+          <a:prstGeom prst="roundRect">
+            <a:avLst>
+              <a:gd name="adj" fmla="val 12503"/>
+            </a:avLst>
+          </a:prstGeom>
+          <a:ln w="9525"/>
+        </p:spPr>
+        <p:style>
+          <a:lnRef idx="2">
+            <a:schemeClr val="dk1"/>
+          </a:lnRef>
+          <a:fillRef idx="1">
+            <a:schemeClr val="lt1"/>
+          </a:fillRef>
+          <a:effectRef idx="0">
+            <a:schemeClr val="dk1"/>
+          </a:effectRef>
+          <a:fontRef idx="minor">
+            <a:schemeClr val="dk1"/>
+          </a:fontRef>
+        </p:style>
+        <p:txBody>
+          <a:bodyPr rtlCol="0" anchor="ctr"/>
+          <a:lstStyle/>
+          <a:p>
+            <a:pPr algn="ctr"/>
+            <a:r>
+              <a:rPr lang="en-US" altLang="ko-KR" sz="1000"/>
+              <a:t>Schedule</a:t>
+            </a:r>
+            <a:endParaRPr lang="ko-KR" altLang="en-US" sz="1000"/>
+          </a:p>
+        </p:txBody>
+      </p:sp>
+      <p:sp>
+        <p:nvSpPr>
+          <p:cNvPr id="83" name="사각형: 둥근 모서리 6">
+            <a:extLst>
+              <a:ext uri="{FF2B5EF4-FFF2-40B4-BE49-F238E27FC236}">
+                <a16:creationId xmlns:a16="http://schemas.microsoft.com/office/drawing/2014/main" id="{D297EF96-76EF-EB4A-BF14-3D157EF37F5A}"/>
+              </a:ext>
+            </a:extLst>
+          </p:cNvPr>
+          <p:cNvSpPr/>
+          <p:nvPr/>
+        </p:nvSpPr>
+        <p:spPr>
+          <a:xfrm>
+            <a:off x="3158726" y="2612900"/>
+            <a:ext cx="954340" cy="961109"/>
+          </a:xfrm>
+          <a:prstGeom prst="roundRect">
+            <a:avLst>
+              <a:gd name="adj" fmla="val 9152"/>
+            </a:avLst>
+          </a:prstGeom>
+          <a:noFill/>
+          <a:ln w="9525">
+            <a:prstDash val="dash"/>
+          </a:ln>
+        </p:spPr>
+        <p:style>
+          <a:lnRef idx="2">
+            <a:schemeClr val="dk1"/>
+          </a:lnRef>
+          <a:fillRef idx="1">
+            <a:schemeClr val="lt1"/>
+          </a:fillRef>
+          <a:effectRef idx="0">
+            <a:schemeClr val="dk1"/>
+          </a:effectRef>
+          <a:fontRef idx="minor">
+            <a:schemeClr val="dk1"/>
+          </a:fontRef>
+        </p:style>
+        <p:txBody>
+          <a:bodyPr rtlCol="0" anchor="ctr"/>
+          <a:lstStyle/>
+          <a:p>
+            <a:pPr algn="ctr"/>
+            <a:endParaRPr lang="ko-KR" altLang="en-US" sz="1200"/>
+          </a:p>
+        </p:txBody>
+      </p:sp>
+      <p:cxnSp>
+        <p:nvCxnSpPr>
+          <p:cNvPr id="86" name="Elbow Connector 85">
+            <a:extLst>
+              <a:ext uri="{FF2B5EF4-FFF2-40B4-BE49-F238E27FC236}">
+                <a16:creationId xmlns:a16="http://schemas.microsoft.com/office/drawing/2014/main" id="{EAAA8515-9CAB-A94D-BE66-7B04A5C93B1A}"/>
+              </a:ext>
+            </a:extLst>
+          </p:cNvPr>
+          <p:cNvCxnSpPr>
+            <a:cxnSpLocks/>
+            <a:stCxn id="80" idx="2"/>
+            <a:endCxn id="77" idx="2"/>
+          </p:cNvCxnSpPr>
+          <p:nvPr/>
+        </p:nvCxnSpPr>
+        <p:spPr>
+          <a:xfrm rot="5400000" flipH="1">
+            <a:off x="3421333" y="2263262"/>
+            <a:ext cx="10904" cy="2610591"/>
+          </a:xfrm>
+          <a:prstGeom prst="bentConnector3">
+            <a:avLst>
+              <a:gd name="adj1" fmla="val -1013990"/>
+            </a:avLst>
+          </a:prstGeom>
+          <a:ln w="9525">
+            <a:solidFill>
+              <a:schemeClr val="tx1"/>
+            </a:solidFill>
+            <a:tailEnd type="triangle"/>
+          </a:ln>
+        </p:spPr>
+        <p:style>
+          <a:lnRef idx="1">
+            <a:schemeClr val="accent1"/>
+          </a:lnRef>
+          <a:fillRef idx="0">
+            <a:schemeClr val="accent1"/>
+          </a:fillRef>
+          <a:effectRef idx="0">
+            <a:schemeClr val="accent1"/>
+          </a:effectRef>
+          <a:fontRef idx="minor">
+            <a:schemeClr val="tx1"/>
+          </a:fontRef>
+        </p:style>
+      </p:cxnSp>
+      <p:cxnSp>
+        <p:nvCxnSpPr>
+          <p:cNvPr id="90" name="Elbow Connector 89">
+            <a:extLst>
+              <a:ext uri="{FF2B5EF4-FFF2-40B4-BE49-F238E27FC236}">
+                <a16:creationId xmlns:a16="http://schemas.microsoft.com/office/drawing/2014/main" id="{236D81F3-4348-B145-A968-9E6D333BCB3A}"/>
+              </a:ext>
+            </a:extLst>
+          </p:cNvPr>
+          <p:cNvCxnSpPr>
+            <a:cxnSpLocks/>
+            <a:stCxn id="77" idx="0"/>
+            <a:endCxn id="71" idx="2"/>
+          </p:cNvCxnSpPr>
+          <p:nvPr/>
+        </p:nvCxnSpPr>
+        <p:spPr>
+          <a:xfrm rot="5400000" flipH="1" flipV="1">
+            <a:off x="3200339" y="1222641"/>
+            <a:ext cx="311408" cy="2469109"/>
+          </a:xfrm>
+          <a:prstGeom prst="bentConnector3">
+            <a:avLst>
+              <a:gd name="adj1" fmla="val 50000"/>
+            </a:avLst>
+          </a:prstGeom>
+          <a:ln w="9525">
+            <a:solidFill>
+              <a:schemeClr val="tx1"/>
+            </a:solidFill>
+            <a:tailEnd type="triangle"/>
+          </a:ln>
+        </p:spPr>
+        <p:style>
+          <a:lnRef idx="1">
+            <a:schemeClr val="accent1"/>
+          </a:lnRef>
+          <a:fillRef idx="0">
+            <a:schemeClr val="accent1"/>
+          </a:fillRef>
+          <a:effectRef idx="0">
+            <a:schemeClr val="accent1"/>
+          </a:effectRef>
+          <a:fontRef idx="minor">
+            <a:schemeClr val="tx1"/>
+          </a:fontRef>
+        </p:style>
+      </p:cxnSp>
+      <p:cxnSp>
+        <p:nvCxnSpPr>
+          <p:cNvPr id="112" name="Elbow Connector 111">
+            <a:extLst>
+              <a:ext uri="{FF2B5EF4-FFF2-40B4-BE49-F238E27FC236}">
+                <a16:creationId xmlns:a16="http://schemas.microsoft.com/office/drawing/2014/main" id="{BB952855-A989-D24D-8EC1-49B2A630283A}"/>
+              </a:ext>
+            </a:extLst>
+          </p:cNvPr>
+          <p:cNvCxnSpPr>
+            <a:cxnSpLocks/>
+            <a:stCxn id="77" idx="0"/>
+            <a:endCxn id="70" idx="2"/>
+          </p:cNvCxnSpPr>
+          <p:nvPr/>
+        </p:nvCxnSpPr>
+        <p:spPr>
+          <a:xfrm rot="5400000" flipH="1" flipV="1">
+            <a:off x="2513282" y="1909700"/>
+            <a:ext cx="311407" cy="1094992"/>
+          </a:xfrm>
+          <a:prstGeom prst="bentConnector3">
+            <a:avLst>
+              <a:gd name="adj1" fmla="val 50000"/>
+            </a:avLst>
+          </a:prstGeom>
+          <a:ln w="9525">
+            <a:solidFill>
+              <a:schemeClr val="tx1"/>
+            </a:solidFill>
+            <a:tailEnd type="triangle"/>
+          </a:ln>
+        </p:spPr>
+        <p:style>
+          <a:lnRef idx="1">
+            <a:schemeClr val="accent1"/>
+          </a:lnRef>
+          <a:fillRef idx="0">
+            <a:schemeClr val="accent1"/>
+          </a:fillRef>
+          <a:effectRef idx="0">
+            <a:schemeClr val="accent1"/>
+          </a:effectRef>
+          <a:fontRef idx="minor">
+            <a:schemeClr val="tx1"/>
+          </a:fontRef>
+        </p:style>
+      </p:cxnSp>
+      <p:cxnSp>
+        <p:nvCxnSpPr>
+          <p:cNvPr id="137" name="Straight Arrow Connector 136">
+            <a:extLst>
+              <a:ext uri="{FF2B5EF4-FFF2-40B4-BE49-F238E27FC236}">
+                <a16:creationId xmlns:a16="http://schemas.microsoft.com/office/drawing/2014/main" id="{055313FB-49C9-444A-A0A9-5185344C0585}"/>
+              </a:ext>
+            </a:extLst>
+          </p:cNvPr>
+          <p:cNvCxnSpPr>
+            <a:cxnSpLocks/>
+            <a:stCxn id="196" idx="3"/>
+            <a:endCxn id="197" idx="1"/>
+          </p:cNvCxnSpPr>
+          <p:nvPr/>
+        </p:nvCxnSpPr>
+        <p:spPr>
+          <a:xfrm>
+            <a:off x="6281290" y="620235"/>
+            <a:ext cx="151286" cy="0"/>
+          </a:xfrm>
+          <a:prstGeom prst="straightConnector1">
+            <a:avLst/>
+          </a:prstGeom>
+          <a:ln w="9525">
+            <a:solidFill>
+              <a:schemeClr val="tx1"/>
+            </a:solidFill>
+            <a:tailEnd type="triangle"/>
+          </a:ln>
+        </p:spPr>
+        <p:style>
+          <a:lnRef idx="1">
+            <a:schemeClr val="accent1"/>
+          </a:lnRef>
+          <a:fillRef idx="0">
+            <a:schemeClr val="accent1"/>
+          </a:fillRef>
+          <a:effectRef idx="0">
+            <a:schemeClr val="accent1"/>
+          </a:effectRef>
+          <a:fontRef idx="minor">
+            <a:schemeClr val="tx1"/>
+          </a:fontRef>
+        </p:style>
+      </p:cxnSp>
+      <p:cxnSp>
+        <p:nvCxnSpPr>
+          <p:cNvPr id="138" name="Elbow Connector 137">
+            <a:extLst>
+              <a:ext uri="{FF2B5EF4-FFF2-40B4-BE49-F238E27FC236}">
+                <a16:creationId xmlns:a16="http://schemas.microsoft.com/office/drawing/2014/main" id="{C1FA0F67-C59F-CF4E-86B0-0E3667AF725A}"/>
+              </a:ext>
+            </a:extLst>
+          </p:cNvPr>
+          <p:cNvCxnSpPr>
+            <a:cxnSpLocks/>
+            <a:stCxn id="23" idx="1"/>
+            <a:endCxn id="32" idx="1"/>
+          </p:cNvCxnSpPr>
+          <p:nvPr/>
+        </p:nvCxnSpPr>
+        <p:spPr>
+          <a:xfrm rot="10800000" flipH="1" flipV="1">
+            <a:off x="253466" y="1573737"/>
+            <a:ext cx="4477651" cy="2996584"/>
+          </a:xfrm>
+          <a:prstGeom prst="bentConnector3">
+            <a:avLst>
+              <a:gd name="adj1" fmla="val -3076"/>
+            </a:avLst>
+          </a:prstGeom>
+          <a:ln w="9525">
+            <a:solidFill>
+              <a:schemeClr val="tx1"/>
+            </a:solidFill>
+            <a:tailEnd type="triangle"/>
+          </a:ln>
+        </p:spPr>
+        <p:style>
+          <a:lnRef idx="1">
+            <a:schemeClr val="accent1"/>
+          </a:lnRef>
+          <a:fillRef idx="0">
+            <a:schemeClr val="accent1"/>
+          </a:fillRef>
+          <a:effectRef idx="0">
+            <a:schemeClr val="accent1"/>
+          </a:effectRef>
+          <a:fontRef idx="minor">
+            <a:schemeClr val="tx1"/>
+          </a:fontRef>
+        </p:style>
+      </p:cxnSp>
+      <p:cxnSp>
+        <p:nvCxnSpPr>
+          <p:cNvPr id="141" name="Elbow Connector 140">
+            <a:extLst>
+              <a:ext uri="{FF2B5EF4-FFF2-40B4-BE49-F238E27FC236}">
+                <a16:creationId xmlns:a16="http://schemas.microsoft.com/office/drawing/2014/main" id="{4685590C-A00F-1D49-9B04-F6C3F9ECFF67}"/>
+              </a:ext>
+            </a:extLst>
+          </p:cNvPr>
+          <p:cNvCxnSpPr>
+            <a:cxnSpLocks/>
+            <a:stCxn id="25" idx="1"/>
+            <a:endCxn id="32" idx="1"/>
+          </p:cNvCxnSpPr>
+          <p:nvPr/>
+        </p:nvCxnSpPr>
+        <p:spPr>
+          <a:xfrm rot="10800000" flipH="1" flipV="1">
+            <a:off x="253466" y="2707807"/>
+            <a:ext cx="4477651" cy="1862514"/>
+          </a:xfrm>
+          <a:prstGeom prst="bentConnector3">
+            <a:avLst>
+              <a:gd name="adj1" fmla="val -3076"/>
+            </a:avLst>
+          </a:prstGeom>
+          <a:ln w="9525">
+            <a:solidFill>
+              <a:schemeClr val="tx1"/>
+            </a:solidFill>
+            <a:tailEnd type="triangle"/>
+          </a:ln>
+        </p:spPr>
+        <p:style>
+          <a:lnRef idx="1">
+            <a:schemeClr val="accent1"/>
+          </a:lnRef>
+          <a:fillRef idx="0">
+            <a:schemeClr val="accent1"/>
+          </a:fillRef>
+          <a:effectRef idx="0">
+            <a:schemeClr val="accent1"/>
+          </a:effectRef>
+          <a:fontRef idx="minor">
+            <a:schemeClr val="tx1"/>
+          </a:fontRef>
+        </p:style>
+      </p:cxnSp>
+      <p:sp>
+        <p:nvSpPr>
+          <p:cNvPr id="146" name="사각형: 둥근 모서리 6">
+            <a:extLst>
+              <a:ext uri="{FF2B5EF4-FFF2-40B4-BE49-F238E27FC236}">
+                <a16:creationId xmlns:a16="http://schemas.microsoft.com/office/drawing/2014/main" id="{48A26676-7116-2342-B6B3-C5358FA690EB}"/>
+              </a:ext>
+            </a:extLst>
+          </p:cNvPr>
+          <p:cNvSpPr/>
+          <p:nvPr/>
+        </p:nvSpPr>
+        <p:spPr>
+          <a:xfrm>
+            <a:off x="5637653" y="289898"/>
+            <a:ext cx="2099435" cy="1339160"/>
+          </a:xfrm>
+          <a:prstGeom prst="roundRect">
+            <a:avLst>
+              <a:gd name="adj" fmla="val 6486"/>
+            </a:avLst>
+          </a:prstGeom>
+          <a:noFill/>
+          <a:ln w="9525">
+            <a:prstDash val="dash"/>
+          </a:ln>
+        </p:spPr>
+        <p:style>
+          <a:lnRef idx="2">
+            <a:schemeClr val="dk1"/>
+          </a:lnRef>
+          <a:fillRef idx="1">
+            <a:schemeClr val="lt1"/>
+          </a:fillRef>
+          <a:effectRef idx="0">
+            <a:schemeClr val="dk1"/>
+          </a:effectRef>
+          <a:fontRef idx="minor">
+            <a:schemeClr val="dk1"/>
+          </a:fontRef>
+        </p:style>
+        <p:txBody>
+          <a:bodyPr rtlCol="0" anchor="b"/>
+          <a:lstStyle/>
+          <a:p>
+            <a:pPr algn="ctr"/>
+            <a:r>
+              <a:rPr lang="en-US" altLang="ko-KR" sz="1100"/>
+              <a:t>Workflow</a:t>
+            </a:r>
+            <a:r>
+              <a:rPr lang="ko-KR" altLang="en-US" sz="1100"/>
+              <a:t> </a:t>
+            </a:r>
+            <a:r>
+              <a:rPr lang="en-US" altLang="ko-KR" sz="1100"/>
+              <a:t>(Job)</a:t>
+            </a:r>
+            <a:endParaRPr lang="ko-KR" altLang="en-US" sz="1100"/>
+          </a:p>
+        </p:txBody>
+      </p:sp>
+      <p:sp>
+        <p:nvSpPr>
+          <p:cNvPr id="147" name="사각형: 둥근 모서리 6">
+            <a:extLst>
+              <a:ext uri="{FF2B5EF4-FFF2-40B4-BE49-F238E27FC236}">
+                <a16:creationId xmlns:a16="http://schemas.microsoft.com/office/drawing/2014/main" id="{9034467D-B5B9-A848-BD3F-11E644B28DBD}"/>
+              </a:ext>
+            </a:extLst>
+          </p:cNvPr>
+          <p:cNvSpPr/>
+          <p:nvPr/>
+        </p:nvSpPr>
+        <p:spPr>
+          <a:xfrm>
+            <a:off x="3635896" y="535344"/>
+            <a:ext cx="1642823" cy="571336"/>
+          </a:xfrm>
+          <a:prstGeom prst="roundRect">
+            <a:avLst>
+              <a:gd name="adj" fmla="val 9152"/>
+            </a:avLst>
+          </a:prstGeom>
+          <a:noFill/>
+          <a:ln w="9525">
+            <a:prstDash val="dash"/>
+          </a:ln>
+        </p:spPr>
+        <p:style>
+          <a:lnRef idx="2">
+            <a:schemeClr val="dk1"/>
+          </a:lnRef>
+          <a:fillRef idx="1">
+            <a:schemeClr val="lt1"/>
+          </a:fillRef>
+          <a:effectRef idx="0">
+            <a:schemeClr val="dk1"/>
+          </a:effectRef>
+          <a:fontRef idx="minor">
+            <a:schemeClr val="dk1"/>
+          </a:fontRef>
+        </p:style>
+        <p:txBody>
+          <a:bodyPr rtlCol="0" anchor="ctr"/>
+          <a:lstStyle/>
+          <a:p>
+            <a:pPr algn="ctr"/>
+            <a:endParaRPr lang="ko-KR" altLang="en-US" sz="1200"/>
+          </a:p>
+        </p:txBody>
+      </p:sp>
+      <p:sp>
+        <p:nvSpPr>
+          <p:cNvPr id="150" name="사각형: 둥근 모서리 6">
+            <a:extLst>
+              <a:ext uri="{FF2B5EF4-FFF2-40B4-BE49-F238E27FC236}">
+                <a16:creationId xmlns:a16="http://schemas.microsoft.com/office/drawing/2014/main" id="{434E7174-5D29-E548-8C6D-8391AD64DA9E}"/>
+              </a:ext>
+            </a:extLst>
+          </p:cNvPr>
+          <p:cNvSpPr/>
+          <p:nvPr/>
+        </p:nvSpPr>
+        <p:spPr>
+          <a:xfrm>
+            <a:off x="3699827" y="610172"/>
+            <a:ext cx="688123" cy="421228"/>
+          </a:xfrm>
+          <a:prstGeom prst="roundRect">
+            <a:avLst>
+              <a:gd name="adj" fmla="val 12503"/>
+            </a:avLst>
+          </a:prstGeom>
+          <a:ln w="9525"/>
+        </p:spPr>
+        <p:style>
+          <a:lnRef idx="2">
+            <a:schemeClr val="dk1"/>
+          </a:lnRef>
+          <a:fillRef idx="1">
+            <a:schemeClr val="lt1"/>
+          </a:fillRef>
+          <a:effectRef idx="0">
+            <a:schemeClr val="dk1"/>
+          </a:effectRef>
+          <a:fontRef idx="minor">
+            <a:schemeClr val="dk1"/>
+          </a:fontRef>
+        </p:style>
+        <p:txBody>
+          <a:bodyPr rtlCol="0" anchor="ctr"/>
+          <a:lstStyle/>
+          <a:p>
+            <a:pPr algn="ctr"/>
+            <a:r>
+              <a:rPr lang="en-US" altLang="ko-KR" sz="1100"/>
+              <a:t>Run</a:t>
+            </a:r>
+            <a:endParaRPr lang="ko-KR" altLang="en-US" sz="1100"/>
+          </a:p>
+        </p:txBody>
+      </p:sp>
+      <p:cxnSp>
+        <p:nvCxnSpPr>
+          <p:cNvPr id="160" name="Elbow Connector 159">
+            <a:extLst>
+              <a:ext uri="{FF2B5EF4-FFF2-40B4-BE49-F238E27FC236}">
+                <a16:creationId xmlns:a16="http://schemas.microsoft.com/office/drawing/2014/main" id="{99C07340-4766-0C4C-8DD7-04D97AF0FFCB}"/>
+              </a:ext>
+            </a:extLst>
+          </p:cNvPr>
+          <p:cNvCxnSpPr>
+            <a:cxnSpLocks/>
+            <a:stCxn id="150" idx="0"/>
+            <a:endCxn id="146" idx="1"/>
+          </p:cNvCxnSpPr>
+          <p:nvPr/>
+        </p:nvCxnSpPr>
+        <p:spPr>
+          <a:xfrm rot="16200000" flipH="1">
+            <a:off x="4666118" y="-12057"/>
+            <a:ext cx="349306" cy="1593764"/>
+          </a:xfrm>
+          <a:prstGeom prst="bentConnector4">
+            <a:avLst>
+              <a:gd name="adj1" fmla="val -65444"/>
+              <a:gd name="adj2" fmla="val 86873"/>
+            </a:avLst>
+          </a:prstGeom>
+          <a:ln w="9525">
+            <a:solidFill>
+              <a:schemeClr val="tx1"/>
+            </a:solidFill>
+            <a:tailEnd type="triangle"/>
+          </a:ln>
+        </p:spPr>
+        <p:style>
+          <a:lnRef idx="1">
+            <a:schemeClr val="accent1"/>
+          </a:lnRef>
+          <a:fillRef idx="0">
+            <a:schemeClr val="accent1"/>
+          </a:fillRef>
+          <a:effectRef idx="0">
+            <a:schemeClr val="accent1"/>
+          </a:effectRef>
+          <a:fontRef idx="minor">
+            <a:schemeClr val="tx1"/>
+          </a:fontRef>
+        </p:style>
+      </p:cxnSp>
+      <p:sp>
+        <p:nvSpPr>
+          <p:cNvPr id="173" name="사각형: 둥근 모서리 6">
+            <a:extLst>
+              <a:ext uri="{FF2B5EF4-FFF2-40B4-BE49-F238E27FC236}">
+                <a16:creationId xmlns:a16="http://schemas.microsoft.com/office/drawing/2014/main" id="{FF6198BC-C355-2F44-A2FE-5E004A0864A0}"/>
+              </a:ext>
+            </a:extLst>
+          </p:cNvPr>
+          <p:cNvSpPr/>
+          <p:nvPr/>
+        </p:nvSpPr>
+        <p:spPr>
+          <a:xfrm>
+            <a:off x="5643232" y="2792984"/>
+            <a:ext cx="2099435" cy="1339160"/>
+          </a:xfrm>
+          <a:prstGeom prst="roundRect">
+            <a:avLst>
+              <a:gd name="adj" fmla="val 6486"/>
+            </a:avLst>
+          </a:prstGeom>
+          <a:noFill/>
+          <a:ln w="9525">
+            <a:prstDash val="dash"/>
+          </a:ln>
+        </p:spPr>
+        <p:style>
+          <a:lnRef idx="2">
+            <a:schemeClr val="dk1"/>
+          </a:lnRef>
+          <a:fillRef idx="1">
+            <a:schemeClr val="lt1"/>
+          </a:fillRef>
+          <a:effectRef idx="0">
+            <a:schemeClr val="dk1"/>
+          </a:effectRef>
+          <a:fontRef idx="minor">
+            <a:schemeClr val="dk1"/>
+          </a:fontRef>
+        </p:style>
+        <p:txBody>
+          <a:bodyPr rtlCol="0" anchor="b"/>
+          <a:lstStyle/>
+          <a:p>
+            <a:pPr algn="ctr"/>
+            <a:r>
+              <a:rPr lang="en-US" altLang="ko-KR" sz="1100"/>
+              <a:t>Workflow (Job)</a:t>
+            </a:r>
+            <a:endParaRPr lang="ko-KR" altLang="en-US" sz="1100"/>
+          </a:p>
+        </p:txBody>
+      </p:sp>
+      <p:cxnSp>
+        <p:nvCxnSpPr>
+          <p:cNvPr id="174" name="Elbow Connector 173">
+            <a:extLst>
+              <a:ext uri="{FF2B5EF4-FFF2-40B4-BE49-F238E27FC236}">
+                <a16:creationId xmlns:a16="http://schemas.microsoft.com/office/drawing/2014/main" id="{3DCD7206-B348-194A-A042-FFB8478CE9F4}"/>
+              </a:ext>
+            </a:extLst>
+          </p:cNvPr>
+          <p:cNvCxnSpPr>
+            <a:cxnSpLocks/>
+            <a:stCxn id="30" idx="3"/>
+            <a:endCxn id="173" idx="1"/>
+          </p:cNvCxnSpPr>
+          <p:nvPr/>
+        </p:nvCxnSpPr>
+        <p:spPr>
+          <a:xfrm>
+            <a:off x="5209250" y="820786"/>
+            <a:ext cx="433982" cy="2641778"/>
+          </a:xfrm>
+          <a:prstGeom prst="bentConnector3">
+            <a:avLst>
+              <a:gd name="adj1" fmla="val 35266"/>
+            </a:avLst>
+          </a:prstGeom>
+          <a:ln w="9525">
+            <a:solidFill>
+              <a:schemeClr val="tx1"/>
+            </a:solidFill>
+            <a:tailEnd type="triangle"/>
+          </a:ln>
+        </p:spPr>
+        <p:style>
+          <a:lnRef idx="1">
+            <a:schemeClr val="accent1"/>
+          </a:lnRef>
+          <a:fillRef idx="0">
+            <a:schemeClr val="accent1"/>
+          </a:fillRef>
+          <a:effectRef idx="0">
+            <a:schemeClr val="accent1"/>
+          </a:effectRef>
+          <a:fontRef idx="minor">
+            <a:schemeClr val="tx1"/>
+          </a:fontRef>
+        </p:style>
+      </p:cxnSp>
+      <p:sp>
+        <p:nvSpPr>
+          <p:cNvPr id="190" name="사각형: 둥근 모서리 6">
+            <a:extLst>
+              <a:ext uri="{FF2B5EF4-FFF2-40B4-BE49-F238E27FC236}">
+                <a16:creationId xmlns:a16="http://schemas.microsoft.com/office/drawing/2014/main" id="{A0E71416-17C7-6444-B95A-80458367350F}"/>
+              </a:ext>
+            </a:extLst>
+          </p:cNvPr>
+          <p:cNvSpPr/>
+          <p:nvPr/>
+        </p:nvSpPr>
+        <p:spPr>
+          <a:xfrm>
+            <a:off x="5755653" y="2930708"/>
+            <a:ext cx="525637" cy="379888"/>
+          </a:xfrm>
+          <a:prstGeom prst="roundRect">
+            <a:avLst>
+              <a:gd name="adj" fmla="val 12503"/>
+            </a:avLst>
+          </a:prstGeom>
+          <a:ln w="9525"/>
+        </p:spPr>
+        <p:style>
+          <a:lnRef idx="2">
+            <a:schemeClr val="dk1"/>
+          </a:lnRef>
+          <a:fillRef idx="1">
+            <a:schemeClr val="lt1"/>
+          </a:fillRef>
+          <a:effectRef idx="0">
+            <a:schemeClr val="dk1"/>
+          </a:effectRef>
+          <a:fontRef idx="minor">
+            <a:schemeClr val="dk1"/>
+          </a:fontRef>
+        </p:style>
+        <p:txBody>
+          <a:bodyPr rtlCol="0" anchor="ctr"/>
+          <a:lstStyle/>
+          <a:p>
+            <a:pPr algn="ctr"/>
+            <a:r>
+              <a:rPr lang="en-US" altLang="ko-KR" sz="1000"/>
+              <a:t>Op</a:t>
+            </a:r>
+            <a:endParaRPr lang="ko-KR" altLang="en-US" sz="1000"/>
+          </a:p>
+        </p:txBody>
+      </p:sp>
+      <p:sp>
+        <p:nvSpPr>
+          <p:cNvPr id="191" name="사각형: 둥근 모서리 6">
+            <a:extLst>
+              <a:ext uri="{FF2B5EF4-FFF2-40B4-BE49-F238E27FC236}">
+                <a16:creationId xmlns:a16="http://schemas.microsoft.com/office/drawing/2014/main" id="{260B9A96-93CA-694E-B6EF-5BB927A50DC4}"/>
+              </a:ext>
+            </a:extLst>
+          </p:cNvPr>
+          <p:cNvSpPr/>
+          <p:nvPr/>
+        </p:nvSpPr>
+        <p:spPr>
+          <a:xfrm>
+            <a:off x="6432576" y="2930708"/>
+            <a:ext cx="525637" cy="379888"/>
+          </a:xfrm>
+          <a:prstGeom prst="roundRect">
+            <a:avLst>
+              <a:gd name="adj" fmla="val 12503"/>
+            </a:avLst>
+          </a:prstGeom>
+          <a:ln w="9525"/>
+        </p:spPr>
+        <p:style>
+          <a:lnRef idx="2">
+            <a:schemeClr val="dk1"/>
+          </a:lnRef>
+          <a:fillRef idx="1">
+            <a:schemeClr val="lt1"/>
+          </a:fillRef>
+          <a:effectRef idx="0">
+            <a:schemeClr val="dk1"/>
+          </a:effectRef>
+          <a:fontRef idx="minor">
+            <a:schemeClr val="dk1"/>
+          </a:fontRef>
+        </p:style>
+        <p:txBody>
+          <a:bodyPr rtlCol="0" anchor="ctr"/>
+          <a:lstStyle/>
+          <a:p>
+            <a:pPr algn="ctr"/>
+            <a:r>
+              <a:rPr lang="en-US" altLang="ko-KR" sz="1000"/>
+              <a:t>Op</a:t>
+            </a:r>
+            <a:endParaRPr lang="ko-KR" altLang="en-US" sz="1000"/>
+          </a:p>
+        </p:txBody>
+      </p:sp>
+      <p:sp>
+        <p:nvSpPr>
+          <p:cNvPr id="192" name="사각형: 둥근 모서리 6">
+            <a:extLst>
+              <a:ext uri="{FF2B5EF4-FFF2-40B4-BE49-F238E27FC236}">
+                <a16:creationId xmlns:a16="http://schemas.microsoft.com/office/drawing/2014/main" id="{C95371C5-8129-5745-91E3-2E5F6AB6CE45}"/>
+              </a:ext>
+            </a:extLst>
+          </p:cNvPr>
+          <p:cNvSpPr/>
+          <p:nvPr/>
+        </p:nvSpPr>
+        <p:spPr>
+          <a:xfrm>
+            <a:off x="7108268" y="2933332"/>
+            <a:ext cx="525637" cy="379888"/>
+          </a:xfrm>
+          <a:prstGeom prst="roundRect">
+            <a:avLst>
+              <a:gd name="adj" fmla="val 12503"/>
+            </a:avLst>
+          </a:prstGeom>
+          <a:ln w="9525"/>
+        </p:spPr>
+        <p:style>
+          <a:lnRef idx="2">
+            <a:schemeClr val="dk1"/>
+          </a:lnRef>
+          <a:fillRef idx="1">
+            <a:schemeClr val="lt1"/>
+          </a:fillRef>
+          <a:effectRef idx="0">
+            <a:schemeClr val="dk1"/>
+          </a:effectRef>
+          <a:fontRef idx="minor">
+            <a:schemeClr val="dk1"/>
+          </a:fontRef>
+        </p:style>
+        <p:txBody>
+          <a:bodyPr rtlCol="0" anchor="ctr"/>
+          <a:lstStyle/>
+          <a:p>
+            <a:pPr algn="ctr"/>
+            <a:r>
+              <a:rPr lang="en-US" altLang="ko-KR" sz="1000"/>
+              <a:t>Op</a:t>
+            </a:r>
+            <a:endParaRPr lang="ko-KR" altLang="en-US" sz="1000"/>
+          </a:p>
+        </p:txBody>
+      </p:sp>
+      <p:sp>
+        <p:nvSpPr>
+          <p:cNvPr id="193" name="사각형: 둥근 모서리 6">
+            <a:extLst>
+              <a:ext uri="{FF2B5EF4-FFF2-40B4-BE49-F238E27FC236}">
+                <a16:creationId xmlns:a16="http://schemas.microsoft.com/office/drawing/2014/main" id="{0A609595-5B12-914A-8905-4CAF09F0D89F}"/>
+              </a:ext>
+            </a:extLst>
+          </p:cNvPr>
+          <p:cNvSpPr/>
+          <p:nvPr/>
+        </p:nvSpPr>
+        <p:spPr>
+          <a:xfrm>
+            <a:off x="6432576" y="3490078"/>
+            <a:ext cx="525637" cy="379888"/>
+          </a:xfrm>
+          <a:prstGeom prst="roundRect">
+            <a:avLst>
+              <a:gd name="adj" fmla="val 12503"/>
+            </a:avLst>
+          </a:prstGeom>
+          <a:ln w="9525"/>
+        </p:spPr>
+        <p:style>
+          <a:lnRef idx="2">
+            <a:schemeClr val="dk1"/>
+          </a:lnRef>
+          <a:fillRef idx="1">
+            <a:schemeClr val="lt1"/>
+          </a:fillRef>
+          <a:effectRef idx="0">
+            <a:schemeClr val="dk1"/>
+          </a:effectRef>
+          <a:fontRef idx="minor">
+            <a:schemeClr val="dk1"/>
+          </a:fontRef>
+        </p:style>
+        <p:txBody>
+          <a:bodyPr rtlCol="0" anchor="ctr"/>
+          <a:lstStyle/>
+          <a:p>
+            <a:pPr algn="ctr"/>
+            <a:r>
+              <a:rPr lang="en-US" altLang="ko-KR" sz="1000"/>
+              <a:t>Op</a:t>
+            </a:r>
+            <a:endParaRPr lang="ko-KR" altLang="en-US" sz="1000"/>
+          </a:p>
+        </p:txBody>
+      </p:sp>
+      <p:sp>
+        <p:nvSpPr>
+          <p:cNvPr id="196" name="사각형: 둥근 모서리 6">
+            <a:extLst>
+              <a:ext uri="{FF2B5EF4-FFF2-40B4-BE49-F238E27FC236}">
+                <a16:creationId xmlns:a16="http://schemas.microsoft.com/office/drawing/2014/main" id="{B9E9F054-E1A8-B344-96BD-2BE32E10F50C}"/>
+              </a:ext>
+            </a:extLst>
+          </p:cNvPr>
+          <p:cNvSpPr/>
+          <p:nvPr/>
+        </p:nvSpPr>
+        <p:spPr>
+          <a:xfrm>
+            <a:off x="5755653" y="430291"/>
+            <a:ext cx="525637" cy="379888"/>
+          </a:xfrm>
+          <a:prstGeom prst="roundRect">
+            <a:avLst>
+              <a:gd name="adj" fmla="val 12503"/>
+            </a:avLst>
+          </a:prstGeom>
+          <a:ln w="9525"/>
+        </p:spPr>
+        <p:style>
+          <a:lnRef idx="2">
+            <a:schemeClr val="dk1"/>
+          </a:lnRef>
+          <a:fillRef idx="1">
+            <a:schemeClr val="lt1"/>
+          </a:fillRef>
+          <a:effectRef idx="0">
+            <a:schemeClr val="dk1"/>
+          </a:effectRef>
+          <a:fontRef idx="minor">
+            <a:schemeClr val="dk1"/>
+          </a:fontRef>
+        </p:style>
+        <p:txBody>
+          <a:bodyPr rtlCol="0" anchor="ctr"/>
+          <a:lstStyle/>
+          <a:p>
+            <a:pPr algn="ctr"/>
+            <a:r>
+              <a:rPr lang="en-US" altLang="ko-KR" sz="1000"/>
+              <a:t>Asset</a:t>
+            </a:r>
+            <a:endParaRPr lang="ko-KR" altLang="en-US" sz="1000"/>
+          </a:p>
+        </p:txBody>
+      </p:sp>
+      <p:sp>
+        <p:nvSpPr>
+          <p:cNvPr id="197" name="사각형: 둥근 모서리 6">
+            <a:extLst>
+              <a:ext uri="{FF2B5EF4-FFF2-40B4-BE49-F238E27FC236}">
+                <a16:creationId xmlns:a16="http://schemas.microsoft.com/office/drawing/2014/main" id="{6E844EC2-D131-6346-9831-B766746C67AC}"/>
+              </a:ext>
+            </a:extLst>
+          </p:cNvPr>
+          <p:cNvSpPr/>
+          <p:nvPr/>
+        </p:nvSpPr>
+        <p:spPr>
+          <a:xfrm>
+            <a:off x="6432576" y="430291"/>
+            <a:ext cx="525637" cy="379888"/>
+          </a:xfrm>
+          <a:prstGeom prst="roundRect">
+            <a:avLst>
+              <a:gd name="adj" fmla="val 12503"/>
+            </a:avLst>
+          </a:prstGeom>
+          <a:ln w="9525"/>
+        </p:spPr>
+        <p:style>
+          <a:lnRef idx="2">
+            <a:schemeClr val="dk1"/>
+          </a:lnRef>
+          <a:fillRef idx="1">
+            <a:schemeClr val="lt1"/>
+          </a:fillRef>
+          <a:effectRef idx="0">
+            <a:schemeClr val="dk1"/>
+          </a:effectRef>
+          <a:fontRef idx="minor">
+            <a:schemeClr val="dk1"/>
+          </a:fontRef>
+        </p:style>
+        <p:txBody>
+          <a:bodyPr rtlCol="0" anchor="ctr"/>
+          <a:lstStyle/>
+          <a:p>
+            <a:pPr algn="ctr"/>
+            <a:r>
+              <a:rPr lang="en-US" altLang="ko-KR" sz="1000"/>
+              <a:t>Asset</a:t>
+            </a:r>
+            <a:endParaRPr lang="ko-KR" altLang="en-US" sz="1000"/>
+          </a:p>
+        </p:txBody>
+      </p:sp>
+      <p:sp>
+        <p:nvSpPr>
+          <p:cNvPr id="198" name="사각형: 둥근 모서리 6">
+            <a:extLst>
+              <a:ext uri="{FF2B5EF4-FFF2-40B4-BE49-F238E27FC236}">
+                <a16:creationId xmlns:a16="http://schemas.microsoft.com/office/drawing/2014/main" id="{4E120E6B-E3B8-9F4E-9C0A-17C65E4FC826}"/>
+              </a:ext>
+            </a:extLst>
+          </p:cNvPr>
+          <p:cNvSpPr/>
+          <p:nvPr/>
+        </p:nvSpPr>
+        <p:spPr>
+          <a:xfrm>
+            <a:off x="7108268" y="432915"/>
+            <a:ext cx="525637" cy="379888"/>
+          </a:xfrm>
+          <a:prstGeom prst="roundRect">
+            <a:avLst>
+              <a:gd name="adj" fmla="val 12503"/>
+            </a:avLst>
+          </a:prstGeom>
+          <a:ln w="9525"/>
+        </p:spPr>
+        <p:style>
+          <a:lnRef idx="2">
+            <a:schemeClr val="dk1"/>
+          </a:lnRef>
+          <a:fillRef idx="1">
+            <a:schemeClr val="lt1"/>
+          </a:fillRef>
+          <a:effectRef idx="0">
+            <a:schemeClr val="dk1"/>
+          </a:effectRef>
+          <a:fontRef idx="minor">
+            <a:schemeClr val="dk1"/>
+          </a:fontRef>
+        </p:style>
+        <p:txBody>
+          <a:bodyPr rtlCol="0" anchor="ctr"/>
+          <a:lstStyle/>
+          <a:p>
+            <a:pPr algn="ctr"/>
+            <a:r>
+              <a:rPr lang="en-US" altLang="ko-KR" sz="1000"/>
+              <a:t>Asset</a:t>
+            </a:r>
+            <a:endParaRPr lang="ko-KR" altLang="en-US" sz="1000"/>
+          </a:p>
+        </p:txBody>
+      </p:sp>
+      <p:sp>
+        <p:nvSpPr>
+          <p:cNvPr id="199" name="사각형: 둥근 모서리 6">
+            <a:extLst>
+              <a:ext uri="{FF2B5EF4-FFF2-40B4-BE49-F238E27FC236}">
+                <a16:creationId xmlns:a16="http://schemas.microsoft.com/office/drawing/2014/main" id="{B1AD5BB5-4449-1440-B5F9-89ABEF6F6DC5}"/>
+              </a:ext>
+            </a:extLst>
+          </p:cNvPr>
+          <p:cNvSpPr/>
+          <p:nvPr/>
+        </p:nvSpPr>
+        <p:spPr>
+          <a:xfrm>
+            <a:off x="6432576" y="989661"/>
+            <a:ext cx="525637" cy="379888"/>
+          </a:xfrm>
+          <a:prstGeom prst="roundRect">
+            <a:avLst>
+              <a:gd name="adj" fmla="val 12503"/>
+            </a:avLst>
+          </a:prstGeom>
+          <a:ln w="9525"/>
+        </p:spPr>
+        <p:style>
+          <a:lnRef idx="2">
+            <a:schemeClr val="dk1"/>
+          </a:lnRef>
+          <a:fillRef idx="1">
+            <a:schemeClr val="lt1"/>
+          </a:fillRef>
+          <a:effectRef idx="0">
+            <a:schemeClr val="dk1"/>
+          </a:effectRef>
+          <a:fontRef idx="minor">
+            <a:schemeClr val="dk1"/>
+          </a:fontRef>
+        </p:style>
+        <p:txBody>
+          <a:bodyPr rtlCol="0" anchor="ctr"/>
+          <a:lstStyle/>
+          <a:p>
+            <a:pPr algn="ctr"/>
+            <a:r>
+              <a:rPr lang="en-US" altLang="ko-KR" sz="1000"/>
+              <a:t>Asset</a:t>
+            </a:r>
+            <a:endParaRPr lang="ko-KR" altLang="en-US" sz="1000"/>
+          </a:p>
+        </p:txBody>
+      </p:sp>
+      <p:sp>
+        <p:nvSpPr>
+          <p:cNvPr id="216" name="사각형: 둥근 모서리 6">
+            <a:extLst>
+              <a:ext uri="{FF2B5EF4-FFF2-40B4-BE49-F238E27FC236}">
+                <a16:creationId xmlns:a16="http://schemas.microsoft.com/office/drawing/2014/main" id="{B26BBEAF-237A-114C-A18F-D2A0544AD6F3}"/>
+              </a:ext>
+            </a:extLst>
+          </p:cNvPr>
+          <p:cNvSpPr/>
+          <p:nvPr/>
+        </p:nvSpPr>
+        <p:spPr>
+          <a:xfrm>
+            <a:off x="1564279" y="3125820"/>
+            <a:ext cx="525637" cy="379888"/>
+          </a:xfrm>
+          <a:prstGeom prst="roundRect">
+            <a:avLst>
+              <a:gd name="adj" fmla="val 12503"/>
+            </a:avLst>
+          </a:prstGeom>
+          <a:ln w="9525"/>
+        </p:spPr>
+        <p:style>
+          <a:lnRef idx="2">
+            <a:schemeClr val="dk1"/>
+          </a:lnRef>
+          <a:fillRef idx="1">
+            <a:schemeClr val="lt1"/>
+          </a:fillRef>
+          <a:effectRef idx="0">
+            <a:schemeClr val="dk1"/>
+          </a:effectRef>
+          <a:fontRef idx="minor">
+            <a:schemeClr val="dk1"/>
+          </a:fontRef>
+        </p:style>
+        <p:txBody>
+          <a:bodyPr rtlCol="0" anchor="ctr"/>
+          <a:lstStyle/>
+          <a:p>
+            <a:pPr algn="ctr"/>
+            <a:r>
+              <a:rPr lang="en-US" altLang="ko-KR" sz="1000"/>
+              <a:t>Job</a:t>
+            </a:r>
+            <a:endParaRPr lang="ko-KR" altLang="en-US" sz="1000"/>
+          </a:p>
+        </p:txBody>
+      </p:sp>
+      <p:sp>
+        <p:nvSpPr>
+          <p:cNvPr id="217" name="사각형: 둥근 모서리 6">
+            <a:extLst>
+              <a:ext uri="{FF2B5EF4-FFF2-40B4-BE49-F238E27FC236}">
+                <a16:creationId xmlns:a16="http://schemas.microsoft.com/office/drawing/2014/main" id="{797E807A-A9AA-CB4F-851C-23AE37C17338}"/>
+              </a:ext>
+            </a:extLst>
+          </p:cNvPr>
+          <p:cNvSpPr/>
+          <p:nvPr/>
+        </p:nvSpPr>
+        <p:spPr>
+          <a:xfrm>
+            <a:off x="2154720" y="3125820"/>
+            <a:ext cx="525637" cy="379888"/>
+          </a:xfrm>
+          <a:prstGeom prst="roundRect">
+            <a:avLst>
+              <a:gd name="adj" fmla="val 12503"/>
+            </a:avLst>
+          </a:prstGeom>
+          <a:ln w="9525"/>
+        </p:spPr>
+        <p:style>
+          <a:lnRef idx="2">
+            <a:schemeClr val="dk1"/>
+          </a:lnRef>
+          <a:fillRef idx="1">
+            <a:schemeClr val="lt1"/>
+          </a:fillRef>
+          <a:effectRef idx="0">
+            <a:schemeClr val="dk1"/>
+          </a:effectRef>
+          <a:fontRef idx="minor">
+            <a:schemeClr val="dk1"/>
+          </a:fontRef>
+        </p:style>
+        <p:txBody>
+          <a:bodyPr rtlCol="0" anchor="ctr"/>
+          <a:lstStyle/>
+          <a:p>
+            <a:pPr algn="ctr"/>
+            <a:r>
+              <a:rPr lang="en-US" altLang="ko-KR" sz="1000"/>
+              <a:t>Job</a:t>
+            </a:r>
+            <a:endParaRPr lang="ko-KR" altLang="en-US" sz="1000"/>
+          </a:p>
+        </p:txBody>
+      </p:sp>
+      <p:cxnSp>
+        <p:nvCxnSpPr>
+          <p:cNvPr id="222" name="Straight Arrow Connector 221">
+            <a:extLst>
+              <a:ext uri="{FF2B5EF4-FFF2-40B4-BE49-F238E27FC236}">
+                <a16:creationId xmlns:a16="http://schemas.microsoft.com/office/drawing/2014/main" id="{1977B319-D1CA-344C-B813-4F0337BDD84F}"/>
+              </a:ext>
+            </a:extLst>
+          </p:cNvPr>
+          <p:cNvCxnSpPr>
+            <a:cxnSpLocks/>
+            <a:stCxn id="197" idx="3"/>
+            <a:endCxn id="198" idx="1"/>
+          </p:cNvCxnSpPr>
+          <p:nvPr/>
+        </p:nvCxnSpPr>
+        <p:spPr>
+          <a:xfrm>
+            <a:off x="6958213" y="620235"/>
+            <a:ext cx="150056" cy="2624"/>
+          </a:xfrm>
+          <a:prstGeom prst="straightConnector1">
+            <a:avLst/>
+          </a:prstGeom>
+          <a:ln w="9525">
+            <a:solidFill>
+              <a:schemeClr val="tx1"/>
+            </a:solidFill>
+            <a:tailEnd type="triangle"/>
+          </a:ln>
+        </p:spPr>
+        <p:style>
+          <a:lnRef idx="1">
+            <a:schemeClr val="accent1"/>
+          </a:lnRef>
+          <a:fillRef idx="0">
+            <a:schemeClr val="accent1"/>
+          </a:fillRef>
+          <a:effectRef idx="0">
+            <a:schemeClr val="accent1"/>
+          </a:effectRef>
+          <a:fontRef idx="minor">
+            <a:schemeClr val="tx1"/>
+          </a:fontRef>
+        </p:style>
+      </p:cxnSp>
+      <p:cxnSp>
+        <p:nvCxnSpPr>
+          <p:cNvPr id="225" name="Straight Arrow Connector 224">
+            <a:extLst>
+              <a:ext uri="{FF2B5EF4-FFF2-40B4-BE49-F238E27FC236}">
+                <a16:creationId xmlns:a16="http://schemas.microsoft.com/office/drawing/2014/main" id="{489C158E-D4B6-D242-90EA-E152877048D0}"/>
+              </a:ext>
+            </a:extLst>
+          </p:cNvPr>
+          <p:cNvCxnSpPr>
+            <a:cxnSpLocks/>
+            <a:stCxn id="190" idx="3"/>
+            <a:endCxn id="191" idx="1"/>
+          </p:cNvCxnSpPr>
+          <p:nvPr/>
+        </p:nvCxnSpPr>
+        <p:spPr>
+          <a:xfrm>
+            <a:off x="6281290" y="3120653"/>
+            <a:ext cx="151286" cy="0"/>
+          </a:xfrm>
+          <a:prstGeom prst="straightConnector1">
+            <a:avLst/>
+          </a:prstGeom>
+          <a:ln w="9525">
+            <a:solidFill>
+              <a:schemeClr val="tx1"/>
+            </a:solidFill>
+            <a:tailEnd type="triangle"/>
+          </a:ln>
+        </p:spPr>
+        <p:style>
+          <a:lnRef idx="1">
+            <a:schemeClr val="accent1"/>
+          </a:lnRef>
+          <a:fillRef idx="0">
+            <a:schemeClr val="accent1"/>
+          </a:fillRef>
+          <a:effectRef idx="0">
+            <a:schemeClr val="accent1"/>
+          </a:effectRef>
+          <a:fontRef idx="minor">
+            <a:schemeClr val="tx1"/>
+          </a:fontRef>
+        </p:style>
+      </p:cxnSp>
+      <p:cxnSp>
+        <p:nvCxnSpPr>
+          <p:cNvPr id="228" name="Straight Arrow Connector 227">
+            <a:extLst>
+              <a:ext uri="{FF2B5EF4-FFF2-40B4-BE49-F238E27FC236}">
+                <a16:creationId xmlns:a16="http://schemas.microsoft.com/office/drawing/2014/main" id="{641CC359-B3C0-1D4E-9425-17FC4AB1B3E2}"/>
+              </a:ext>
+            </a:extLst>
+          </p:cNvPr>
+          <p:cNvCxnSpPr>
+            <a:cxnSpLocks/>
+            <a:stCxn id="191" idx="3"/>
+            <a:endCxn id="192" idx="1"/>
+          </p:cNvCxnSpPr>
+          <p:nvPr/>
+        </p:nvCxnSpPr>
+        <p:spPr>
+          <a:xfrm>
+            <a:off x="6958213" y="3120653"/>
+            <a:ext cx="150056" cy="2624"/>
+          </a:xfrm>
+          <a:prstGeom prst="straightConnector1">
+            <a:avLst/>
+          </a:prstGeom>
+          <a:ln w="9525">
+            <a:solidFill>
+              <a:schemeClr val="tx1"/>
+            </a:solidFill>
+            <a:tailEnd type="triangle"/>
+          </a:ln>
+        </p:spPr>
+        <p:style>
+          <a:lnRef idx="1">
+            <a:schemeClr val="accent1"/>
+          </a:lnRef>
+          <a:fillRef idx="0">
+            <a:schemeClr val="accent1"/>
+          </a:fillRef>
+          <a:effectRef idx="0">
+            <a:schemeClr val="accent1"/>
+          </a:effectRef>
+          <a:fontRef idx="minor">
+            <a:schemeClr val="tx1"/>
+          </a:fontRef>
+        </p:style>
+      </p:cxnSp>
+      <p:cxnSp>
+        <p:nvCxnSpPr>
+          <p:cNvPr id="233" name="Elbow Connector 232">
+            <a:extLst>
+              <a:ext uri="{FF2B5EF4-FFF2-40B4-BE49-F238E27FC236}">
+                <a16:creationId xmlns:a16="http://schemas.microsoft.com/office/drawing/2014/main" id="{C2B39A9C-A6DF-9441-9BB3-E7232B2C64A8}"/>
+              </a:ext>
+            </a:extLst>
+          </p:cNvPr>
+          <p:cNvCxnSpPr>
+            <a:cxnSpLocks/>
+            <a:stCxn id="196" idx="2"/>
+            <a:endCxn id="199" idx="1"/>
+          </p:cNvCxnSpPr>
+          <p:nvPr/>
+        </p:nvCxnSpPr>
+        <p:spPr>
+          <a:xfrm rot="16200000" flipH="1">
+            <a:off x="6040811" y="787840"/>
+            <a:ext cx="369426" cy="414104"/>
+          </a:xfrm>
+          <a:prstGeom prst="bentConnector2">
+            <a:avLst/>
+          </a:prstGeom>
+          <a:ln w="9525">
+            <a:solidFill>
+              <a:schemeClr val="tx1"/>
+            </a:solidFill>
+            <a:tailEnd type="triangle"/>
+          </a:ln>
+        </p:spPr>
+        <p:style>
+          <a:lnRef idx="1">
+            <a:schemeClr val="accent1"/>
+          </a:lnRef>
+          <a:fillRef idx="0">
+            <a:schemeClr val="accent1"/>
+          </a:fillRef>
+          <a:effectRef idx="0">
+            <a:schemeClr val="accent1"/>
+          </a:effectRef>
+          <a:fontRef idx="minor">
+            <a:schemeClr val="tx1"/>
+          </a:fontRef>
+        </p:style>
+      </p:cxnSp>
+      <p:cxnSp>
+        <p:nvCxnSpPr>
+          <p:cNvPr id="236" name="Elbow Connector 235">
+            <a:extLst>
+              <a:ext uri="{FF2B5EF4-FFF2-40B4-BE49-F238E27FC236}">
+                <a16:creationId xmlns:a16="http://schemas.microsoft.com/office/drawing/2014/main" id="{D8E396FA-49C8-EF47-AE72-CB835909F1FF}"/>
+              </a:ext>
+            </a:extLst>
+          </p:cNvPr>
+          <p:cNvCxnSpPr>
+            <a:cxnSpLocks/>
+            <a:stCxn id="199" idx="3"/>
+            <a:endCxn id="198" idx="2"/>
+          </p:cNvCxnSpPr>
+          <p:nvPr/>
+        </p:nvCxnSpPr>
+        <p:spPr>
+          <a:xfrm flipV="1">
+            <a:off x="6958213" y="812803"/>
+            <a:ext cx="412875" cy="366802"/>
+          </a:xfrm>
+          <a:prstGeom prst="bentConnector2">
+            <a:avLst/>
+          </a:prstGeom>
+          <a:ln w="9525">
+            <a:solidFill>
+              <a:schemeClr val="tx1"/>
+            </a:solidFill>
+            <a:tailEnd type="triangle"/>
+          </a:ln>
+        </p:spPr>
+        <p:style>
+          <a:lnRef idx="1">
+            <a:schemeClr val="accent1"/>
+          </a:lnRef>
+          <a:fillRef idx="0">
+            <a:schemeClr val="accent1"/>
+          </a:fillRef>
+          <a:effectRef idx="0">
+            <a:schemeClr val="accent1"/>
+          </a:effectRef>
+          <a:fontRef idx="minor">
+            <a:schemeClr val="tx1"/>
+          </a:fontRef>
+        </p:style>
+      </p:cxnSp>
+      <p:cxnSp>
+        <p:nvCxnSpPr>
+          <p:cNvPr id="239" name="Elbow Connector 238">
+            <a:extLst>
+              <a:ext uri="{FF2B5EF4-FFF2-40B4-BE49-F238E27FC236}">
+                <a16:creationId xmlns:a16="http://schemas.microsoft.com/office/drawing/2014/main" id="{6DECB653-79E7-8440-8540-622F1729A1B2}"/>
+              </a:ext>
+            </a:extLst>
+          </p:cNvPr>
+          <p:cNvCxnSpPr>
+            <a:cxnSpLocks/>
+            <a:stCxn id="190" idx="2"/>
+            <a:endCxn id="193" idx="1"/>
+          </p:cNvCxnSpPr>
+          <p:nvPr/>
+        </p:nvCxnSpPr>
+        <p:spPr>
+          <a:xfrm rot="16200000" flipH="1">
+            <a:off x="6040811" y="3288257"/>
+            <a:ext cx="369426" cy="414104"/>
+          </a:xfrm>
+          <a:prstGeom prst="bentConnector2">
+            <a:avLst/>
+          </a:prstGeom>
+          <a:ln w="9525">
+            <a:solidFill>
+              <a:schemeClr val="tx1"/>
+            </a:solidFill>
+            <a:tailEnd type="triangle"/>
+          </a:ln>
+        </p:spPr>
+        <p:style>
+          <a:lnRef idx="1">
+            <a:schemeClr val="accent1"/>
+          </a:lnRef>
+          <a:fillRef idx="0">
+            <a:schemeClr val="accent1"/>
+          </a:fillRef>
+          <a:effectRef idx="0">
+            <a:schemeClr val="accent1"/>
+          </a:effectRef>
+          <a:fontRef idx="minor">
+            <a:schemeClr val="tx1"/>
+          </a:fontRef>
+        </p:style>
+      </p:cxnSp>
+      <p:cxnSp>
+        <p:nvCxnSpPr>
+          <p:cNvPr id="242" name="Elbow Connector 241">
+            <a:extLst>
+              <a:ext uri="{FF2B5EF4-FFF2-40B4-BE49-F238E27FC236}">
+                <a16:creationId xmlns:a16="http://schemas.microsoft.com/office/drawing/2014/main" id="{6902DA70-A1DE-A747-BFFC-BC79B5BDBFF2}"/>
+              </a:ext>
+            </a:extLst>
+          </p:cNvPr>
+          <p:cNvCxnSpPr>
+            <a:cxnSpLocks/>
+            <a:stCxn id="193" idx="3"/>
+            <a:endCxn id="192" idx="2"/>
+          </p:cNvCxnSpPr>
+          <p:nvPr/>
+        </p:nvCxnSpPr>
+        <p:spPr>
+          <a:xfrm flipV="1">
+            <a:off x="6958213" y="3313221"/>
+            <a:ext cx="412875" cy="366802"/>
+          </a:xfrm>
+          <a:prstGeom prst="bentConnector2">
+            <a:avLst/>
+          </a:prstGeom>
+          <a:ln w="9525">
+            <a:solidFill>
+              <a:schemeClr val="tx1"/>
+            </a:solidFill>
+            <a:tailEnd type="triangle"/>
+          </a:ln>
+        </p:spPr>
+        <p:style>
+          <a:lnRef idx="1">
+            <a:schemeClr val="accent1"/>
+          </a:lnRef>
+          <a:fillRef idx="0">
+            <a:schemeClr val="accent1"/>
+          </a:fillRef>
+          <a:effectRef idx="0">
+            <a:schemeClr val="accent1"/>
+          </a:effectRef>
+          <a:fontRef idx="minor">
+            <a:schemeClr val="tx1"/>
+          </a:fontRef>
+        </p:style>
+      </p:cxnSp>
+      <p:sp>
+        <p:nvSpPr>
+          <p:cNvPr id="274" name="사각형: 둥근 모서리 6">
+            <a:extLst>
+              <a:ext uri="{FF2B5EF4-FFF2-40B4-BE49-F238E27FC236}">
+                <a16:creationId xmlns:a16="http://schemas.microsoft.com/office/drawing/2014/main" id="{9739ECCC-E281-C344-9755-6695CD70471F}"/>
+              </a:ext>
+            </a:extLst>
+          </p:cNvPr>
+          <p:cNvSpPr/>
+          <p:nvPr/>
+        </p:nvSpPr>
+        <p:spPr>
+          <a:xfrm>
+            <a:off x="6964985" y="1955095"/>
+            <a:ext cx="786694" cy="506425"/>
+          </a:xfrm>
+          <a:prstGeom prst="roundRect">
+            <a:avLst>
+              <a:gd name="adj" fmla="val 12503"/>
+            </a:avLst>
+          </a:prstGeom>
+          <a:ln w="9525"/>
+        </p:spPr>
+        <p:style>
+          <a:lnRef idx="2">
+            <a:schemeClr val="dk1"/>
+          </a:lnRef>
+          <a:fillRef idx="1">
+            <a:schemeClr val="lt1"/>
+          </a:fillRef>
+          <a:effectRef idx="0">
+            <a:schemeClr val="dk1"/>
+          </a:effectRef>
+          <a:fontRef idx="minor">
+            <a:schemeClr val="dk1"/>
+          </a:fontRef>
+        </p:style>
+        <p:txBody>
+          <a:bodyPr rtlCol="0" anchor="ctr"/>
+          <a:lstStyle/>
+          <a:p>
+            <a:pPr algn="ctr"/>
+            <a:r>
+              <a:rPr lang="en-US" altLang="ko-KR" sz="1000"/>
+              <a:t>I/O Manager</a:t>
+            </a:r>
+            <a:endParaRPr lang="ko-KR" altLang="en-US" sz="1000"/>
+          </a:p>
+        </p:txBody>
+      </p:sp>
+      <p:sp>
+        <p:nvSpPr>
+          <p:cNvPr id="286" name="사각형: 둥근 모서리 6">
+            <a:extLst>
+              <a:ext uri="{FF2B5EF4-FFF2-40B4-BE49-F238E27FC236}">
+                <a16:creationId xmlns:a16="http://schemas.microsoft.com/office/drawing/2014/main" id="{A51CCDAC-D08B-FF47-8F59-56B2B01AEC9E}"/>
+              </a:ext>
+            </a:extLst>
+          </p:cNvPr>
+          <p:cNvSpPr/>
+          <p:nvPr/>
+        </p:nvSpPr>
+        <p:spPr>
+          <a:xfrm>
+            <a:off x="7981037" y="1244211"/>
+            <a:ext cx="892667" cy="384847"/>
+          </a:xfrm>
+          <a:prstGeom prst="roundRect">
+            <a:avLst>
+              <a:gd name="adj" fmla="val 12503"/>
+            </a:avLst>
+          </a:prstGeom>
+          <a:ln w="9525"/>
+        </p:spPr>
+        <p:style>
+          <a:lnRef idx="2">
+            <a:schemeClr val="dk1"/>
+          </a:lnRef>
+          <a:fillRef idx="1">
+            <a:schemeClr val="lt1"/>
+          </a:fillRef>
+          <a:effectRef idx="0">
+            <a:schemeClr val="dk1"/>
+          </a:effectRef>
+          <a:fontRef idx="minor">
+            <a:schemeClr val="dk1"/>
+          </a:fontRef>
+        </p:style>
+        <p:txBody>
+          <a:bodyPr rtlCol="0" anchor="ctr"/>
+          <a:lstStyle/>
+          <a:p>
+            <a:pPr algn="ctr"/>
+            <a:r>
+              <a:rPr lang="en-US" altLang="ko-KR" sz="1000"/>
+              <a:t>External</a:t>
+            </a:r>
+          </a:p>
+          <a:p>
+            <a:pPr algn="ctr"/>
+            <a:r>
+              <a:rPr lang="en-US" altLang="ko-KR" sz="1000"/>
+              <a:t>Resource</a:t>
+            </a:r>
+            <a:endParaRPr lang="ko-KR" altLang="en-US" sz="1000"/>
+          </a:p>
+        </p:txBody>
+      </p:sp>
+      <p:sp>
+        <p:nvSpPr>
+          <p:cNvPr id="331" name="사각형: 둥근 모서리 6">
+            <a:extLst>
+              <a:ext uri="{FF2B5EF4-FFF2-40B4-BE49-F238E27FC236}">
+                <a16:creationId xmlns:a16="http://schemas.microsoft.com/office/drawing/2014/main" id="{3BA31EBB-F3D9-6F4F-B608-D1E0EE8E5F24}"/>
+              </a:ext>
+            </a:extLst>
+          </p:cNvPr>
+          <p:cNvSpPr/>
+          <p:nvPr/>
+        </p:nvSpPr>
+        <p:spPr>
+          <a:xfrm>
+            <a:off x="1558630" y="3772030"/>
+            <a:ext cx="1121727" cy="279565"/>
+          </a:xfrm>
+          <a:prstGeom prst="roundRect">
+            <a:avLst>
+              <a:gd name="adj" fmla="val 12503"/>
+            </a:avLst>
+          </a:prstGeom>
+          <a:ln w="9525"/>
+        </p:spPr>
+        <p:style>
+          <a:lnRef idx="2">
+            <a:schemeClr val="dk1"/>
+          </a:lnRef>
+          <a:fillRef idx="1">
+            <a:schemeClr val="lt1"/>
+          </a:fillRef>
+          <a:effectRef idx="0">
+            <a:schemeClr val="dk1"/>
+          </a:effectRef>
+          <a:fontRef idx="minor">
+            <a:schemeClr val="dk1"/>
+          </a:fontRef>
+        </p:style>
+        <p:txBody>
+          <a:bodyPr rtlCol="0" anchor="ctr"/>
+          <a:lstStyle/>
+          <a:p>
+            <a:pPr algn="ctr"/>
+            <a:r>
+              <a:rPr lang="en-US" altLang="ko-KR" sz="1000"/>
+              <a:t>I/O Manager</a:t>
+            </a:r>
+            <a:endParaRPr lang="ko-KR" altLang="en-US" sz="1000"/>
+          </a:p>
+        </p:txBody>
+      </p:sp>
+      <p:cxnSp>
+        <p:nvCxnSpPr>
+          <p:cNvPr id="341" name="Straight Arrow Connector 340">
+            <a:extLst>
+              <a:ext uri="{FF2B5EF4-FFF2-40B4-BE49-F238E27FC236}">
+                <a16:creationId xmlns:a16="http://schemas.microsoft.com/office/drawing/2014/main" id="{E0E0E835-82B8-C741-8585-D4B6F38D9BFC}"/>
+              </a:ext>
+            </a:extLst>
+          </p:cNvPr>
+          <p:cNvCxnSpPr>
+            <a:cxnSpLocks/>
+            <a:endCxn id="150" idx="2"/>
+          </p:cNvCxnSpPr>
+          <p:nvPr/>
+        </p:nvCxnSpPr>
+        <p:spPr>
+          <a:xfrm flipH="1" flipV="1">
+            <a:off x="4043889" y="1031400"/>
+            <a:ext cx="1217" cy="250714"/>
+          </a:xfrm>
+          <a:prstGeom prst="straightConnector1">
+            <a:avLst/>
+          </a:prstGeom>
+          <a:ln w="9525">
+            <a:solidFill>
+              <a:schemeClr val="tx1"/>
+            </a:solidFill>
+            <a:tailEnd type="triangle"/>
+          </a:ln>
+        </p:spPr>
+        <p:style>
+          <a:lnRef idx="1">
+            <a:schemeClr val="accent1"/>
+          </a:lnRef>
+          <a:fillRef idx="0">
+            <a:schemeClr val="accent1"/>
+          </a:fillRef>
+          <a:effectRef idx="0">
+            <a:schemeClr val="accent1"/>
+          </a:effectRef>
+          <a:fontRef idx="minor">
+            <a:schemeClr val="tx1"/>
+          </a:fontRef>
+        </p:style>
+      </p:cxnSp>
+      <p:cxnSp>
+        <p:nvCxnSpPr>
+          <p:cNvPr id="344" name="Straight Arrow Connector 343">
+            <a:extLst>
+              <a:ext uri="{FF2B5EF4-FFF2-40B4-BE49-F238E27FC236}">
+                <a16:creationId xmlns:a16="http://schemas.microsoft.com/office/drawing/2014/main" id="{D9B61E03-6F0F-7741-84AA-207E8D4FE1D8}"/>
+              </a:ext>
+            </a:extLst>
+          </p:cNvPr>
+          <p:cNvCxnSpPr>
+            <a:cxnSpLocks/>
+            <a:endCxn id="30" idx="2"/>
+          </p:cNvCxnSpPr>
+          <p:nvPr/>
+        </p:nvCxnSpPr>
+        <p:spPr>
+          <a:xfrm flipV="1">
+            <a:off x="4865189" y="1031400"/>
+            <a:ext cx="0" cy="250714"/>
+          </a:xfrm>
+          <a:prstGeom prst="straightConnector1">
+            <a:avLst/>
+          </a:prstGeom>
+          <a:ln w="9525">
+            <a:solidFill>
+              <a:schemeClr val="tx1"/>
+            </a:solidFill>
+            <a:tailEnd type="triangle"/>
+          </a:ln>
+        </p:spPr>
+        <p:style>
+          <a:lnRef idx="1">
+            <a:schemeClr val="accent1"/>
+          </a:lnRef>
+          <a:fillRef idx="0">
+            <a:schemeClr val="accent1"/>
+          </a:fillRef>
+          <a:effectRef idx="0">
+            <a:schemeClr val="accent1"/>
+          </a:effectRef>
+          <a:fontRef idx="minor">
+            <a:schemeClr val="tx1"/>
+          </a:fontRef>
+        </p:style>
+      </p:cxnSp>
+      <p:sp>
+        <p:nvSpPr>
+          <p:cNvPr id="358" name="TextBox 357">
+            <a:extLst>
+              <a:ext uri="{FF2B5EF4-FFF2-40B4-BE49-F238E27FC236}">
+                <a16:creationId xmlns:a16="http://schemas.microsoft.com/office/drawing/2014/main" id="{952686C8-37DE-874E-B071-60FA372494EF}"/>
+              </a:ext>
+            </a:extLst>
+          </p:cNvPr>
+          <p:cNvSpPr txBox="1"/>
+          <p:nvPr/>
+        </p:nvSpPr>
+        <p:spPr>
+          <a:xfrm>
+            <a:off x="4337020" y="4774361"/>
+            <a:ext cx="1177758" cy="261610"/>
+          </a:xfrm>
+          <a:prstGeom prst="rect">
+            <a:avLst/>
+          </a:prstGeom>
+          <a:noFill/>
+        </p:spPr>
+        <p:txBody>
+          <a:bodyPr wrap="square" rtlCol="0">
+            <a:spAutoFit/>
+          </a:bodyPr>
+          <a:lstStyle/>
+          <a:p>
+            <a:pPr algn="ctr"/>
+            <a:r>
+              <a:rPr lang="en-KR" sz="1100" b="1"/>
+              <a:t>Control Plane</a:t>
+            </a:r>
+          </a:p>
+        </p:txBody>
+      </p:sp>
+      <p:sp>
+        <p:nvSpPr>
+          <p:cNvPr id="359" name="TextBox 358">
+            <a:extLst>
+              <a:ext uri="{FF2B5EF4-FFF2-40B4-BE49-F238E27FC236}">
+                <a16:creationId xmlns:a16="http://schemas.microsoft.com/office/drawing/2014/main" id="{CF6855AB-FA0C-7A46-8D58-4750F6E28273}"/>
+              </a:ext>
+            </a:extLst>
+          </p:cNvPr>
+          <p:cNvSpPr txBox="1"/>
+          <p:nvPr/>
+        </p:nvSpPr>
+        <p:spPr>
+          <a:xfrm>
+            <a:off x="5508769" y="4779702"/>
+            <a:ext cx="1177758" cy="261610"/>
+          </a:xfrm>
+          <a:prstGeom prst="rect">
+            <a:avLst/>
+          </a:prstGeom>
+          <a:noFill/>
+        </p:spPr>
+        <p:txBody>
+          <a:bodyPr wrap="square" rtlCol="0">
+            <a:spAutoFit/>
+          </a:bodyPr>
+          <a:lstStyle/>
+          <a:p>
+            <a:pPr algn="ctr"/>
+            <a:r>
+              <a:rPr lang="en-KR" sz="1100" b="1"/>
+              <a:t>Data Plane</a:t>
+            </a:r>
+          </a:p>
+        </p:txBody>
+      </p:sp>
+      <p:cxnSp>
+        <p:nvCxnSpPr>
+          <p:cNvPr id="396" name="Straight Arrow Connector 395">
+            <a:extLst>
+              <a:ext uri="{FF2B5EF4-FFF2-40B4-BE49-F238E27FC236}">
+                <a16:creationId xmlns:a16="http://schemas.microsoft.com/office/drawing/2014/main" id="{8FED5744-29AA-034B-B020-B66E2C0CF5A1}"/>
+              </a:ext>
+            </a:extLst>
+          </p:cNvPr>
+          <p:cNvCxnSpPr>
+            <a:cxnSpLocks/>
+            <a:stCxn id="274" idx="0"/>
+          </p:cNvCxnSpPr>
+          <p:nvPr/>
+        </p:nvCxnSpPr>
+        <p:spPr>
+          <a:xfrm flipV="1">
+            <a:off x="7358332" y="1629058"/>
+            <a:ext cx="0" cy="326037"/>
+          </a:xfrm>
+          <a:prstGeom prst="straightConnector1">
+            <a:avLst/>
+          </a:prstGeom>
+          <a:ln w="9525">
+            <a:solidFill>
+              <a:schemeClr val="tx1"/>
+            </a:solidFill>
+            <a:headEnd type="triangle" w="med" len="med"/>
+            <a:tailEnd type="triangle" w="med" len="med"/>
+          </a:ln>
+        </p:spPr>
+        <p:style>
+          <a:lnRef idx="1">
+            <a:schemeClr val="accent1"/>
+          </a:lnRef>
+          <a:fillRef idx="0">
+            <a:schemeClr val="accent1"/>
+          </a:fillRef>
+          <a:effectRef idx="0">
+            <a:schemeClr val="accent1"/>
+          </a:effectRef>
+          <a:fontRef idx="minor">
+            <a:schemeClr val="tx1"/>
+          </a:fontRef>
+        </p:style>
+      </p:cxnSp>
+      <p:cxnSp>
+        <p:nvCxnSpPr>
+          <p:cNvPr id="404" name="Straight Arrow Connector 403">
+            <a:extLst>
+              <a:ext uri="{FF2B5EF4-FFF2-40B4-BE49-F238E27FC236}">
+                <a16:creationId xmlns:a16="http://schemas.microsoft.com/office/drawing/2014/main" id="{7599A455-143C-A847-8814-EE77D8F269A6}"/>
+              </a:ext>
+            </a:extLst>
+          </p:cNvPr>
+          <p:cNvCxnSpPr>
+            <a:cxnSpLocks/>
+            <a:endCxn id="274" idx="2"/>
+          </p:cNvCxnSpPr>
+          <p:nvPr/>
+        </p:nvCxnSpPr>
+        <p:spPr>
+          <a:xfrm flipV="1">
+            <a:off x="7358332" y="2461520"/>
+            <a:ext cx="0" cy="331464"/>
+          </a:xfrm>
+          <a:prstGeom prst="straightConnector1">
+            <a:avLst/>
+          </a:prstGeom>
+          <a:ln w="9525">
+            <a:solidFill>
+              <a:schemeClr val="tx1"/>
+            </a:solidFill>
+            <a:headEnd type="triangle" w="med" len="med"/>
+            <a:tailEnd type="triangle" w="med" len="med"/>
+          </a:ln>
+        </p:spPr>
+        <p:style>
+          <a:lnRef idx="1">
+            <a:schemeClr val="accent1"/>
+          </a:lnRef>
+          <a:fillRef idx="0">
+            <a:schemeClr val="accent1"/>
+          </a:fillRef>
+          <a:effectRef idx="0">
+            <a:schemeClr val="accent1"/>
+          </a:effectRef>
+          <a:fontRef idx="minor">
+            <a:schemeClr val="tx1"/>
+          </a:fontRef>
+        </p:style>
+      </p:cxnSp>
+      <p:sp>
+        <p:nvSpPr>
+          <p:cNvPr id="416" name="사각형: 둥근 모서리 6">
+            <a:extLst>
+              <a:ext uri="{FF2B5EF4-FFF2-40B4-BE49-F238E27FC236}">
+                <a16:creationId xmlns:a16="http://schemas.microsoft.com/office/drawing/2014/main" id="{4D234D55-18D7-A14C-B049-57FB1F8EA760}"/>
+              </a:ext>
+            </a:extLst>
+          </p:cNvPr>
+          <p:cNvSpPr/>
+          <p:nvPr/>
+        </p:nvSpPr>
+        <p:spPr>
+          <a:xfrm>
+            <a:off x="5648239" y="1865355"/>
+            <a:ext cx="1098821" cy="685906"/>
+          </a:xfrm>
+          <a:prstGeom prst="roundRect">
+            <a:avLst>
+              <a:gd name="adj" fmla="val 12503"/>
+            </a:avLst>
+          </a:prstGeom>
+          <a:ln w="9525"/>
+        </p:spPr>
+        <p:style>
+          <a:lnRef idx="2">
+            <a:schemeClr val="dk1"/>
+          </a:lnRef>
+          <a:fillRef idx="1">
+            <a:schemeClr val="lt1"/>
+          </a:fillRef>
+          <a:effectRef idx="0">
+            <a:schemeClr val="dk1"/>
+          </a:effectRef>
+          <a:fontRef idx="minor">
+            <a:schemeClr val="dk1"/>
+          </a:fontRef>
+        </p:style>
+        <p:txBody>
+          <a:bodyPr rtlCol="0" anchor="ctr"/>
+          <a:lstStyle/>
+          <a:p>
+            <a:pPr algn="ctr"/>
+            <a:r>
+              <a:rPr lang="en-US" altLang="ko-KR" sz="1000"/>
+              <a:t>I/O Data Store</a:t>
+            </a:r>
+          </a:p>
+          <a:p>
+            <a:pPr algn="ctr"/>
+            <a:r>
+              <a:rPr lang="en-US" altLang="ko-KR" sz="1000"/>
+              <a:t>(Memory, </a:t>
+            </a:r>
+          </a:p>
+          <a:p>
+            <a:pPr algn="ctr"/>
+            <a:r>
+              <a:rPr lang="en-US" altLang="ko-KR" sz="1000"/>
+              <a:t>File System,</a:t>
+            </a:r>
+          </a:p>
+          <a:p>
+            <a:pPr algn="ctr"/>
+            <a:r>
+              <a:rPr lang="en-US" altLang="ko-KR" sz="1000"/>
+              <a:t>S3, DuckDB…)</a:t>
+            </a:r>
+          </a:p>
+        </p:txBody>
+      </p:sp>
+      <p:cxnSp>
+        <p:nvCxnSpPr>
+          <p:cNvPr id="446" name="Straight Arrow Connector 445">
+            <a:extLst>
+              <a:ext uri="{FF2B5EF4-FFF2-40B4-BE49-F238E27FC236}">
+                <a16:creationId xmlns:a16="http://schemas.microsoft.com/office/drawing/2014/main" id="{BE604F54-E76D-A944-9A66-5D90900C6FE9}"/>
+              </a:ext>
+            </a:extLst>
+          </p:cNvPr>
+          <p:cNvCxnSpPr>
+            <a:cxnSpLocks/>
+            <a:stCxn id="274" idx="1"/>
+            <a:endCxn id="416" idx="3"/>
+          </p:cNvCxnSpPr>
+          <p:nvPr/>
+        </p:nvCxnSpPr>
+        <p:spPr>
+          <a:xfrm flipH="1">
+            <a:off x="6747060" y="2208308"/>
+            <a:ext cx="217925" cy="0"/>
+          </a:xfrm>
+          <a:prstGeom prst="straightConnector1">
+            <a:avLst/>
+          </a:prstGeom>
+          <a:ln w="9525">
+            <a:solidFill>
+              <a:schemeClr val="tx1"/>
+            </a:solidFill>
+            <a:headEnd type="triangle" w="med" len="med"/>
+            <a:tailEnd type="triangle" w="med" len="med"/>
+          </a:ln>
+        </p:spPr>
+        <p:style>
+          <a:lnRef idx="1">
+            <a:schemeClr val="accent1"/>
+          </a:lnRef>
+          <a:fillRef idx="0">
+            <a:schemeClr val="accent1"/>
+          </a:fillRef>
+          <a:effectRef idx="0">
+            <a:schemeClr val="accent1"/>
+          </a:effectRef>
+          <a:fontRef idx="minor">
+            <a:schemeClr val="tx1"/>
+          </a:fontRef>
+        </p:style>
+      </p:cxnSp>
+      <p:sp>
+        <p:nvSpPr>
+          <p:cNvPr id="449" name="사각형: 둥근 모서리 6">
+            <a:extLst>
+              <a:ext uri="{FF2B5EF4-FFF2-40B4-BE49-F238E27FC236}">
+                <a16:creationId xmlns:a16="http://schemas.microsoft.com/office/drawing/2014/main" id="{FD5C63F7-55AD-A04E-AA0C-45D2EF6E92D6}"/>
+              </a:ext>
+            </a:extLst>
+          </p:cNvPr>
+          <p:cNvSpPr/>
+          <p:nvPr/>
+        </p:nvSpPr>
+        <p:spPr>
+          <a:xfrm>
+            <a:off x="7981037" y="2807002"/>
+            <a:ext cx="892667" cy="384847"/>
+          </a:xfrm>
+          <a:prstGeom prst="roundRect">
+            <a:avLst>
+              <a:gd name="adj" fmla="val 12503"/>
+            </a:avLst>
+          </a:prstGeom>
+          <a:ln w="9525"/>
+        </p:spPr>
+        <p:style>
+          <a:lnRef idx="2">
+            <a:schemeClr val="dk1"/>
+          </a:lnRef>
+          <a:fillRef idx="1">
+            <a:schemeClr val="lt1"/>
+          </a:fillRef>
+          <a:effectRef idx="0">
+            <a:schemeClr val="dk1"/>
+          </a:effectRef>
+          <a:fontRef idx="minor">
+            <a:schemeClr val="dk1"/>
+          </a:fontRef>
+        </p:style>
+        <p:txBody>
+          <a:bodyPr rtlCol="0" anchor="ctr"/>
+          <a:lstStyle/>
+          <a:p>
+            <a:pPr algn="ctr"/>
+            <a:r>
+              <a:rPr lang="en-US" altLang="ko-KR" sz="1000"/>
+              <a:t>External</a:t>
+            </a:r>
+          </a:p>
+          <a:p>
+            <a:pPr algn="ctr"/>
+            <a:r>
+              <a:rPr lang="en-US" altLang="ko-KR" sz="1000"/>
+              <a:t>Resource</a:t>
+            </a:r>
+            <a:endParaRPr lang="ko-KR" altLang="en-US" sz="1000"/>
+          </a:p>
+        </p:txBody>
+      </p:sp>
+      <p:sp>
+        <p:nvSpPr>
+          <p:cNvPr id="451" name="사각형: 둥근 모서리 6">
+            <a:extLst>
+              <a:ext uri="{FF2B5EF4-FFF2-40B4-BE49-F238E27FC236}">
+                <a16:creationId xmlns:a16="http://schemas.microsoft.com/office/drawing/2014/main" id="{FD6012D6-C801-1749-B9BF-1CC8A68D0D9D}"/>
+              </a:ext>
+            </a:extLst>
+          </p:cNvPr>
+          <p:cNvSpPr/>
+          <p:nvPr/>
+        </p:nvSpPr>
+        <p:spPr>
+          <a:xfrm>
+            <a:off x="7865115" y="1865355"/>
+            <a:ext cx="1124506" cy="685905"/>
+          </a:xfrm>
+          <a:prstGeom prst="roundRect">
+            <a:avLst>
+              <a:gd name="adj" fmla="val 12503"/>
+            </a:avLst>
+          </a:prstGeom>
+          <a:ln w="9525"/>
+        </p:spPr>
+        <p:style>
+          <a:lnRef idx="2">
+            <a:schemeClr val="dk1"/>
+          </a:lnRef>
+          <a:fillRef idx="1">
+            <a:schemeClr val="lt1"/>
+          </a:fillRef>
+          <a:effectRef idx="0">
+            <a:schemeClr val="dk1"/>
+          </a:effectRef>
+          <a:fontRef idx="minor">
+            <a:schemeClr val="dk1"/>
+          </a:fontRef>
+        </p:style>
+        <p:txBody>
+          <a:bodyPr rtlCol="0" anchor="ctr"/>
+          <a:lstStyle/>
+          <a:p>
+            <a:pPr algn="ctr"/>
+            <a:r>
+              <a:rPr lang="en-US" altLang="ko-KR" sz="1000"/>
+              <a:t>External</a:t>
+            </a:r>
+            <a:r>
+              <a:rPr lang="ko-KR" altLang="en-US" sz="1000"/>
+              <a:t> </a:t>
+            </a:r>
+            <a:r>
+              <a:rPr lang="en-US" altLang="ko-KR" sz="1000"/>
+              <a:t>Data Store, BI Tools</a:t>
+            </a:r>
+          </a:p>
+          <a:p>
+            <a:pPr algn="ctr"/>
+            <a:r>
+              <a:rPr lang="en-US" altLang="ko-KR" sz="1000"/>
+              <a:t>(S3, BigQuery…)</a:t>
+            </a:r>
+          </a:p>
+        </p:txBody>
+      </p:sp>
+      <p:cxnSp>
+        <p:nvCxnSpPr>
+          <p:cNvPr id="452" name="Straight Arrow Connector 451">
+            <a:extLst>
+              <a:ext uri="{FF2B5EF4-FFF2-40B4-BE49-F238E27FC236}">
+                <a16:creationId xmlns:a16="http://schemas.microsoft.com/office/drawing/2014/main" id="{3230602F-83E3-C045-A28F-8BAF76780FA2}"/>
+              </a:ext>
+            </a:extLst>
+          </p:cNvPr>
+          <p:cNvCxnSpPr>
+            <a:cxnSpLocks/>
+            <a:endCxn id="449" idx="1"/>
+          </p:cNvCxnSpPr>
+          <p:nvPr/>
+        </p:nvCxnSpPr>
+        <p:spPr>
+          <a:xfrm>
+            <a:off x="7751679" y="2999426"/>
+            <a:ext cx="229358" cy="0"/>
+          </a:xfrm>
+          <a:prstGeom prst="straightConnector1">
+            <a:avLst/>
+          </a:prstGeom>
+          <a:ln w="9525">
+            <a:solidFill>
+              <a:schemeClr val="tx1"/>
+            </a:solidFill>
+            <a:headEnd type="triangle" w="med" len="med"/>
+            <a:tailEnd type="triangle" w="med" len="med"/>
+          </a:ln>
+        </p:spPr>
+        <p:style>
+          <a:lnRef idx="1">
+            <a:schemeClr val="accent1"/>
+          </a:lnRef>
+          <a:fillRef idx="0">
+            <a:schemeClr val="accent1"/>
+          </a:fillRef>
+          <a:effectRef idx="0">
+            <a:schemeClr val="accent1"/>
+          </a:effectRef>
+          <a:fontRef idx="minor">
+            <a:schemeClr val="tx1"/>
+          </a:fontRef>
+        </p:style>
+      </p:cxnSp>
+      <p:cxnSp>
+        <p:nvCxnSpPr>
+          <p:cNvPr id="456" name="Straight Arrow Connector 455">
+            <a:extLst>
+              <a:ext uri="{FF2B5EF4-FFF2-40B4-BE49-F238E27FC236}">
+                <a16:creationId xmlns:a16="http://schemas.microsoft.com/office/drawing/2014/main" id="{7879EFFE-A030-6C43-BFD4-844CBD680CD5}"/>
+              </a:ext>
+            </a:extLst>
+          </p:cNvPr>
+          <p:cNvCxnSpPr>
+            <a:cxnSpLocks/>
+            <a:stCxn id="451" idx="2"/>
+            <a:endCxn id="449" idx="0"/>
+          </p:cNvCxnSpPr>
+          <p:nvPr/>
+        </p:nvCxnSpPr>
+        <p:spPr>
+          <a:xfrm>
+            <a:off x="8427368" y="2551260"/>
+            <a:ext cx="3" cy="255742"/>
+          </a:xfrm>
+          <a:prstGeom prst="straightConnector1">
+            <a:avLst/>
+          </a:prstGeom>
+          <a:ln w="9525">
+            <a:solidFill>
+              <a:schemeClr val="tx1"/>
+            </a:solidFill>
+            <a:headEnd type="triangle" w="med" len="med"/>
+            <a:tailEnd type="triangle" w="med" len="med"/>
+          </a:ln>
+        </p:spPr>
+        <p:style>
+          <a:lnRef idx="1">
+            <a:schemeClr val="accent1"/>
+          </a:lnRef>
+          <a:fillRef idx="0">
+            <a:schemeClr val="accent1"/>
+          </a:fillRef>
+          <a:effectRef idx="0">
+            <a:schemeClr val="accent1"/>
+          </a:effectRef>
+          <a:fontRef idx="minor">
+            <a:schemeClr val="tx1"/>
+          </a:fontRef>
+        </p:style>
+      </p:cxnSp>
+      <p:cxnSp>
+        <p:nvCxnSpPr>
+          <p:cNvPr id="472" name="Straight Arrow Connector 471">
+            <a:extLst>
+              <a:ext uri="{FF2B5EF4-FFF2-40B4-BE49-F238E27FC236}">
+                <a16:creationId xmlns:a16="http://schemas.microsoft.com/office/drawing/2014/main" id="{BE378366-E6ED-7F4D-9CBB-F2BFC99C9181}"/>
+              </a:ext>
+            </a:extLst>
+          </p:cNvPr>
+          <p:cNvCxnSpPr>
+            <a:cxnSpLocks/>
+            <a:endCxn id="286" idx="1"/>
+          </p:cNvCxnSpPr>
+          <p:nvPr/>
+        </p:nvCxnSpPr>
+        <p:spPr>
+          <a:xfrm flipV="1">
+            <a:off x="7737088" y="1436635"/>
+            <a:ext cx="243949" cy="1"/>
+          </a:xfrm>
+          <a:prstGeom prst="straightConnector1">
+            <a:avLst/>
+          </a:prstGeom>
+          <a:ln w="9525">
+            <a:solidFill>
+              <a:schemeClr val="tx1"/>
+            </a:solidFill>
+            <a:headEnd type="triangle" w="med" len="med"/>
+            <a:tailEnd type="triangle" w="med" len="med"/>
+          </a:ln>
+        </p:spPr>
+        <p:style>
+          <a:lnRef idx="1">
+            <a:schemeClr val="accent1"/>
+          </a:lnRef>
+          <a:fillRef idx="0">
+            <a:schemeClr val="accent1"/>
+          </a:fillRef>
+          <a:effectRef idx="0">
+            <a:schemeClr val="accent1"/>
+          </a:effectRef>
+          <a:fontRef idx="minor">
+            <a:schemeClr val="tx1"/>
+          </a:fontRef>
+        </p:style>
+      </p:cxnSp>
+      <p:cxnSp>
+        <p:nvCxnSpPr>
+          <p:cNvPr id="475" name="Straight Arrow Connector 474">
+            <a:extLst>
+              <a:ext uri="{FF2B5EF4-FFF2-40B4-BE49-F238E27FC236}">
+                <a16:creationId xmlns:a16="http://schemas.microsoft.com/office/drawing/2014/main" id="{F82BE533-B04D-6341-AC55-A78B7BF71834}"/>
+              </a:ext>
+            </a:extLst>
+          </p:cNvPr>
+          <p:cNvCxnSpPr>
+            <a:cxnSpLocks/>
+            <a:stCxn id="451" idx="0"/>
+            <a:endCxn id="286" idx="2"/>
+          </p:cNvCxnSpPr>
+          <p:nvPr/>
+        </p:nvCxnSpPr>
+        <p:spPr>
+          <a:xfrm flipV="1">
+            <a:off x="8427368" y="1629058"/>
+            <a:ext cx="3" cy="236297"/>
+          </a:xfrm>
+          <a:prstGeom prst="straightConnector1">
+            <a:avLst/>
+          </a:prstGeom>
+          <a:ln w="9525">
+            <a:solidFill>
+              <a:schemeClr val="tx1"/>
+            </a:solidFill>
+            <a:headEnd type="triangle" w="med" len="med"/>
+            <a:tailEnd type="triangle" w="med" len="med"/>
+          </a:ln>
+        </p:spPr>
+        <p:style>
+          <a:lnRef idx="1">
+            <a:schemeClr val="accent1"/>
+          </a:lnRef>
+          <a:fillRef idx="0">
+            <a:schemeClr val="accent1"/>
+          </a:fillRef>
+          <a:effectRef idx="0">
+            <a:schemeClr val="accent1"/>
+          </a:effectRef>
+          <a:fontRef idx="minor">
+            <a:schemeClr val="tx1"/>
+          </a:fontRef>
+        </p:style>
+      </p:cxnSp>
+      <p:cxnSp>
+        <p:nvCxnSpPr>
+          <p:cNvPr id="84" name="Elbow Connector 83">
+            <a:extLst>
+              <a:ext uri="{FF2B5EF4-FFF2-40B4-BE49-F238E27FC236}">
+                <a16:creationId xmlns:a16="http://schemas.microsoft.com/office/drawing/2014/main" id="{C5C6E526-3ADD-5F49-9228-E49157F9D74F}"/>
+              </a:ext>
+            </a:extLst>
+          </p:cNvPr>
+          <p:cNvCxnSpPr>
+            <a:cxnSpLocks/>
+            <a:stCxn id="173" idx="2"/>
+            <a:endCxn id="32" idx="3"/>
+          </p:cNvCxnSpPr>
+          <p:nvPr/>
+        </p:nvCxnSpPr>
+        <p:spPr>
+          <a:xfrm rot="5400000">
+            <a:off x="6270598" y="4147968"/>
+            <a:ext cx="438177" cy="406529"/>
+          </a:xfrm>
+          <a:prstGeom prst="bentConnector2">
+            <a:avLst/>
+          </a:prstGeom>
+          <a:ln w="9525">
+            <a:solidFill>
+              <a:schemeClr val="tx1"/>
+            </a:solidFill>
+            <a:tailEnd type="triangle"/>
+          </a:ln>
+        </p:spPr>
+        <p:style>
+          <a:lnRef idx="1">
+            <a:schemeClr val="accent1"/>
+          </a:lnRef>
+          <a:fillRef idx="0">
+            <a:schemeClr val="accent1"/>
+          </a:fillRef>
+          <a:effectRef idx="0">
+            <a:schemeClr val="accent1"/>
+          </a:effectRef>
+          <a:fontRef idx="minor">
+            <a:schemeClr val="tx1"/>
+          </a:fontRef>
+        </p:style>
+      </p:cxnSp>
+      <p:cxnSp>
+        <p:nvCxnSpPr>
+          <p:cNvPr id="85" name="Elbow Connector 84">
+            <a:extLst>
+              <a:ext uri="{FF2B5EF4-FFF2-40B4-BE49-F238E27FC236}">
+                <a16:creationId xmlns:a16="http://schemas.microsoft.com/office/drawing/2014/main" id="{C7229042-D38D-A741-AA2C-9387A40C0582}"/>
+              </a:ext>
+            </a:extLst>
+          </p:cNvPr>
+          <p:cNvCxnSpPr>
+            <a:cxnSpLocks/>
+            <a:stCxn id="146" idx="3"/>
+            <a:endCxn id="32" idx="3"/>
+          </p:cNvCxnSpPr>
+          <p:nvPr/>
+        </p:nvCxnSpPr>
+        <p:spPr>
+          <a:xfrm flipH="1">
+            <a:off x="6286421" y="959478"/>
+            <a:ext cx="1450667" cy="3610843"/>
+          </a:xfrm>
+          <a:prstGeom prst="bentConnector3">
+            <a:avLst>
+              <a:gd name="adj1" fmla="val -91804"/>
+            </a:avLst>
+          </a:prstGeom>
+          <a:ln w="9525">
+            <a:solidFill>
+              <a:schemeClr val="tx1"/>
+            </a:solidFill>
+            <a:tailEnd type="triangle"/>
+          </a:ln>
+        </p:spPr>
+        <p:style>
+          <a:lnRef idx="1">
+            <a:schemeClr val="accent1"/>
+          </a:lnRef>
+          <a:fillRef idx="0">
+            <a:schemeClr val="accent1"/>
+          </a:fillRef>
+          <a:effectRef idx="0">
+            <a:schemeClr val="accent1"/>
+          </a:effectRef>
+          <a:fontRef idx="minor">
+            <a:schemeClr val="tx1"/>
+          </a:fontRef>
+        </p:style>
+      </p:cxnSp>
+      <p:pic>
+        <p:nvPicPr>
+          <p:cNvPr id="1026" name="Picture 2" descr="사람 - 무료 사회적인개 아이콘">
+            <a:extLst>
+              <a:ext uri="{FF2B5EF4-FFF2-40B4-BE49-F238E27FC236}">
+                <a16:creationId xmlns:a16="http://schemas.microsoft.com/office/drawing/2014/main" id="{B07DE265-35BE-B04B-9EF0-23438CF39D6A}"/>
+              </a:ext>
+            </a:extLst>
+          </p:cNvPr>
+          <p:cNvPicPr>
+            <a:picLocks noChangeAspect="1" noChangeArrowheads="1"/>
+          </p:cNvPicPr>
+          <p:nvPr/>
+        </p:nvPicPr>
+        <p:blipFill>
+          <a:blip r:embed="rId2">
+            <a:extLst>
+              <a:ext uri="{28A0092B-C50C-407E-A947-70E740481C1C}">
+                <a14:useLocalDpi xmlns:a14="http://schemas.microsoft.com/office/drawing/2010/main" val="0"/>
+              </a:ext>
+            </a:extLst>
+          </a:blip>
+          <a:srcRect/>
+          <a:stretch>
+            <a:fillRect/>
+          </a:stretch>
+        </p:blipFill>
+        <p:spPr bwMode="auto">
+          <a:xfrm>
+            <a:off x="494143" y="475885"/>
+            <a:ext cx="555515" cy="555515"/>
+          </a:xfrm>
+          <a:prstGeom prst="rect">
+            <a:avLst/>
+          </a:prstGeom>
+          <a:noFill/>
+          <a:extLst>
+            <a:ext uri="{909E8E84-426E-40DD-AFC4-6F175D3DCCD1}">
+              <a14:hiddenFill xmlns:a14="http://schemas.microsoft.com/office/drawing/2010/main">
+                <a:solidFill>
+                  <a:srgbClr val="FFFFFF"/>
+                </a:solidFill>
+              </a14:hiddenFill>
+            </a:ext>
+          </a:extLst>
+        </p:spPr>
+      </p:pic>
+      <p:cxnSp>
+        <p:nvCxnSpPr>
+          <p:cNvPr id="91" name="Straight Arrow Connector 90">
+            <a:extLst>
+              <a:ext uri="{FF2B5EF4-FFF2-40B4-BE49-F238E27FC236}">
+                <a16:creationId xmlns:a16="http://schemas.microsoft.com/office/drawing/2014/main" id="{8DD730B4-47DE-0A4A-9EE2-4AABA8C25E34}"/>
+              </a:ext>
+            </a:extLst>
+          </p:cNvPr>
+          <p:cNvCxnSpPr>
+            <a:cxnSpLocks/>
+          </p:cNvCxnSpPr>
+          <p:nvPr/>
+        </p:nvCxnSpPr>
+        <p:spPr>
+          <a:xfrm>
+            <a:off x="1622763" y="967462"/>
+            <a:ext cx="152400" cy="1537187"/>
+          </a:xfrm>
+          <a:prstGeom prst="straightConnector1">
+            <a:avLst/>
+          </a:prstGeom>
+          <a:ln w="9525">
+            <a:solidFill>
+              <a:schemeClr val="tx1"/>
+            </a:solidFill>
+            <a:tailEnd type="triangle"/>
+          </a:ln>
+        </p:spPr>
+        <p:style>
+          <a:lnRef idx="1">
+            <a:schemeClr val="accent1"/>
+          </a:lnRef>
+          <a:fillRef idx="0">
+            <a:schemeClr val="accent1"/>
+          </a:fillRef>
+          <a:effectRef idx="0">
+            <a:schemeClr val="accent1"/>
+          </a:effectRef>
+          <a:fontRef idx="minor">
+            <a:schemeClr val="tx1"/>
+          </a:fontRef>
+        </p:style>
+      </p:cxnSp>
+      <p:sp>
+        <p:nvSpPr>
+          <p:cNvPr id="92" name="TextBox 91">
+            <a:extLst>
+              <a:ext uri="{FF2B5EF4-FFF2-40B4-BE49-F238E27FC236}">
+                <a16:creationId xmlns:a16="http://schemas.microsoft.com/office/drawing/2014/main" id="{660C1359-261F-DF4F-B7C4-4D3A2F407C9E}"/>
+              </a:ext>
+            </a:extLst>
+          </p:cNvPr>
+          <p:cNvSpPr txBox="1"/>
+          <p:nvPr/>
+        </p:nvSpPr>
+        <p:spPr>
+          <a:xfrm>
+            <a:off x="177329" y="956022"/>
+            <a:ext cx="1177758" cy="261610"/>
+          </a:xfrm>
+          <a:prstGeom prst="rect">
+            <a:avLst/>
+          </a:prstGeom>
+          <a:noFill/>
+        </p:spPr>
+        <p:txBody>
+          <a:bodyPr wrap="square" rtlCol="0">
+            <a:spAutoFit/>
+          </a:bodyPr>
+          <a:lstStyle/>
+          <a:p>
+            <a:pPr algn="ctr"/>
+            <a:r>
+              <a:rPr lang="en-US" sz="1100" b="1"/>
+              <a:t>User</a:t>
+            </a:r>
+            <a:endParaRPr lang="en-KR" sz="1100" b="1"/>
+          </a:p>
+        </p:txBody>
+      </p:sp>
+    </p:spTree>
+    <p:extLst>
+      <p:ext uri="{BB962C8B-B14F-4D97-AF65-F5344CB8AC3E}">
+        <p14:creationId xmlns:p14="http://schemas.microsoft.com/office/powerpoint/2010/main" val="222216298"/>
+      </p:ext>
+    </p:extLst>
+  </p:cSld>
+  <p:clrMapOvr>
+    <a:masterClrMapping/>
+  </p:clrMapOvr>
+</p:sld>
+</file>
+
+<file path=ppt/slides/slide4.xml><?xml version="1.0" encoding="utf-8"?>
 <p:sld xmlns:a="http://schemas.openxmlformats.org/drawingml/2006/main" xmlns:r="http://schemas.openxmlformats.org/officeDocument/2006/relationships" xmlns:p="http://schemas.openxmlformats.org/presentationml/2006/main">
   <p:cSld>
     <p:spTree>

--- a/content/docs/theory-analysis/dagster-architecture/images/images.pptx
+++ b/content/docs/theory-analysis/dagster-architecture/images/images.pptx
@@ -216,7 +216,7 @@
           <a:p>
             <a:fld id="{6CD5550B-26C4-49A9-A5BA-636EF7BE6CE9}" type="datetimeFigureOut">
               <a:rPr lang="ko-KR" altLang="en-US" smtClean="0"/>
-              <a:t>2025. 3. 15.</a:t>
+              <a:t>2025. 3. 17.</a:t>
             </a:fld>
             <a:endParaRPr lang="ko-KR" altLang="en-US"/>
           </a:p>
@@ -662,7 +662,7 @@
           <a:p>
             <a:fld id="{FB30EDBD-1C2D-4C1E-B459-B60219FAB484}" type="datetimeFigureOut">
               <a:rPr lang="ko-KR" altLang="en-US" smtClean="0"/>
-              <a:t>2025. 3. 15.</a:t>
+              <a:t>2025. 3. 17.</a:t>
             </a:fld>
             <a:endParaRPr lang="ko-KR" altLang="en-US"/>
           </a:p>
@@ -825,7 +825,7 @@
           <a:p>
             <a:fld id="{FB30EDBD-1C2D-4C1E-B459-B60219FAB484}" type="datetimeFigureOut">
               <a:rPr lang="ko-KR" altLang="en-US" smtClean="0"/>
-              <a:t>2025. 3. 15.</a:t>
+              <a:t>2025. 3. 17.</a:t>
             </a:fld>
             <a:endParaRPr lang="ko-KR" altLang="en-US"/>
           </a:p>
@@ -998,7 +998,7 @@
           <a:p>
             <a:fld id="{FB30EDBD-1C2D-4C1E-B459-B60219FAB484}" type="datetimeFigureOut">
               <a:rPr lang="ko-KR" altLang="en-US" smtClean="0"/>
-              <a:t>2025. 3. 15.</a:t>
+              <a:t>2025. 3. 17.</a:t>
             </a:fld>
             <a:endParaRPr lang="ko-KR" altLang="en-US"/>
           </a:p>
@@ -1161,7 +1161,7 @@
           <a:p>
             <a:fld id="{FB30EDBD-1C2D-4C1E-B459-B60219FAB484}" type="datetimeFigureOut">
               <a:rPr lang="ko-KR" altLang="en-US" smtClean="0"/>
-              <a:t>2025. 3. 15.</a:t>
+              <a:t>2025. 3. 17.</a:t>
             </a:fld>
             <a:endParaRPr lang="ko-KR" altLang="en-US"/>
           </a:p>
@@ -1401,7 +1401,7 @@
           <a:p>
             <a:fld id="{FB30EDBD-1C2D-4C1E-B459-B60219FAB484}" type="datetimeFigureOut">
               <a:rPr lang="ko-KR" altLang="en-US" smtClean="0"/>
-              <a:t>2025. 3. 15.</a:t>
+              <a:t>2025. 3. 17.</a:t>
             </a:fld>
             <a:endParaRPr lang="ko-KR" altLang="en-US"/>
           </a:p>
@@ -1681,7 +1681,7 @@
           <a:p>
             <a:fld id="{FB30EDBD-1C2D-4C1E-B459-B60219FAB484}" type="datetimeFigureOut">
               <a:rPr lang="ko-KR" altLang="en-US" smtClean="0"/>
-              <a:t>2025. 3. 15.</a:t>
+              <a:t>2025. 3. 17.</a:t>
             </a:fld>
             <a:endParaRPr lang="ko-KR" altLang="en-US"/>
           </a:p>
@@ -2095,7 +2095,7 @@
           <a:p>
             <a:fld id="{FB30EDBD-1C2D-4C1E-B459-B60219FAB484}" type="datetimeFigureOut">
               <a:rPr lang="ko-KR" altLang="en-US" smtClean="0"/>
-              <a:t>2025. 3. 15.</a:t>
+              <a:t>2025. 3. 17.</a:t>
             </a:fld>
             <a:endParaRPr lang="ko-KR" altLang="en-US"/>
           </a:p>
@@ -2207,7 +2207,7 @@
           <a:p>
             <a:fld id="{FB30EDBD-1C2D-4C1E-B459-B60219FAB484}" type="datetimeFigureOut">
               <a:rPr lang="ko-KR" altLang="en-US" smtClean="0"/>
-              <a:t>2025. 3. 15.</a:t>
+              <a:t>2025. 3. 17.</a:t>
             </a:fld>
             <a:endParaRPr lang="ko-KR" altLang="en-US"/>
           </a:p>
@@ -2297,7 +2297,7 @@
           <a:p>
             <a:fld id="{FB30EDBD-1C2D-4C1E-B459-B60219FAB484}" type="datetimeFigureOut">
               <a:rPr lang="ko-KR" altLang="en-US" smtClean="0"/>
-              <a:t>2025. 3. 15.</a:t>
+              <a:t>2025. 3. 17.</a:t>
             </a:fld>
             <a:endParaRPr lang="ko-KR" altLang="en-US"/>
           </a:p>
@@ -2567,7 +2567,7 @@
           <a:p>
             <a:fld id="{FB30EDBD-1C2D-4C1E-B459-B60219FAB484}" type="datetimeFigureOut">
               <a:rPr lang="ko-KR" altLang="en-US" smtClean="0"/>
-              <a:t>2025. 3. 15.</a:t>
+              <a:t>2025. 3. 17.</a:t>
             </a:fld>
             <a:endParaRPr lang="ko-KR" altLang="en-US"/>
           </a:p>
@@ -2814,7 +2814,7 @@
           <a:p>
             <a:fld id="{FB30EDBD-1C2D-4C1E-B459-B60219FAB484}" type="datetimeFigureOut">
               <a:rPr lang="ko-KR" altLang="en-US" smtClean="0"/>
-              <a:t>2025. 3. 15.</a:t>
+              <a:t>2025. 3. 17.</a:t>
             </a:fld>
             <a:endParaRPr lang="ko-KR" altLang="en-US"/>
           </a:p>
@@ -3020,7 +3020,7 @@
           <a:p>
             <a:fld id="{FB30EDBD-1C2D-4C1E-B459-B60219FAB484}" type="datetimeFigureOut">
               <a:rPr lang="ko-KR" altLang="en-US" smtClean="0"/>
-              <a:t>2025. 3. 15.</a:t>
+              <a:t>2025. 3. 17.</a:t>
             </a:fld>
             <a:endParaRPr lang="ko-KR" altLang="en-US"/>
           </a:p>
@@ -3693,8 +3693,8 @@
         </p:nvSpPr>
         <p:spPr>
           <a:xfrm>
-            <a:off x="4731118" y="4399222"/>
-            <a:ext cx="1555303" cy="342198"/>
+            <a:off x="4645339" y="4399222"/>
+            <a:ext cx="1726862" cy="342198"/>
           </a:xfrm>
           <a:prstGeom prst="roundRect">
             <a:avLst>
@@ -3726,7 +3726,13 @@
               <a:rPr lang="en-US" altLang="ko-KR" sz="1100"/>
               <a:t>Database</a:t>
             </a:r>
-            <a:endParaRPr lang="ko-KR" altLang="en-US" sz="1100"/>
+          </a:p>
+          <a:p>
+            <a:pPr algn="ctr"/>
+            <a:r>
+              <a:rPr lang="en-US" altLang="ko-KR" sz="1100"/>
+              <a:t>(PostgreSQL, MySQL…)</a:t>
+            </a:r>
           </a:p>
         </p:txBody>
       </p:sp>
@@ -5207,12 +5213,12 @@
         </p:nvCxnSpPr>
         <p:spPr>
           <a:xfrm rot="10800000" flipH="1" flipV="1">
-            <a:off x="253466" y="1573737"/>
-            <a:ext cx="4477651" cy="2996584"/>
+            <a:off x="253467" y="1573737"/>
+            <a:ext cx="4391872" cy="2996584"/>
           </a:xfrm>
           <a:prstGeom prst="bentConnector3">
             <a:avLst>
-              <a:gd name="adj1" fmla="val -3076"/>
+              <a:gd name="adj1" fmla="val -2458"/>
             </a:avLst>
           </a:prstGeom>
           <a:ln w="9525">
@@ -5255,12 +5261,12 @@
         </p:nvCxnSpPr>
         <p:spPr>
           <a:xfrm rot="10800000" flipH="1" flipV="1">
-            <a:off x="253466" y="2707807"/>
-            <a:ext cx="4477651" cy="1862514"/>
+            <a:off x="253467" y="2707807"/>
+            <a:ext cx="4391872" cy="1862514"/>
           </a:xfrm>
           <a:prstGeom prst="bentConnector3">
             <a:avLst>
-              <a:gd name="adj1" fmla="val -3076"/>
+              <a:gd name="adj1" fmla="val -2458"/>
             </a:avLst>
           </a:prstGeom>
           <a:ln w="9525">
@@ -7197,8 +7203,8 @@
         </p:nvCxnSpPr>
         <p:spPr>
           <a:xfrm rot="5400000">
-            <a:off x="6270598" y="4147968"/>
-            <a:ext cx="438177" cy="406529"/>
+            <a:off x="6313488" y="4190858"/>
+            <a:ext cx="438177" cy="320749"/>
           </a:xfrm>
           <a:prstGeom prst="bentConnector2">
             <a:avLst/>
@@ -7243,12 +7249,12 @@
         </p:nvCxnSpPr>
         <p:spPr>
           <a:xfrm flipH="1">
-            <a:off x="6286421" y="959478"/>
-            <a:ext cx="1450667" cy="3610843"/>
+            <a:off x="6372201" y="959478"/>
+            <a:ext cx="1364887" cy="3610843"/>
           </a:xfrm>
           <a:prstGeom prst="bentConnector3">
             <a:avLst>
-              <a:gd name="adj1" fmla="val -91804"/>
+              <a:gd name="adj1" fmla="val -97142"/>
             </a:avLst>
           </a:prstGeom>
           <a:ln w="9525">
